--- a/Students/siddharthajit/Tutorial Presentation/Thompson Sampling.pptx
+++ b/Students/siddharthajit/Tutorial Presentation/Thompson Sampling.pptx
@@ -4,24 +4,27 @@
   <p:sldMasterIdLst>
     <p:sldMasterId id="2147483660" r:id="rId1"/>
   </p:sldMasterIdLst>
+  <p:notesMasterIdLst>
+    <p:notesMasterId r:id="rId19"/>
+  </p:notesMasterIdLst>
   <p:sldIdLst>
     <p:sldId id="256" r:id="rId2"/>
     <p:sldId id="257" r:id="rId3"/>
-    <p:sldId id="258" r:id="rId4"/>
-    <p:sldId id="267" r:id="rId5"/>
-    <p:sldId id="268" r:id="rId6"/>
+    <p:sldId id="267" r:id="rId4"/>
+    <p:sldId id="268" r:id="rId5"/>
+    <p:sldId id="274" r:id="rId6"/>
     <p:sldId id="270" r:id="rId7"/>
     <p:sldId id="269" r:id="rId8"/>
     <p:sldId id="272" r:id="rId9"/>
-    <p:sldId id="275" r:id="rId10"/>
-    <p:sldId id="274" r:id="rId11"/>
-    <p:sldId id="276" r:id="rId12"/>
-    <p:sldId id="278" r:id="rId13"/>
-    <p:sldId id="277" r:id="rId14"/>
-    <p:sldId id="261" r:id="rId15"/>
-    <p:sldId id="262" r:id="rId16"/>
-    <p:sldId id="263" r:id="rId17"/>
-    <p:sldId id="264" r:id="rId18"/>
+    <p:sldId id="277" r:id="rId10"/>
+    <p:sldId id="276" r:id="rId11"/>
+    <p:sldId id="278" r:id="rId12"/>
+    <p:sldId id="261" r:id="rId13"/>
+    <p:sldId id="262" r:id="rId14"/>
+    <p:sldId id="263" r:id="rId15"/>
+    <p:sldId id="264" r:id="rId16"/>
+    <p:sldId id="279" r:id="rId17"/>
+    <p:sldId id="265" r:id="rId18"/>
   </p:sldIdLst>
   <p:sldSz cx="12192000" cy="6858000"/>
   <p:notesSz cx="6858000" cy="9144000"/>
@@ -128,6 +131,942 @@
 </p:presentation>
 </file>
 
+<file path=ppt/notesMasters/notesMaster1.xml><?xml version="1.0" encoding="utf-8"?>
+<p:notesMaster xmlns:a="http://schemas.openxmlformats.org/drawingml/2006/main" xmlns:r="http://schemas.openxmlformats.org/officeDocument/2006/relationships" xmlns:p="http://schemas.openxmlformats.org/presentationml/2006/main">
+  <p:cSld>
+    <p:bg>
+      <p:bgRef idx="1001">
+        <a:schemeClr val="bg1"/>
+      </p:bgRef>
+    </p:bg>
+    <p:spTree>
+      <p:nvGrpSpPr>
+        <p:cNvPr id="1" name=""/>
+        <p:cNvGrpSpPr/>
+        <p:nvPr/>
+      </p:nvGrpSpPr>
+      <p:grpSpPr>
+        <a:xfrm>
+          <a:off x="0" y="0"/>
+          <a:ext cx="0" cy="0"/>
+          <a:chOff x="0" y="0"/>
+          <a:chExt cx="0" cy="0"/>
+        </a:xfrm>
+      </p:grpSpPr>
+      <p:sp>
+        <p:nvSpPr>
+          <p:cNvPr id="2" name="Header Placeholder 1"/>
+          <p:cNvSpPr>
+            <a:spLocks noGrp="1"/>
+          </p:cNvSpPr>
+          <p:nvPr>
+            <p:ph type="hdr" sz="quarter"/>
+          </p:nvPr>
+        </p:nvSpPr>
+        <p:spPr>
+          <a:xfrm>
+            <a:off x="0" y="0"/>
+            <a:ext cx="2971800" cy="458788"/>
+          </a:xfrm>
+          <a:prstGeom prst="rect">
+            <a:avLst/>
+          </a:prstGeom>
+        </p:spPr>
+        <p:txBody>
+          <a:bodyPr vert="horz" lIns="91440" tIns="45720" rIns="91440" bIns="45720" rtlCol="0"/>
+          <a:lstStyle>
+            <a:lvl1pPr algn="l">
+              <a:defRPr sz="1200"/>
+            </a:lvl1pPr>
+          </a:lstStyle>
+          <a:p>
+            <a:endParaRPr lang="en-US"/>
+          </a:p>
+        </p:txBody>
+      </p:sp>
+      <p:sp>
+        <p:nvSpPr>
+          <p:cNvPr id="3" name="Date Placeholder 2"/>
+          <p:cNvSpPr>
+            <a:spLocks noGrp="1"/>
+          </p:cNvSpPr>
+          <p:nvPr>
+            <p:ph type="dt" idx="1"/>
+          </p:nvPr>
+        </p:nvSpPr>
+        <p:spPr>
+          <a:xfrm>
+            <a:off x="3884613" y="0"/>
+            <a:ext cx="2971800" cy="458788"/>
+          </a:xfrm>
+          <a:prstGeom prst="rect">
+            <a:avLst/>
+          </a:prstGeom>
+        </p:spPr>
+        <p:txBody>
+          <a:bodyPr vert="horz" lIns="91440" tIns="45720" rIns="91440" bIns="45720" rtlCol="0"/>
+          <a:lstStyle>
+            <a:lvl1pPr algn="r">
+              <a:defRPr sz="1200"/>
+            </a:lvl1pPr>
+          </a:lstStyle>
+          <a:p>
+            <a:fld id="{DFA2E011-1CC6-4026-98C1-990352C279EE}" type="datetimeFigureOut">
+              <a:rPr lang="en-US" smtClean="0"/>
+              <a:t>10/8/2018</a:t>
+            </a:fld>
+            <a:endParaRPr lang="en-US"/>
+          </a:p>
+        </p:txBody>
+      </p:sp>
+      <p:sp>
+        <p:nvSpPr>
+          <p:cNvPr id="4" name="Slide Image Placeholder 3"/>
+          <p:cNvSpPr>
+            <a:spLocks noGrp="1" noRot="1" noChangeAspect="1"/>
+          </p:cNvSpPr>
+          <p:nvPr>
+            <p:ph type="sldImg" idx="2"/>
+          </p:nvPr>
+        </p:nvSpPr>
+        <p:spPr>
+          <a:xfrm>
+            <a:off x="685800" y="1143000"/>
+            <a:ext cx="5486400" cy="3086100"/>
+          </a:xfrm>
+          <a:prstGeom prst="rect">
+            <a:avLst/>
+          </a:prstGeom>
+          <a:noFill/>
+          <a:ln w="12700">
+            <a:solidFill>
+              <a:prstClr val="black"/>
+            </a:solidFill>
+          </a:ln>
+        </p:spPr>
+        <p:txBody>
+          <a:bodyPr vert="horz" lIns="91440" tIns="45720" rIns="91440" bIns="45720" rtlCol="0" anchor="ctr"/>
+          <a:lstStyle/>
+          <a:p>
+            <a:endParaRPr lang="en-US"/>
+          </a:p>
+        </p:txBody>
+      </p:sp>
+      <p:sp>
+        <p:nvSpPr>
+          <p:cNvPr id="5" name="Notes Placeholder 4"/>
+          <p:cNvSpPr>
+            <a:spLocks noGrp="1"/>
+          </p:cNvSpPr>
+          <p:nvPr>
+            <p:ph type="body" sz="quarter" idx="3"/>
+          </p:nvPr>
+        </p:nvSpPr>
+        <p:spPr>
+          <a:xfrm>
+            <a:off x="685800" y="4400550"/>
+            <a:ext cx="5486400" cy="3600450"/>
+          </a:xfrm>
+          <a:prstGeom prst="rect">
+            <a:avLst/>
+          </a:prstGeom>
+        </p:spPr>
+        <p:txBody>
+          <a:bodyPr vert="horz" lIns="91440" tIns="45720" rIns="91440" bIns="45720" rtlCol="0"/>
+          <a:lstStyle/>
+          <a:p>
+            <a:pPr lvl="0"/>
+            <a:r>
+              <a:rPr lang="en-US"/>
+              <a:t>Edit Master text styles</a:t>
+            </a:r>
+          </a:p>
+          <a:p>
+            <a:pPr lvl="1"/>
+            <a:r>
+              <a:rPr lang="en-US"/>
+              <a:t>Second level</a:t>
+            </a:r>
+          </a:p>
+          <a:p>
+            <a:pPr lvl="2"/>
+            <a:r>
+              <a:rPr lang="en-US"/>
+              <a:t>Third level</a:t>
+            </a:r>
+          </a:p>
+          <a:p>
+            <a:pPr lvl="3"/>
+            <a:r>
+              <a:rPr lang="en-US"/>
+              <a:t>Fourth level</a:t>
+            </a:r>
+          </a:p>
+          <a:p>
+            <a:pPr lvl="4"/>
+            <a:r>
+              <a:rPr lang="en-US"/>
+              <a:t>Fifth level</a:t>
+            </a:r>
+          </a:p>
+        </p:txBody>
+      </p:sp>
+      <p:sp>
+        <p:nvSpPr>
+          <p:cNvPr id="6" name="Footer Placeholder 5"/>
+          <p:cNvSpPr>
+            <a:spLocks noGrp="1"/>
+          </p:cNvSpPr>
+          <p:nvPr>
+            <p:ph type="ftr" sz="quarter" idx="4"/>
+          </p:nvPr>
+        </p:nvSpPr>
+        <p:spPr>
+          <a:xfrm>
+            <a:off x="0" y="8685213"/>
+            <a:ext cx="2971800" cy="458787"/>
+          </a:xfrm>
+          <a:prstGeom prst="rect">
+            <a:avLst/>
+          </a:prstGeom>
+        </p:spPr>
+        <p:txBody>
+          <a:bodyPr vert="horz" lIns="91440" tIns="45720" rIns="91440" bIns="45720" rtlCol="0" anchor="b"/>
+          <a:lstStyle>
+            <a:lvl1pPr algn="l">
+              <a:defRPr sz="1200"/>
+            </a:lvl1pPr>
+          </a:lstStyle>
+          <a:p>
+            <a:endParaRPr lang="en-US"/>
+          </a:p>
+        </p:txBody>
+      </p:sp>
+      <p:sp>
+        <p:nvSpPr>
+          <p:cNvPr id="7" name="Slide Number Placeholder 6"/>
+          <p:cNvSpPr>
+            <a:spLocks noGrp="1"/>
+          </p:cNvSpPr>
+          <p:nvPr>
+            <p:ph type="sldNum" sz="quarter" idx="5"/>
+          </p:nvPr>
+        </p:nvSpPr>
+        <p:spPr>
+          <a:xfrm>
+            <a:off x="3884613" y="8685213"/>
+            <a:ext cx="2971800" cy="458787"/>
+          </a:xfrm>
+          <a:prstGeom prst="rect">
+            <a:avLst/>
+          </a:prstGeom>
+        </p:spPr>
+        <p:txBody>
+          <a:bodyPr vert="horz" lIns="91440" tIns="45720" rIns="91440" bIns="45720" rtlCol="0" anchor="b"/>
+          <a:lstStyle>
+            <a:lvl1pPr algn="r">
+              <a:defRPr sz="1200"/>
+            </a:lvl1pPr>
+          </a:lstStyle>
+          <a:p>
+            <a:fld id="{B42D21C2-7EE8-499C-AB19-BD0BEFDA3A32}" type="slidenum">
+              <a:rPr lang="en-US" smtClean="0"/>
+              <a:t>‹#›</a:t>
+            </a:fld>
+            <a:endParaRPr lang="en-US"/>
+          </a:p>
+        </p:txBody>
+      </p:sp>
+    </p:spTree>
+    <p:extLst>
+      <p:ext uri="{BB962C8B-B14F-4D97-AF65-F5344CB8AC3E}">
+        <p14:creationId xmlns:p14="http://schemas.microsoft.com/office/powerpoint/2010/main" val="869343706"/>
+      </p:ext>
+    </p:extLst>
+  </p:cSld>
+  <p:clrMap bg1="lt1" tx1="dk1" bg2="lt2" tx2="dk2" accent1="accent1" accent2="accent2" accent3="accent3" accent4="accent4" accent5="accent5" accent6="accent6" hlink="hlink" folHlink="folHlink"/>
+  <p:notesStyle>
+    <a:lvl1pPr marL="0" algn="l" defTabSz="914400" rtl="0" eaLnBrk="1" latinLnBrk="0" hangingPunct="1">
+      <a:defRPr sz="1200" kern="1200">
+        <a:solidFill>
+          <a:schemeClr val="tx1"/>
+        </a:solidFill>
+        <a:latin typeface="+mn-lt"/>
+        <a:ea typeface="+mn-ea"/>
+        <a:cs typeface="+mn-cs"/>
+      </a:defRPr>
+    </a:lvl1pPr>
+    <a:lvl2pPr marL="457200" algn="l" defTabSz="914400" rtl="0" eaLnBrk="1" latinLnBrk="0" hangingPunct="1">
+      <a:defRPr sz="1200" kern="1200">
+        <a:solidFill>
+          <a:schemeClr val="tx1"/>
+        </a:solidFill>
+        <a:latin typeface="+mn-lt"/>
+        <a:ea typeface="+mn-ea"/>
+        <a:cs typeface="+mn-cs"/>
+      </a:defRPr>
+    </a:lvl2pPr>
+    <a:lvl3pPr marL="914400" algn="l" defTabSz="914400" rtl="0" eaLnBrk="1" latinLnBrk="0" hangingPunct="1">
+      <a:defRPr sz="1200" kern="1200">
+        <a:solidFill>
+          <a:schemeClr val="tx1"/>
+        </a:solidFill>
+        <a:latin typeface="+mn-lt"/>
+        <a:ea typeface="+mn-ea"/>
+        <a:cs typeface="+mn-cs"/>
+      </a:defRPr>
+    </a:lvl3pPr>
+    <a:lvl4pPr marL="1371600" algn="l" defTabSz="914400" rtl="0" eaLnBrk="1" latinLnBrk="0" hangingPunct="1">
+      <a:defRPr sz="1200" kern="1200">
+        <a:solidFill>
+          <a:schemeClr val="tx1"/>
+        </a:solidFill>
+        <a:latin typeface="+mn-lt"/>
+        <a:ea typeface="+mn-ea"/>
+        <a:cs typeface="+mn-cs"/>
+      </a:defRPr>
+    </a:lvl4pPr>
+    <a:lvl5pPr marL="1828800" algn="l" defTabSz="914400" rtl="0" eaLnBrk="1" latinLnBrk="0" hangingPunct="1">
+      <a:defRPr sz="1200" kern="1200">
+        <a:solidFill>
+          <a:schemeClr val="tx1"/>
+        </a:solidFill>
+        <a:latin typeface="+mn-lt"/>
+        <a:ea typeface="+mn-ea"/>
+        <a:cs typeface="+mn-cs"/>
+      </a:defRPr>
+    </a:lvl5pPr>
+    <a:lvl6pPr marL="2286000" algn="l" defTabSz="914400" rtl="0" eaLnBrk="1" latinLnBrk="0" hangingPunct="1">
+      <a:defRPr sz="1200" kern="1200">
+        <a:solidFill>
+          <a:schemeClr val="tx1"/>
+        </a:solidFill>
+        <a:latin typeface="+mn-lt"/>
+        <a:ea typeface="+mn-ea"/>
+        <a:cs typeface="+mn-cs"/>
+      </a:defRPr>
+    </a:lvl6pPr>
+    <a:lvl7pPr marL="2743200" algn="l" defTabSz="914400" rtl="0" eaLnBrk="1" latinLnBrk="0" hangingPunct="1">
+      <a:defRPr sz="1200" kern="1200">
+        <a:solidFill>
+          <a:schemeClr val="tx1"/>
+        </a:solidFill>
+        <a:latin typeface="+mn-lt"/>
+        <a:ea typeface="+mn-ea"/>
+        <a:cs typeface="+mn-cs"/>
+      </a:defRPr>
+    </a:lvl7pPr>
+    <a:lvl8pPr marL="3200400" algn="l" defTabSz="914400" rtl="0" eaLnBrk="1" latinLnBrk="0" hangingPunct="1">
+      <a:defRPr sz="1200" kern="1200">
+        <a:solidFill>
+          <a:schemeClr val="tx1"/>
+        </a:solidFill>
+        <a:latin typeface="+mn-lt"/>
+        <a:ea typeface="+mn-ea"/>
+        <a:cs typeface="+mn-cs"/>
+      </a:defRPr>
+    </a:lvl8pPr>
+    <a:lvl9pPr marL="3657600" algn="l" defTabSz="914400" rtl="0" eaLnBrk="1" latinLnBrk="0" hangingPunct="1">
+      <a:defRPr sz="1200" kern="1200">
+        <a:solidFill>
+          <a:schemeClr val="tx1"/>
+        </a:solidFill>
+        <a:latin typeface="+mn-lt"/>
+        <a:ea typeface="+mn-ea"/>
+        <a:cs typeface="+mn-cs"/>
+      </a:defRPr>
+    </a:lvl9pPr>
+  </p:notesStyle>
+</p:notesMaster>
+</file>
+
+<file path=ppt/notesSlides/notesSlide1.xml><?xml version="1.0" encoding="utf-8"?>
+<p:notes xmlns:a="http://schemas.openxmlformats.org/drawingml/2006/main" xmlns:r="http://schemas.openxmlformats.org/officeDocument/2006/relationships" xmlns:p="http://schemas.openxmlformats.org/presentationml/2006/main">
+  <p:cSld>
+    <p:spTree>
+      <p:nvGrpSpPr>
+        <p:cNvPr id="1" name=""/>
+        <p:cNvGrpSpPr/>
+        <p:nvPr/>
+      </p:nvGrpSpPr>
+      <p:grpSpPr>
+        <a:xfrm>
+          <a:off x="0" y="0"/>
+          <a:ext cx="0" cy="0"/>
+          <a:chOff x="0" y="0"/>
+          <a:chExt cx="0" cy="0"/>
+        </a:xfrm>
+      </p:grpSpPr>
+      <p:sp>
+        <p:nvSpPr>
+          <p:cNvPr id="2" name="Slide Image Placeholder 1"/>
+          <p:cNvSpPr>
+            <a:spLocks noGrp="1" noRot="1" noChangeAspect="1"/>
+          </p:cNvSpPr>
+          <p:nvPr>
+            <p:ph type="sldImg"/>
+          </p:nvPr>
+        </p:nvSpPr>
+        <p:spPr/>
+      </p:sp>
+      <p:sp>
+        <p:nvSpPr>
+          <p:cNvPr id="3" name="Notes Placeholder 2"/>
+          <p:cNvSpPr>
+            <a:spLocks noGrp="1"/>
+          </p:cNvSpPr>
+          <p:nvPr>
+            <p:ph type="body" idx="1"/>
+          </p:nvPr>
+        </p:nvSpPr>
+        <p:spPr/>
+        <p:txBody>
+          <a:bodyPr/>
+          <a:lstStyle/>
+          <a:p>
+            <a:r>
+              <a:rPr lang="en-US" dirty="0"/>
+              <a:t>The random reward for a given arm each round is</a:t>
+            </a:r>
+            <a:r>
+              <a:rPr lang="en-US" i="1" dirty="0"/>
+              <a:t> </a:t>
+            </a:r>
+            <a:r>
+              <a:rPr lang="en-US" i="1" dirty="0" err="1"/>
+              <a:t>i.i.d</a:t>
+            </a:r>
+            <a:r>
+              <a:rPr lang="en-US" i="1" dirty="0"/>
+              <a:t> </a:t>
+            </a:r>
+            <a:r>
+              <a:rPr lang="en-US" dirty="0"/>
+              <a:t>and does not depend on the rewards of the other arms.</a:t>
+            </a:r>
+          </a:p>
+          <a:p>
+            <a:endParaRPr lang="en-US" dirty="0"/>
+          </a:p>
+          <a:p>
+            <a:r>
+              <a:rPr lang="en-US" dirty="0"/>
+              <a:t>The reward value is observed as soon as the arm is played</a:t>
+            </a:r>
+          </a:p>
+          <a:p>
+            <a:endParaRPr lang="en-US" dirty="0"/>
+          </a:p>
+        </p:txBody>
+      </p:sp>
+      <p:sp>
+        <p:nvSpPr>
+          <p:cNvPr id="4" name="Slide Number Placeholder 3"/>
+          <p:cNvSpPr>
+            <a:spLocks noGrp="1"/>
+          </p:cNvSpPr>
+          <p:nvPr>
+            <p:ph type="sldNum" sz="quarter" idx="10"/>
+          </p:nvPr>
+        </p:nvSpPr>
+        <p:spPr/>
+        <p:txBody>
+          <a:bodyPr/>
+          <a:lstStyle/>
+          <a:p>
+            <a:fld id="{B42D21C2-7EE8-499C-AB19-BD0BEFDA3A32}" type="slidenum">
+              <a:rPr lang="en-US" smtClean="0"/>
+              <a:t>3</a:t>
+            </a:fld>
+            <a:endParaRPr lang="en-US"/>
+          </a:p>
+        </p:txBody>
+      </p:sp>
+    </p:spTree>
+    <p:extLst>
+      <p:ext uri="{BB962C8B-B14F-4D97-AF65-F5344CB8AC3E}">
+        <p14:creationId xmlns:p14="http://schemas.microsoft.com/office/powerpoint/2010/main" val="3985526320"/>
+      </p:ext>
+    </p:extLst>
+  </p:cSld>
+  <p:clrMapOvr>
+    <a:masterClrMapping/>
+  </p:clrMapOvr>
+</p:notes>
+</file>
+
+<file path=ppt/notesSlides/notesSlide2.xml><?xml version="1.0" encoding="utf-8"?>
+<p:notes xmlns:a="http://schemas.openxmlformats.org/drawingml/2006/main" xmlns:r="http://schemas.openxmlformats.org/officeDocument/2006/relationships" xmlns:p="http://schemas.openxmlformats.org/presentationml/2006/main">
+  <p:cSld>
+    <p:spTree>
+      <p:nvGrpSpPr>
+        <p:cNvPr id="1" name=""/>
+        <p:cNvGrpSpPr/>
+        <p:nvPr/>
+      </p:nvGrpSpPr>
+      <p:grpSpPr>
+        <a:xfrm>
+          <a:off x="0" y="0"/>
+          <a:ext cx="0" cy="0"/>
+          <a:chOff x="0" y="0"/>
+          <a:chExt cx="0" cy="0"/>
+        </a:xfrm>
+      </p:grpSpPr>
+      <p:sp>
+        <p:nvSpPr>
+          <p:cNvPr id="2" name="Slide Image Placeholder 1"/>
+          <p:cNvSpPr>
+            <a:spLocks noGrp="1" noRot="1" noChangeAspect="1"/>
+          </p:cNvSpPr>
+          <p:nvPr>
+            <p:ph type="sldImg"/>
+          </p:nvPr>
+        </p:nvSpPr>
+        <p:spPr/>
+      </p:sp>
+      <p:sp>
+        <p:nvSpPr>
+          <p:cNvPr id="3" name="Notes Placeholder 2"/>
+          <p:cNvSpPr>
+            <a:spLocks noGrp="1"/>
+          </p:cNvSpPr>
+          <p:nvPr>
+            <p:ph type="body" idx="1"/>
+          </p:nvPr>
+        </p:nvSpPr>
+        <p:spPr/>
+        <p:txBody>
+          <a:bodyPr/>
+          <a:lstStyle/>
+          <a:p>
+            <a:pPr marL="0" marR="0" lvl="0" indent="0" algn="l" defTabSz="914400" rtl="0" eaLnBrk="1" fontAlgn="auto" latinLnBrk="0" hangingPunct="1">
+              <a:lnSpc>
+                <a:spcPct val="100000"/>
+              </a:lnSpc>
+              <a:spcBef>
+                <a:spcPts val="0"/>
+              </a:spcBef>
+              <a:spcAft>
+                <a:spcPts val="0"/>
+              </a:spcAft>
+              <a:buClrTx/>
+              <a:buSzTx/>
+              <a:buFontTx/>
+              <a:buNone/>
+              <a:tabLst/>
+              <a:defRPr/>
+            </a:pPr>
+            <a:r>
+              <a:rPr lang="en-US" dirty="0"/>
+              <a:t>– Given a fixed amount of cash flow, what is the optimal policy to maximize the returns over a period of time.</a:t>
+            </a:r>
+          </a:p>
+          <a:p>
+            <a:pPr marL="0" marR="0" lvl="0" indent="0" algn="l" defTabSz="914400" rtl="0" eaLnBrk="1" fontAlgn="auto" latinLnBrk="0" hangingPunct="1">
+              <a:lnSpc>
+                <a:spcPct val="100000"/>
+              </a:lnSpc>
+              <a:spcBef>
+                <a:spcPts val="0"/>
+              </a:spcBef>
+              <a:spcAft>
+                <a:spcPts val="0"/>
+              </a:spcAft>
+              <a:buClrTx/>
+              <a:buSzTx/>
+              <a:buFontTx/>
+              <a:buNone/>
+              <a:tabLst/>
+              <a:defRPr/>
+            </a:pPr>
+            <a:r>
+              <a:rPr lang="en-US" dirty="0"/>
+              <a:t>– Find the best possible treatment option from many other possible options while minimizing harmful effects for the patient.</a:t>
+            </a:r>
+          </a:p>
+          <a:p>
+            <a:r>
+              <a:rPr lang="en-US" dirty="0"/>
+              <a:t>– Choose the advertisement which gets the most clicks given your website traffic</a:t>
+            </a:r>
+          </a:p>
+        </p:txBody>
+      </p:sp>
+      <p:sp>
+        <p:nvSpPr>
+          <p:cNvPr id="4" name="Slide Number Placeholder 3"/>
+          <p:cNvSpPr>
+            <a:spLocks noGrp="1"/>
+          </p:cNvSpPr>
+          <p:nvPr>
+            <p:ph type="sldNum" sz="quarter" idx="5"/>
+          </p:nvPr>
+        </p:nvSpPr>
+        <p:spPr/>
+        <p:txBody>
+          <a:bodyPr/>
+          <a:lstStyle/>
+          <a:p>
+            <a:fld id="{B42D21C2-7EE8-499C-AB19-BD0BEFDA3A32}" type="slidenum">
+              <a:rPr lang="en-US" smtClean="0"/>
+              <a:t>6</a:t>
+            </a:fld>
+            <a:endParaRPr lang="en-US"/>
+          </a:p>
+        </p:txBody>
+      </p:sp>
+    </p:spTree>
+    <p:extLst>
+      <p:ext uri="{BB962C8B-B14F-4D97-AF65-F5344CB8AC3E}">
+        <p14:creationId xmlns:p14="http://schemas.microsoft.com/office/powerpoint/2010/main" val="2469815044"/>
+      </p:ext>
+    </p:extLst>
+  </p:cSld>
+  <p:clrMapOvr>
+    <a:masterClrMapping/>
+  </p:clrMapOvr>
+</p:notes>
+</file>
+
+<file path=ppt/notesSlides/notesSlide3.xml><?xml version="1.0" encoding="utf-8"?>
+<p:notes xmlns:a="http://schemas.openxmlformats.org/drawingml/2006/main" xmlns:r="http://schemas.openxmlformats.org/officeDocument/2006/relationships" xmlns:p="http://schemas.openxmlformats.org/presentationml/2006/main">
+  <p:cSld>
+    <p:spTree>
+      <p:nvGrpSpPr>
+        <p:cNvPr id="1" name=""/>
+        <p:cNvGrpSpPr/>
+        <p:nvPr/>
+      </p:nvGrpSpPr>
+      <p:grpSpPr>
+        <a:xfrm>
+          <a:off x="0" y="0"/>
+          <a:ext cx="0" cy="0"/>
+          <a:chOff x="0" y="0"/>
+          <a:chExt cx="0" cy="0"/>
+        </a:xfrm>
+      </p:grpSpPr>
+      <p:sp>
+        <p:nvSpPr>
+          <p:cNvPr id="2" name="Slide Image Placeholder 1"/>
+          <p:cNvSpPr>
+            <a:spLocks noGrp="1" noRot="1" noChangeAspect="1"/>
+          </p:cNvSpPr>
+          <p:nvPr>
+            <p:ph type="sldImg"/>
+          </p:nvPr>
+        </p:nvSpPr>
+        <p:spPr/>
+      </p:sp>
+      <p:sp>
+        <p:nvSpPr>
+          <p:cNvPr id="3" name="Notes Placeholder 2"/>
+          <p:cNvSpPr>
+            <a:spLocks noGrp="1"/>
+          </p:cNvSpPr>
+          <p:nvPr>
+            <p:ph type="body" idx="1"/>
+          </p:nvPr>
+        </p:nvSpPr>
+        <p:spPr/>
+        <p:txBody>
+          <a:bodyPr/>
+          <a:lstStyle/>
+          <a:p>
+            <a:pPr marL="0" marR="0" lvl="0" indent="0" algn="l" defTabSz="914400" rtl="0" eaLnBrk="1" fontAlgn="auto" latinLnBrk="0" hangingPunct="1">
+              <a:lnSpc>
+                <a:spcPct val="100000"/>
+              </a:lnSpc>
+              <a:spcBef>
+                <a:spcPts val="0"/>
+              </a:spcBef>
+              <a:spcAft>
+                <a:spcPts val="0"/>
+              </a:spcAft>
+              <a:buClrTx/>
+              <a:buSzTx/>
+              <a:buFontTx/>
+              <a:buNone/>
+              <a:tabLst/>
+              <a:defRPr/>
+            </a:pPr>
+            <a:r>
+              <a:rPr lang="en-US" dirty="0"/>
+              <a:t>; gather more information to improve future decisions.</a:t>
+            </a:r>
+          </a:p>
+          <a:p>
+            <a:endParaRPr lang="en-US" dirty="0"/>
+          </a:p>
+          <a:p>
+            <a:pPr marL="0" marR="0" lvl="0" indent="0" algn="l" defTabSz="914400" rtl="0" eaLnBrk="1" fontAlgn="auto" latinLnBrk="0" hangingPunct="1">
+              <a:lnSpc>
+                <a:spcPct val="100000"/>
+              </a:lnSpc>
+              <a:spcBef>
+                <a:spcPts val="0"/>
+              </a:spcBef>
+              <a:spcAft>
+                <a:spcPts val="0"/>
+              </a:spcAft>
+              <a:buClrTx/>
+              <a:buSzTx/>
+              <a:buFontTx/>
+              <a:buNone/>
+              <a:tabLst/>
+              <a:defRPr/>
+            </a:pPr>
+            <a:r>
+              <a:rPr lang="en-US" dirty="0"/>
+              <a:t>; Make the best decision given the existing information.</a:t>
+            </a:r>
+          </a:p>
+          <a:p>
+            <a:endParaRPr lang="en-US" dirty="0"/>
+          </a:p>
+        </p:txBody>
+      </p:sp>
+      <p:sp>
+        <p:nvSpPr>
+          <p:cNvPr id="4" name="Slide Number Placeholder 3"/>
+          <p:cNvSpPr>
+            <a:spLocks noGrp="1"/>
+          </p:cNvSpPr>
+          <p:nvPr>
+            <p:ph type="sldNum" sz="quarter" idx="10"/>
+          </p:nvPr>
+        </p:nvSpPr>
+        <p:spPr/>
+        <p:txBody>
+          <a:bodyPr/>
+          <a:lstStyle/>
+          <a:p>
+            <a:fld id="{B42D21C2-7EE8-499C-AB19-BD0BEFDA3A32}" type="slidenum">
+              <a:rPr lang="en-US" smtClean="0"/>
+              <a:t>7</a:t>
+            </a:fld>
+            <a:endParaRPr lang="en-US"/>
+          </a:p>
+        </p:txBody>
+      </p:sp>
+    </p:spTree>
+    <p:extLst>
+      <p:ext uri="{BB962C8B-B14F-4D97-AF65-F5344CB8AC3E}">
+        <p14:creationId xmlns:p14="http://schemas.microsoft.com/office/powerpoint/2010/main" val="3119427610"/>
+      </p:ext>
+    </p:extLst>
+  </p:cSld>
+  <p:clrMapOvr>
+    <a:masterClrMapping/>
+  </p:clrMapOvr>
+</p:notes>
+</file>
+
+<file path=ppt/notesSlides/notesSlide4.xml><?xml version="1.0" encoding="utf-8"?>
+<p:notes xmlns:a="http://schemas.openxmlformats.org/drawingml/2006/main" xmlns:r="http://schemas.openxmlformats.org/officeDocument/2006/relationships" xmlns:p="http://schemas.openxmlformats.org/presentationml/2006/main">
+  <p:cSld>
+    <p:spTree>
+      <p:nvGrpSpPr>
+        <p:cNvPr id="1" name=""/>
+        <p:cNvGrpSpPr/>
+        <p:nvPr/>
+      </p:nvGrpSpPr>
+      <p:grpSpPr>
+        <a:xfrm>
+          <a:off x="0" y="0"/>
+          <a:ext cx="0" cy="0"/>
+          <a:chOff x="0" y="0"/>
+          <a:chExt cx="0" cy="0"/>
+        </a:xfrm>
+      </p:grpSpPr>
+      <p:sp>
+        <p:nvSpPr>
+          <p:cNvPr id="2" name="Slide Image Placeholder 1"/>
+          <p:cNvSpPr>
+            <a:spLocks noGrp="1" noRot="1" noChangeAspect="1"/>
+          </p:cNvSpPr>
+          <p:nvPr>
+            <p:ph type="sldImg"/>
+          </p:nvPr>
+        </p:nvSpPr>
+        <p:spPr/>
+      </p:sp>
+      <p:sp>
+        <p:nvSpPr>
+          <p:cNvPr id="3" name="Notes Placeholder 2"/>
+          <p:cNvSpPr>
+            <a:spLocks noGrp="1"/>
+          </p:cNvSpPr>
+          <p:nvPr>
+            <p:ph type="body" idx="1"/>
+          </p:nvPr>
+        </p:nvSpPr>
+        <p:spPr/>
+        <p:txBody>
+          <a:bodyPr/>
+          <a:lstStyle/>
+          <a:p>
+            <a:r>
+              <a:rPr lang="en-US" dirty="0"/>
+              <a:t>Explore : Visit the new restaurant to learn about it. You may like the new place and hopefully visit it more often or regret your decision </a:t>
+            </a:r>
+          </a:p>
+          <a:p>
+            <a:endParaRPr lang="en-US" dirty="0"/>
+          </a:p>
+          <a:p>
+            <a:r>
+              <a:rPr lang="en-US" dirty="0"/>
+              <a:t>Exploit : Go to the usual favorite restaurant and “exploit” the utility or value associated with the decision. You may lose out on finding a better restaurant</a:t>
+            </a:r>
+          </a:p>
+          <a:p>
+            <a:endParaRPr lang="en-US" dirty="0"/>
+          </a:p>
+        </p:txBody>
+      </p:sp>
+      <p:sp>
+        <p:nvSpPr>
+          <p:cNvPr id="4" name="Slide Number Placeholder 3"/>
+          <p:cNvSpPr>
+            <a:spLocks noGrp="1"/>
+          </p:cNvSpPr>
+          <p:nvPr>
+            <p:ph type="sldNum" sz="quarter" idx="5"/>
+          </p:nvPr>
+        </p:nvSpPr>
+        <p:spPr/>
+        <p:txBody>
+          <a:bodyPr/>
+          <a:lstStyle/>
+          <a:p>
+            <a:fld id="{B42D21C2-7EE8-499C-AB19-BD0BEFDA3A32}" type="slidenum">
+              <a:rPr lang="en-US" smtClean="0"/>
+              <a:t>8</a:t>
+            </a:fld>
+            <a:endParaRPr lang="en-US"/>
+          </a:p>
+        </p:txBody>
+      </p:sp>
+    </p:spTree>
+    <p:extLst>
+      <p:ext uri="{BB962C8B-B14F-4D97-AF65-F5344CB8AC3E}">
+        <p14:creationId xmlns:p14="http://schemas.microsoft.com/office/powerpoint/2010/main" val="4158521714"/>
+      </p:ext>
+    </p:extLst>
+  </p:cSld>
+  <p:clrMapOvr>
+    <a:masterClrMapping/>
+  </p:clrMapOvr>
+</p:notes>
+</file>
+
+<file path=ppt/notesSlides/notesSlide5.xml><?xml version="1.0" encoding="utf-8"?>
+<p:notes xmlns:a="http://schemas.openxmlformats.org/drawingml/2006/main" xmlns:r="http://schemas.openxmlformats.org/officeDocument/2006/relationships" xmlns:p="http://schemas.openxmlformats.org/presentationml/2006/main">
+  <p:cSld>
+    <p:spTree>
+      <p:nvGrpSpPr>
+        <p:cNvPr id="1" name=""/>
+        <p:cNvGrpSpPr/>
+        <p:nvPr/>
+      </p:nvGrpSpPr>
+      <p:grpSpPr>
+        <a:xfrm>
+          <a:off x="0" y="0"/>
+          <a:ext cx="0" cy="0"/>
+          <a:chOff x="0" y="0"/>
+          <a:chExt cx="0" cy="0"/>
+        </a:xfrm>
+      </p:grpSpPr>
+      <p:sp>
+        <p:nvSpPr>
+          <p:cNvPr id="2" name="Slide Image Placeholder 1"/>
+          <p:cNvSpPr>
+            <a:spLocks noGrp="1" noRot="1" noChangeAspect="1"/>
+          </p:cNvSpPr>
+          <p:nvPr>
+            <p:ph type="sldImg"/>
+          </p:nvPr>
+        </p:nvSpPr>
+        <p:spPr/>
+      </p:sp>
+      <p:sp>
+        <p:nvSpPr>
+          <p:cNvPr id="3" name="Notes Placeholder 2"/>
+          <p:cNvSpPr>
+            <a:spLocks noGrp="1"/>
+          </p:cNvSpPr>
+          <p:nvPr>
+            <p:ph type="body" idx="1"/>
+          </p:nvPr>
+        </p:nvSpPr>
+        <p:spPr/>
+        <p:txBody>
+          <a:bodyPr/>
+          <a:lstStyle/>
+          <a:p>
+            <a:pPr marL="0" marR="0" lvl="0" indent="0" algn="l" defTabSz="914400" rtl="0" eaLnBrk="1" fontAlgn="auto" latinLnBrk="0" hangingPunct="1">
+              <a:lnSpc>
+                <a:spcPct val="100000"/>
+              </a:lnSpc>
+              <a:spcBef>
+                <a:spcPts val="0"/>
+              </a:spcBef>
+              <a:spcAft>
+                <a:spcPts val="0"/>
+              </a:spcAft>
+              <a:buClrTx/>
+              <a:buSzTx/>
+              <a:buFontTx/>
+              <a:buNone/>
+              <a:tabLst/>
+              <a:defRPr/>
+            </a:pPr>
+            <a:r>
+              <a:rPr lang="en-US" dirty="0"/>
+              <a:t>Bayesian update is computationally tractable</a:t>
+            </a:r>
+          </a:p>
+          <a:p>
+            <a:endParaRPr lang="en-US" dirty="0"/>
+          </a:p>
+        </p:txBody>
+      </p:sp>
+      <p:sp>
+        <p:nvSpPr>
+          <p:cNvPr id="4" name="Slide Number Placeholder 3"/>
+          <p:cNvSpPr>
+            <a:spLocks noGrp="1"/>
+          </p:cNvSpPr>
+          <p:nvPr>
+            <p:ph type="sldNum" sz="quarter" idx="10"/>
+          </p:nvPr>
+        </p:nvSpPr>
+        <p:spPr/>
+        <p:txBody>
+          <a:bodyPr/>
+          <a:lstStyle/>
+          <a:p>
+            <a:fld id="{B42D21C2-7EE8-499C-AB19-BD0BEFDA3A32}" type="slidenum">
+              <a:rPr lang="en-US" smtClean="0"/>
+              <a:t>11</a:t>
+            </a:fld>
+            <a:endParaRPr lang="en-US"/>
+          </a:p>
+        </p:txBody>
+      </p:sp>
+    </p:spTree>
+    <p:extLst>
+      <p:ext uri="{BB962C8B-B14F-4D97-AF65-F5344CB8AC3E}">
+        <p14:creationId xmlns:p14="http://schemas.microsoft.com/office/powerpoint/2010/main" val="2024062889"/>
+      </p:ext>
+    </p:extLst>
+  </p:cSld>
+  <p:clrMapOvr>
+    <a:masterClrMapping/>
+  </p:clrMapOvr>
+</p:notes>
+</file>
+
 <file path=ppt/slideLayouts/slideLayout1.xml><?xml version="1.0" encoding="utf-8"?>
 <p:sldLayout xmlns:a="http://schemas.openxmlformats.org/drawingml/2006/main" xmlns:r="http://schemas.openxmlformats.org/officeDocument/2006/relationships" xmlns:p="http://schemas.openxmlformats.org/presentationml/2006/main" showMasterSp="0" type="title" preserve="1">
   <p:cSld name="Title Slide">
@@ -297,7 +1236,7 @@
           <a:p>
             <a:fld id="{DBB57204-2EC6-4463-8E57-8B3F6CD6356C}" type="datetimeFigureOut">
               <a:rPr lang="en-US" smtClean="0"/>
-              <a:t>10/6/2018</a:t>
+              <a:t>10/8/2018</a:t>
             </a:fld>
             <a:endParaRPr lang="en-US"/>
           </a:p>
@@ -627,7 +1566,7 @@
           <a:p>
             <a:fld id="{DBB57204-2EC6-4463-8E57-8B3F6CD6356C}" type="datetimeFigureOut">
               <a:rPr lang="en-US" smtClean="0"/>
-              <a:t>10/6/2018</a:t>
+              <a:t>10/8/2018</a:t>
             </a:fld>
             <a:endParaRPr lang="en-US"/>
           </a:p>
@@ -807,7 +1746,7 @@
           <a:p>
             <a:fld id="{DBB57204-2EC6-4463-8E57-8B3F6CD6356C}" type="datetimeFigureOut">
               <a:rPr lang="en-US" smtClean="0"/>
-              <a:t>10/6/2018</a:t>
+              <a:t>10/8/2018</a:t>
             </a:fld>
             <a:endParaRPr lang="en-US"/>
           </a:p>
@@ -977,7 +1916,7 @@
           <a:p>
             <a:fld id="{DBB57204-2EC6-4463-8E57-8B3F6CD6356C}" type="datetimeFigureOut">
               <a:rPr lang="en-US" smtClean="0"/>
-              <a:t>10/6/2018</a:t>
+              <a:t>10/8/2018</a:t>
             </a:fld>
             <a:endParaRPr lang="en-US"/>
           </a:p>
@@ -1254,7 +2193,7 @@
           <a:p>
             <a:fld id="{DBB57204-2EC6-4463-8E57-8B3F6CD6356C}" type="datetimeFigureOut">
               <a:rPr lang="en-US" smtClean="0"/>
-              <a:t>10/6/2018</a:t>
+              <a:t>10/8/2018</a:t>
             </a:fld>
             <a:endParaRPr lang="en-US"/>
           </a:p>
@@ -1648,7 +2587,7 @@
           <a:p>
             <a:fld id="{DBB57204-2EC6-4463-8E57-8B3F6CD6356C}" type="datetimeFigureOut">
               <a:rPr lang="en-US" smtClean="0"/>
-              <a:t>10/6/2018</a:t>
+              <a:t>10/8/2018</a:t>
             </a:fld>
             <a:endParaRPr lang="en-US"/>
           </a:p>
@@ -2125,7 +3064,7 @@
           <a:p>
             <a:fld id="{DBB57204-2EC6-4463-8E57-8B3F6CD6356C}" type="datetimeFigureOut">
               <a:rPr lang="en-US" smtClean="0"/>
-              <a:t>10/6/2018</a:t>
+              <a:t>10/8/2018</a:t>
             </a:fld>
             <a:endParaRPr lang="en-US"/>
           </a:p>
@@ -2243,7 +3182,7 @@
           <a:p>
             <a:fld id="{DBB57204-2EC6-4463-8E57-8B3F6CD6356C}" type="datetimeFigureOut">
               <a:rPr lang="en-US" smtClean="0"/>
-              <a:t>10/6/2018</a:t>
+              <a:t>10/8/2018</a:t>
             </a:fld>
             <a:endParaRPr lang="en-US"/>
           </a:p>
@@ -2338,7 +3277,7 @@
           <a:p>
             <a:fld id="{DBB57204-2EC6-4463-8E57-8B3F6CD6356C}" type="datetimeFigureOut">
               <a:rPr lang="en-US" smtClean="0"/>
-              <a:t>10/6/2018</a:t>
+              <a:t>10/8/2018</a:t>
             </a:fld>
             <a:endParaRPr lang="en-US"/>
           </a:p>
@@ -2684,7 +3623,7 @@
           <a:p>
             <a:fld id="{DBB57204-2EC6-4463-8E57-8B3F6CD6356C}" type="datetimeFigureOut">
               <a:rPr lang="en-US" smtClean="0"/>
-              <a:t>10/6/2018</a:t>
+              <a:t>10/8/2018</a:t>
             </a:fld>
             <a:endParaRPr lang="en-US"/>
           </a:p>
@@ -3072,7 +4011,7 @@
           <a:p>
             <a:fld id="{DBB57204-2EC6-4463-8E57-8B3F6CD6356C}" type="datetimeFigureOut">
               <a:rPr lang="en-US" smtClean="0"/>
-              <a:t>10/6/2018</a:t>
+              <a:t>10/8/2018</a:t>
             </a:fld>
             <a:endParaRPr lang="en-US"/>
           </a:p>
@@ -3350,7 +4289,7 @@
           <a:p>
             <a:fld id="{DBB57204-2EC6-4463-8E57-8B3F6CD6356C}" type="datetimeFigureOut">
               <a:rPr lang="en-US" smtClean="0"/>
-              <a:t>10/6/2018</a:t>
+              <a:t>10/8/2018</a:t>
             </a:fld>
             <a:endParaRPr lang="en-US"/>
           </a:p>
@@ -3932,6 +4871,42 @@
           </a:p>
         </p:txBody>
       </p:sp>
+      <p:pic>
+        <p:nvPicPr>
+          <p:cNvPr id="5" name="Picture 4">
+            <a:extLst>
+              <a:ext uri="{FF2B5EF4-FFF2-40B4-BE49-F238E27FC236}">
+                <a16:creationId xmlns:a16="http://schemas.microsoft.com/office/drawing/2014/main" id="{6B82268C-8600-4DED-9CB4-43DA6E4DBC1D}"/>
+              </a:ext>
+            </a:extLst>
+          </p:cNvPr>
+          <p:cNvPicPr>
+            <a:picLocks noChangeAspect="1"/>
+          </p:cNvPicPr>
+          <p:nvPr/>
+        </p:nvPicPr>
+        <p:blipFill>
+          <a:blip r:embed="rId2">
+            <a:extLst>
+              <a:ext uri="{28A0092B-C50C-407E-A947-70E740481C1C}">
+                <a14:useLocalDpi xmlns:a14="http://schemas.microsoft.com/office/drawing/2010/main" val="0"/>
+              </a:ext>
+            </a:extLst>
+          </a:blip>
+          <a:stretch>
+            <a:fillRect/>
+          </a:stretch>
+        </p:blipFill>
+        <p:spPr>
+          <a:xfrm>
+            <a:off x="690037" y="5221297"/>
+            <a:ext cx="4504953" cy="896114"/>
+          </a:xfrm>
+          <a:prstGeom prst="rect">
+            <a:avLst/>
+          </a:prstGeom>
+        </p:spPr>
+      </p:pic>
     </p:spTree>
     <p:extLst>
       <p:ext uri="{BB962C8B-B14F-4D97-AF65-F5344CB8AC3E}">
@@ -3967,125 +4942,6 @@
           <p:cNvPr id="2" name="Title 1">
             <a:extLst>
               <a:ext uri="{FF2B5EF4-FFF2-40B4-BE49-F238E27FC236}">
-                <a16:creationId xmlns:a16="http://schemas.microsoft.com/office/drawing/2014/main" id="{35AF5709-28E0-41E9-AA19-BEBFC0D15AB4}"/>
-              </a:ext>
-            </a:extLst>
-          </p:cNvPr>
-          <p:cNvSpPr>
-            <a:spLocks noGrp="1"/>
-          </p:cNvSpPr>
-          <p:nvPr>
-            <p:ph type="title"/>
-          </p:nvPr>
-        </p:nvSpPr>
-        <p:spPr/>
-        <p:txBody>
-          <a:bodyPr/>
-          <a:lstStyle/>
-          <a:p>
-            <a:r>
-              <a:rPr lang="en-US" dirty="0"/>
-              <a:t>MAB Summary</a:t>
-            </a:r>
-          </a:p>
-        </p:txBody>
-      </p:sp>
-      <p:sp>
-        <p:nvSpPr>
-          <p:cNvPr id="3" name="Content Placeholder 2">
-            <a:extLst>
-              <a:ext uri="{FF2B5EF4-FFF2-40B4-BE49-F238E27FC236}">
-                <a16:creationId xmlns:a16="http://schemas.microsoft.com/office/drawing/2014/main" id="{87DDF89C-ED34-44A5-90B2-02D6518B6D81}"/>
-              </a:ext>
-            </a:extLst>
-          </p:cNvPr>
-          <p:cNvSpPr>
-            <a:spLocks noGrp="1"/>
-          </p:cNvSpPr>
-          <p:nvPr>
-            <p:ph idx="1"/>
-          </p:nvPr>
-        </p:nvSpPr>
-        <p:spPr/>
-        <p:txBody>
-          <a:bodyPr/>
-          <a:lstStyle/>
-          <a:p>
-            <a:r>
-              <a:rPr lang="en-US" dirty="0"/>
-              <a:t>To summarize, the MAB problem is a finite resource allocation problem where the objective is to maximize total returns. </a:t>
-            </a:r>
-          </a:p>
-          <a:p>
-            <a:pPr marL="0" indent="0">
-              <a:buNone/>
-            </a:pPr>
-            <a:endParaRPr lang="en-US" dirty="0"/>
-          </a:p>
-          <a:p>
-            <a:r>
-              <a:rPr lang="en-US" dirty="0"/>
-              <a:t>The returns of different allocation choices are unknown or partially known before the allocation</a:t>
-            </a:r>
-          </a:p>
-          <a:p>
-            <a:endParaRPr lang="en-US" dirty="0"/>
-          </a:p>
-          <a:p>
-            <a:r>
-              <a:rPr lang="en-US" dirty="0"/>
-              <a:t>The returns of the choices are updated as time passes or more actions are taken</a:t>
-            </a:r>
-          </a:p>
-          <a:p>
-            <a:endParaRPr lang="en-US" dirty="0"/>
-          </a:p>
-          <a:p>
-            <a:endParaRPr lang="en-US" dirty="0"/>
-          </a:p>
-          <a:p>
-            <a:endParaRPr lang="en-US" dirty="0"/>
-          </a:p>
-          <a:p>
-            <a:endParaRPr lang="en-US" dirty="0"/>
-          </a:p>
-        </p:txBody>
-      </p:sp>
-    </p:spTree>
-    <p:extLst>
-      <p:ext uri="{BB962C8B-B14F-4D97-AF65-F5344CB8AC3E}">
-        <p14:creationId xmlns:p14="http://schemas.microsoft.com/office/powerpoint/2010/main" val="2485927780"/>
-      </p:ext>
-    </p:extLst>
-  </p:cSld>
-  <p:clrMapOvr>
-    <a:masterClrMapping/>
-  </p:clrMapOvr>
-</p:sld>
-</file>
-
-<file path=ppt/slides/slide11.xml><?xml version="1.0" encoding="utf-8"?>
-<p:sld xmlns:a="http://schemas.openxmlformats.org/drawingml/2006/main" xmlns:r="http://schemas.openxmlformats.org/officeDocument/2006/relationships" xmlns:p="http://schemas.openxmlformats.org/presentationml/2006/main">
-  <p:cSld>
-    <p:spTree>
-      <p:nvGrpSpPr>
-        <p:cNvPr id="1" name=""/>
-        <p:cNvGrpSpPr/>
-        <p:nvPr/>
-      </p:nvGrpSpPr>
-      <p:grpSpPr>
-        <a:xfrm>
-          <a:off x="0" y="0"/>
-          <a:ext cx="0" cy="0"/>
-          <a:chOff x="0" y="0"/>
-          <a:chExt cx="0" cy="0"/>
-        </a:xfrm>
-      </p:grpSpPr>
-      <p:sp>
-        <p:nvSpPr>
-          <p:cNvPr id="2" name="Title 1">
-            <a:extLst>
-              <a:ext uri="{FF2B5EF4-FFF2-40B4-BE49-F238E27FC236}">
                 <a16:creationId xmlns:a16="http://schemas.microsoft.com/office/drawing/2014/main" id="{4A6BEBCB-0F79-496D-9B27-46D59C18F6A6}"/>
               </a:ext>
             </a:extLst>
@@ -4104,7 +4960,7 @@
           <a:p>
             <a:r>
               <a:rPr lang="en-US" dirty="0"/>
-              <a:t>MAB : Problem description  </a:t>
+              <a:t>Demo MAB Case</a:t>
             </a:r>
           </a:p>
         </p:txBody>
@@ -4419,92 +5275,866 @@
           </a:p>
         </p:txBody>
       </p:sp>
-      <p:sp>
-        <p:nvSpPr>
-          <p:cNvPr id="15" name="TextBox 14">
+      <mc:AlternateContent xmlns:mc="http://schemas.openxmlformats.org/markup-compatibility/2006" xmlns:a14="http://schemas.microsoft.com/office/drawing/2010/main">
+        <mc:Choice Requires="a14">
+          <p:sp>
+            <p:nvSpPr>
+              <p:cNvPr id="15" name="TextBox 14">
+                <a:extLst>
+                  <a:ext uri="{FF2B5EF4-FFF2-40B4-BE49-F238E27FC236}">
+                    <a16:creationId xmlns:a16="http://schemas.microsoft.com/office/drawing/2014/main" id="{E3FD57A2-3407-4DFB-9CBB-47B49CAF3DDC}"/>
+                  </a:ext>
+                </a:extLst>
+              </p:cNvPr>
+              <p:cNvSpPr txBox="1"/>
+              <p:nvPr/>
+            </p:nvSpPr>
+            <p:spPr>
+              <a:xfrm>
+                <a:off x="1727865" y="3511970"/>
+                <a:ext cx="8491172" cy="2246769"/>
+              </a:xfrm>
+              <a:prstGeom prst="rect">
+                <a:avLst/>
+              </a:prstGeom>
+              <a:noFill/>
+            </p:spPr>
+            <p:txBody>
+              <a:bodyPr wrap="square" rtlCol="0">
+                <a:spAutoFit/>
+              </a:bodyPr>
+              <a:lstStyle/>
+              <a:p>
+                <a:pPr marL="285750" indent="-285750">
+                  <a:buFont typeface="Wingdings" panose="05000000000000000000" pitchFamily="2" charset="2"/>
+                  <a:buChar char="§"/>
+                </a:pPr>
+                <a:r>
+                  <a:rPr lang="en-US" sz="2000" dirty="0"/>
+                  <a:t>The reward takes two discrete values : 0 and 1</a:t>
+                </a:r>
+              </a:p>
+              <a:p>
+                <a:pPr marL="285750" indent="-285750">
+                  <a:buFont typeface="Wingdings" panose="05000000000000000000" pitchFamily="2" charset="2"/>
+                  <a:buChar char="§"/>
+                </a:pPr>
+                <a:endParaRPr lang="en-US" sz="2000" dirty="0"/>
+              </a:p>
+              <a:p>
+                <a:pPr marL="285750" indent="-285750">
+                  <a:buFont typeface="Wingdings" panose="05000000000000000000" pitchFamily="2" charset="2"/>
+                  <a:buChar char="§"/>
+                </a:pPr>
+                <a:r>
+                  <a:rPr lang="en-US" sz="2000" dirty="0"/>
+                  <a:t>Assume that the reward follows a Bernoulli distribution</a:t>
+                </a:r>
+              </a:p>
+              <a:p>
+                <a:pPr marL="285750" indent="-285750">
+                  <a:buFont typeface="Wingdings" panose="05000000000000000000" pitchFamily="2" charset="2"/>
+                  <a:buChar char="§"/>
+                </a:pPr>
+                <a:endParaRPr lang="en-US" sz="2000" dirty="0"/>
+              </a:p>
+              <a:p>
+                <a:pPr/>
+                <a14:m>
+                  <m:oMathPara xmlns:m="http://schemas.openxmlformats.org/officeDocument/2006/math">
+                    <m:oMathParaPr>
+                      <m:jc m:val="centerGroup"/>
+                    </m:oMathParaPr>
+                    <m:oMath xmlns:m="http://schemas.openxmlformats.org/officeDocument/2006/math">
+                      <m:func>
+                        <m:funcPr>
+                          <m:ctrlPr>
+                            <a:rPr lang="en-US" sz="2000" b="0" i="1" smtClean="0">
+                              <a:latin typeface="Cambria Math" panose="02040503050406030204" pitchFamily="18" charset="0"/>
+                            </a:rPr>
+                          </m:ctrlPr>
+                        </m:funcPr>
+                        <m:fName>
+                          <m:r>
+                            <m:rPr>
+                              <m:sty m:val="p"/>
+                            </m:rPr>
+                            <a:rPr lang="en-US" sz="2000" b="0" i="0" smtClean="0">
+                              <a:latin typeface="Cambria Math" panose="02040503050406030204" pitchFamily="18" charset="0"/>
+                            </a:rPr>
+                            <m:t>Pr</m:t>
+                          </m:r>
+                        </m:fName>
+                        <m:e>
+                          <m:d>
+                            <m:dPr>
+                              <m:ctrlPr>
+                                <a:rPr lang="en-US" sz="2000" b="0" i="1" smtClean="0">
+                                  <a:latin typeface="Cambria Math" panose="02040503050406030204" pitchFamily="18" charset="0"/>
+                                </a:rPr>
+                              </m:ctrlPr>
+                            </m:dPr>
+                            <m:e>
+                              <m:r>
+                                <a:rPr lang="en-US" sz="2000" b="0" i="1" smtClean="0">
+                                  <a:latin typeface="Cambria Math" panose="02040503050406030204" pitchFamily="18" charset="0"/>
+                                </a:rPr>
+                                <m:t>𝑟</m:t>
+                              </m:r>
+                              <m:r>
+                                <a:rPr lang="en-US" sz="2000" b="0" i="1" smtClean="0">
+                                  <a:latin typeface="Cambria Math" panose="02040503050406030204" pitchFamily="18" charset="0"/>
+                                </a:rPr>
+                                <m:t>|</m:t>
+                              </m:r>
+                              <m:r>
+                                <a:rPr lang="en-US" sz="2000" b="0" i="1" smtClean="0">
+                                  <a:latin typeface="Cambria Math" panose="02040503050406030204" pitchFamily="18" charset="0"/>
+                                </a:rPr>
+                                <m:t>𝜃</m:t>
+                              </m:r>
+                            </m:e>
+                          </m:d>
+                        </m:e>
+                      </m:func>
+                      <m:r>
+                        <a:rPr lang="en-US" sz="2000" b="0" i="1" smtClean="0">
+                          <a:latin typeface="Cambria Math" panose="02040503050406030204" pitchFamily="18" charset="0"/>
+                        </a:rPr>
+                        <m:t>=</m:t>
+                      </m:r>
+                      <m:sSup>
+                        <m:sSupPr>
+                          <m:ctrlPr>
+                            <a:rPr lang="en-US" sz="2000" b="0" i="1" smtClean="0">
+                              <a:latin typeface="Cambria Math" panose="02040503050406030204" pitchFamily="18" charset="0"/>
+                            </a:rPr>
+                          </m:ctrlPr>
+                        </m:sSupPr>
+                        <m:e>
+                          <m:r>
+                            <a:rPr lang="en-US" sz="2000" b="0" i="1" smtClean="0">
+                              <a:latin typeface="Cambria Math" panose="02040503050406030204" pitchFamily="18" charset="0"/>
+                            </a:rPr>
+                            <m:t>𝜃</m:t>
+                          </m:r>
+                        </m:e>
+                        <m:sup>
+                          <m:r>
+                            <a:rPr lang="en-US" sz="2000" b="0" i="1" smtClean="0">
+                              <a:latin typeface="Cambria Math" panose="02040503050406030204" pitchFamily="18" charset="0"/>
+                            </a:rPr>
+                            <m:t>𝑟</m:t>
+                          </m:r>
+                        </m:sup>
+                      </m:sSup>
+                      <m:sSup>
+                        <m:sSupPr>
+                          <m:ctrlPr>
+                            <a:rPr lang="en-US" sz="2000" b="0" i="1" smtClean="0">
+                              <a:latin typeface="Cambria Math" panose="02040503050406030204" pitchFamily="18" charset="0"/>
+                            </a:rPr>
+                          </m:ctrlPr>
+                        </m:sSupPr>
+                        <m:e>
+                          <m:d>
+                            <m:dPr>
+                              <m:ctrlPr>
+                                <a:rPr lang="en-US" sz="2000" b="0" i="1" smtClean="0">
+                                  <a:latin typeface="Cambria Math" panose="02040503050406030204" pitchFamily="18" charset="0"/>
+                                </a:rPr>
+                              </m:ctrlPr>
+                            </m:dPr>
+                            <m:e>
+                              <m:r>
+                                <a:rPr lang="en-US" sz="2000" b="0" i="1" smtClean="0">
+                                  <a:latin typeface="Cambria Math" panose="02040503050406030204" pitchFamily="18" charset="0"/>
+                                </a:rPr>
+                                <m:t>1−</m:t>
+                              </m:r>
+                              <m:r>
+                                <a:rPr lang="en-US" sz="2000" b="0" i="1" smtClean="0">
+                                  <a:latin typeface="Cambria Math" panose="02040503050406030204" pitchFamily="18" charset="0"/>
+                                </a:rPr>
+                                <m:t>𝜃</m:t>
+                              </m:r>
+                            </m:e>
+                          </m:d>
+                        </m:e>
+                        <m:sup>
+                          <m:r>
+                            <a:rPr lang="en-US" sz="2000" b="0" i="1" smtClean="0">
+                              <a:latin typeface="Cambria Math" panose="02040503050406030204" pitchFamily="18" charset="0"/>
+                            </a:rPr>
+                            <m:t>1−</m:t>
+                          </m:r>
+                          <m:r>
+                            <a:rPr lang="en-US" sz="2000" b="0" i="1" smtClean="0">
+                              <a:latin typeface="Cambria Math" panose="02040503050406030204" pitchFamily="18" charset="0"/>
+                            </a:rPr>
+                            <m:t>𝑟</m:t>
+                          </m:r>
+                        </m:sup>
+                      </m:sSup>
+                      <m:r>
+                        <a:rPr lang="en-US" sz="2000" b="0" i="1" smtClean="0">
+                          <a:latin typeface="Cambria Math" panose="02040503050406030204" pitchFamily="18" charset="0"/>
+                        </a:rPr>
+                        <m:t>,  </m:t>
+                      </m:r>
+                      <m:r>
+                        <a:rPr lang="en-US" sz="2000" b="0" i="1" smtClean="0">
+                          <a:latin typeface="Cambria Math" panose="02040503050406030204" pitchFamily="18" charset="0"/>
+                        </a:rPr>
+                        <m:t>𝑟</m:t>
+                      </m:r>
+                      <m:r>
+                        <a:rPr lang="en-US" sz="2000" b="0" i="1" smtClean="0">
+                          <a:latin typeface="Cambria Math" panose="02040503050406030204" pitchFamily="18" charset="0"/>
+                        </a:rPr>
+                        <m:t>∈</m:t>
+                      </m:r>
+                      <m:d>
+                        <m:dPr>
+                          <m:begChr m:val="{"/>
+                          <m:endChr m:val="}"/>
+                          <m:ctrlPr>
+                            <a:rPr lang="en-US" sz="2000" b="0" i="1" smtClean="0">
+                              <a:latin typeface="Cambria Math" panose="02040503050406030204" pitchFamily="18" charset="0"/>
+                            </a:rPr>
+                          </m:ctrlPr>
+                        </m:dPr>
+                        <m:e>
+                          <m:r>
+                            <a:rPr lang="en-US" sz="2000" b="0" i="1" smtClean="0">
+                              <a:latin typeface="Cambria Math" panose="02040503050406030204" pitchFamily="18" charset="0"/>
+                            </a:rPr>
+                            <m:t>0,1</m:t>
+                          </m:r>
+                        </m:e>
+                      </m:d>
+                    </m:oMath>
+                  </m:oMathPara>
+                </a14:m>
+                <a:endParaRPr lang="en-US" sz="2000" dirty="0"/>
+              </a:p>
+              <a:p>
+                <a:endParaRPr lang="en-US" sz="2000" dirty="0"/>
+              </a:p>
+              <a:p>
+                <a:r>
+                  <a:rPr lang="en-US" sz="2000" dirty="0"/>
+                  <a:t>  </a:t>
+                </a:r>
+              </a:p>
+            </p:txBody>
+          </p:sp>
+        </mc:Choice>
+        <mc:Fallback xmlns="">
+          <p:sp>
+            <p:nvSpPr>
+              <p:cNvPr id="15" name="TextBox 14">
+                <a:extLst>
+                  <a:ext uri="{FF2B5EF4-FFF2-40B4-BE49-F238E27FC236}">
+                    <a16:creationId xmlns:a16="http://schemas.microsoft.com/office/drawing/2014/main" id="{E3FD57A2-3407-4DFB-9CBB-47B49CAF3DDC}"/>
+                  </a:ext>
+                </a:extLst>
+              </p:cNvPr>
+              <p:cNvSpPr txBox="1">
+                <a:spLocks noRot="1" noChangeAspect="1" noMove="1" noResize="1" noEditPoints="1" noAdjustHandles="1" noChangeArrowheads="1" noChangeShapeType="1" noTextEdit="1"/>
+              </p:cNvSpPr>
+              <p:nvPr/>
+            </p:nvSpPr>
+            <p:spPr>
+              <a:xfrm>
+                <a:off x="1727865" y="3511970"/>
+                <a:ext cx="8491172" cy="2246769"/>
+              </a:xfrm>
+              <a:prstGeom prst="rect">
+                <a:avLst/>
+              </a:prstGeom>
+              <a:blipFill>
+                <a:blip r:embed="rId4"/>
+                <a:stretch>
+                  <a:fillRect l="-646" t="-1355"/>
+                </a:stretch>
+              </a:blipFill>
+            </p:spPr>
+            <p:txBody>
+              <a:bodyPr/>
+              <a:lstStyle/>
+              <a:p>
+                <a:r>
+                  <a:rPr lang="en-US">
+                    <a:noFill/>
+                  </a:rPr>
+                  <a:t> </a:t>
+                </a:r>
+              </a:p>
+            </p:txBody>
+          </p:sp>
+        </mc:Fallback>
+      </mc:AlternateContent>
+    </p:spTree>
+    <p:extLst>
+      <p:ext uri="{BB962C8B-B14F-4D97-AF65-F5344CB8AC3E}">
+        <p14:creationId xmlns:p14="http://schemas.microsoft.com/office/powerpoint/2010/main" val="1287553037"/>
+      </p:ext>
+    </p:extLst>
+  </p:cSld>
+  <p:clrMapOvr>
+    <a:masterClrMapping/>
+  </p:clrMapOvr>
+</p:sld>
+</file>
+
+<file path=ppt/slides/slide11.xml><?xml version="1.0" encoding="utf-8"?>
+<p:sld xmlns:a="http://schemas.openxmlformats.org/drawingml/2006/main" xmlns:r="http://schemas.openxmlformats.org/officeDocument/2006/relationships" xmlns:p="http://schemas.openxmlformats.org/presentationml/2006/main">
+  <p:cSld>
+    <p:spTree>
+      <p:nvGrpSpPr>
+        <p:cNvPr id="1" name=""/>
+        <p:cNvGrpSpPr/>
+        <p:nvPr/>
+      </p:nvGrpSpPr>
+      <p:grpSpPr>
+        <a:xfrm>
+          <a:off x="0" y="0"/>
+          <a:ext cx="0" cy="0"/>
+          <a:chOff x="0" y="0"/>
+          <a:chExt cx="0" cy="0"/>
+        </a:xfrm>
+      </p:grpSpPr>
+      <p:sp>
+        <p:nvSpPr>
+          <p:cNvPr id="2" name="Title 1">
             <a:extLst>
               <a:ext uri="{FF2B5EF4-FFF2-40B4-BE49-F238E27FC236}">
-                <a16:creationId xmlns:a16="http://schemas.microsoft.com/office/drawing/2014/main" id="{E3FD57A2-3407-4DFB-9CBB-47B49CAF3DDC}"/>
+                <a16:creationId xmlns:a16="http://schemas.microsoft.com/office/drawing/2014/main" id="{EB21097E-7DE0-4E98-A66A-7204F4700202}"/>
               </a:ext>
             </a:extLst>
           </p:cNvPr>
-          <p:cNvSpPr txBox="1"/>
+          <p:cNvSpPr>
+            <a:spLocks noGrp="1"/>
+          </p:cNvSpPr>
+          <p:nvPr>
+            <p:ph type="title"/>
+          </p:nvPr>
+        </p:nvSpPr>
+        <p:spPr/>
+        <p:txBody>
+          <a:bodyPr/>
+          <a:lstStyle/>
+          <a:p>
+            <a:r>
+              <a:rPr lang="en-US" dirty="0"/>
+              <a:t>Beta distribution </a:t>
+            </a:r>
+          </a:p>
+        </p:txBody>
+      </p:sp>
+      <mc:AlternateContent xmlns:mc="http://schemas.openxmlformats.org/markup-compatibility/2006">
+        <mc:Choice xmlns:a14="http://schemas.microsoft.com/office/drawing/2010/main" Requires="a14">
+          <p:sp>
+            <p:nvSpPr>
+              <p:cNvPr id="3" name="Content Placeholder 2">
+                <a:extLst>
+                  <a:ext uri="{FF2B5EF4-FFF2-40B4-BE49-F238E27FC236}">
+                    <a16:creationId xmlns:a16="http://schemas.microsoft.com/office/drawing/2014/main" id="{0BABD4F5-C8EC-4B11-A3AB-016D2A57D9C8}"/>
+                  </a:ext>
+                </a:extLst>
+              </p:cNvPr>
+              <p:cNvSpPr>
+                <a:spLocks noGrp="1"/>
+              </p:cNvSpPr>
+              <p:nvPr>
+                <p:ph idx="1"/>
+              </p:nvPr>
+            </p:nvSpPr>
+            <p:spPr>
+              <a:xfrm>
+                <a:off x="1371600" y="2285999"/>
+                <a:ext cx="7090756" cy="4380807"/>
+              </a:xfrm>
+            </p:spPr>
+            <p:txBody>
+              <a:bodyPr>
+                <a:normAutofit/>
+              </a:bodyPr>
+              <a:lstStyle/>
+              <a:p>
+                <a:r>
+                  <a:rPr lang="en-US" dirty="0"/>
+                  <a:t>The uncertainty about the parameter </a:t>
+                </a:r>
+                <a:r>
+                  <a:rPr lang="el-GR" sz="2400" dirty="0"/>
+                  <a:t>θ</a:t>
+                </a:r>
+                <a:r>
+                  <a:rPr lang="en-US" sz="2400" dirty="0"/>
+                  <a:t> </a:t>
+                </a:r>
+                <a:r>
+                  <a:rPr lang="en-US" dirty="0"/>
+                  <a:t>is expressed as a beta distribution</a:t>
+                </a:r>
+                <a:br>
+                  <a:rPr lang="en-US" dirty="0"/>
+                </a:br>
+                <a:endParaRPr lang="en-US" dirty="0"/>
+              </a:p>
+              <a:p>
+                <a:pPr marL="0" indent="0">
+                  <a:buNone/>
+                </a:pPr>
+                <a14:m>
+                  <m:oMathPara xmlns:m="http://schemas.openxmlformats.org/officeDocument/2006/math">
+                    <m:oMathParaPr>
+                      <m:jc m:val="centerGroup"/>
+                    </m:oMathParaPr>
+                    <m:oMath xmlns:m="http://schemas.openxmlformats.org/officeDocument/2006/math">
+                      <m:acc>
+                        <m:accPr>
+                          <m:chr m:val="̂"/>
+                          <m:ctrlPr>
+                            <a:rPr lang="en-US" sz="3200" b="0" i="1" smtClean="0">
+                              <a:latin typeface="Cambria Math" panose="02040503050406030204" pitchFamily="18" charset="0"/>
+                            </a:rPr>
+                          </m:ctrlPr>
+                        </m:accPr>
+                        <m:e>
+                          <m:r>
+                            <a:rPr lang="en-US" sz="3200" b="0" i="1" smtClean="0">
+                              <a:latin typeface="Cambria Math" panose="02040503050406030204" pitchFamily="18" charset="0"/>
+                            </a:rPr>
+                            <m:t>𝜃</m:t>
+                          </m:r>
+                        </m:e>
+                      </m:acc>
+                      <m:r>
+                        <a:rPr lang="en-US" sz="3200" b="0" i="1" dirty="0" smtClean="0">
+                          <a:latin typeface="Cambria Math" panose="02040503050406030204" pitchFamily="18" charset="0"/>
+                        </a:rPr>
+                        <m:t>~ </m:t>
+                      </m:r>
+                      <m:r>
+                        <a:rPr lang="en-US" sz="3200" b="0" i="1" dirty="0" smtClean="0">
+                          <a:latin typeface="Cambria Math" panose="02040503050406030204" pitchFamily="18" charset="0"/>
+                        </a:rPr>
+                        <m:t>𝐵𝑒𝑡𝑎</m:t>
+                      </m:r>
+                      <m:d>
+                        <m:dPr>
+                          <m:ctrlPr>
+                            <a:rPr lang="en-US" sz="3200" b="0" i="1" dirty="0" smtClean="0">
+                              <a:latin typeface="Cambria Math" panose="02040503050406030204" pitchFamily="18" charset="0"/>
+                            </a:rPr>
+                          </m:ctrlPr>
+                        </m:dPr>
+                        <m:e>
+                          <m:r>
+                            <a:rPr lang="en-US" sz="3200" b="0" i="1" dirty="0" smtClean="0">
+                              <a:latin typeface="Cambria Math" panose="02040503050406030204" pitchFamily="18" charset="0"/>
+                            </a:rPr>
+                            <m:t>𝛼</m:t>
+                          </m:r>
+                          <m:r>
+                            <a:rPr lang="en-US" sz="3200" b="0" i="1" dirty="0" smtClean="0">
+                              <a:latin typeface="Cambria Math" panose="02040503050406030204" pitchFamily="18" charset="0"/>
+                            </a:rPr>
+                            <m:t>,</m:t>
+                          </m:r>
+                          <m:r>
+                            <a:rPr lang="en-US" sz="3200" b="0" i="1" dirty="0" smtClean="0">
+                              <a:latin typeface="Cambria Math" panose="02040503050406030204" pitchFamily="18" charset="0"/>
+                            </a:rPr>
+                            <m:t>𝛽</m:t>
+                          </m:r>
+                        </m:e>
+                      </m:d>
+                    </m:oMath>
+                  </m:oMathPara>
+                </a14:m>
+                <a:br>
+                  <a:rPr lang="en-US" dirty="0"/>
+                </a:br>
+                <a:br>
+                  <a:rPr lang="en-US" dirty="0"/>
+                </a:br>
+                <a14:m>
+                  <m:oMathPara xmlns:m="http://schemas.openxmlformats.org/officeDocument/2006/math">
+                    <m:oMathParaPr>
+                      <m:jc m:val="centerGroup"/>
+                    </m:oMathParaPr>
+                    <m:oMath xmlns:m="http://schemas.openxmlformats.org/officeDocument/2006/math">
+                      <m:r>
+                        <m:rPr>
+                          <m:sty m:val="p"/>
+                        </m:rPr>
+                        <a:rPr lang="en-US" sz="3200" dirty="0">
+                          <a:latin typeface="Cambria Math" panose="02040503050406030204" pitchFamily="18" charset="0"/>
+                        </a:rPr>
+                        <m:t>P</m:t>
+                      </m:r>
+                      <m:r>
+                        <m:rPr>
+                          <m:sty m:val="p"/>
+                        </m:rPr>
+                        <a:rPr lang="en-US" sz="3200" b="0" i="0" dirty="0" smtClean="0">
+                          <a:latin typeface="Cambria Math" panose="02040503050406030204" pitchFamily="18" charset="0"/>
+                        </a:rPr>
+                        <m:t>r</m:t>
+                      </m:r>
+                      <m:d>
+                        <m:dPr>
+                          <m:ctrlPr>
+                            <a:rPr lang="en-US" sz="3200" b="0" i="1" dirty="0" smtClean="0">
+                              <a:latin typeface="Cambria Math" panose="02040503050406030204" pitchFamily="18" charset="0"/>
+                            </a:rPr>
+                          </m:ctrlPr>
+                        </m:dPr>
+                        <m:e>
+                          <m:r>
+                            <a:rPr lang="en-US" sz="3200" b="0" i="1" dirty="0" smtClean="0">
+                              <a:latin typeface="Cambria Math" panose="02040503050406030204" pitchFamily="18" charset="0"/>
+                            </a:rPr>
+                            <m:t>𝜃</m:t>
+                          </m:r>
+                          <m:r>
+                            <a:rPr lang="en-US" sz="3200" b="0" i="1" dirty="0" smtClean="0">
+                              <a:latin typeface="Cambria Math" panose="02040503050406030204" pitchFamily="18" charset="0"/>
+                            </a:rPr>
+                            <m:t>|</m:t>
+                          </m:r>
+                          <m:r>
+                            <a:rPr lang="en-US" sz="3200" b="0" i="1" dirty="0" smtClean="0">
+                              <a:latin typeface="Cambria Math" panose="02040503050406030204" pitchFamily="18" charset="0"/>
+                            </a:rPr>
+                            <m:t>𝛼</m:t>
+                          </m:r>
+                          <m:r>
+                            <a:rPr lang="en-US" sz="3200" b="0" i="1" dirty="0" smtClean="0">
+                              <a:latin typeface="Cambria Math" panose="02040503050406030204" pitchFamily="18" charset="0"/>
+                            </a:rPr>
+                            <m:t>,</m:t>
+                          </m:r>
+                          <m:r>
+                            <a:rPr lang="en-US" sz="3200" b="0" i="1" dirty="0" smtClean="0">
+                              <a:latin typeface="Cambria Math" panose="02040503050406030204" pitchFamily="18" charset="0"/>
+                            </a:rPr>
+                            <m:t>𝛽</m:t>
+                          </m:r>
+                        </m:e>
+                      </m:d>
+                      <m:r>
+                        <a:rPr lang="en-US" sz="3200" b="0" i="0" dirty="0" smtClean="0">
+                          <a:latin typeface="Cambria Math" panose="02040503050406030204" pitchFamily="18" charset="0"/>
+                        </a:rPr>
+                        <m:t>=</m:t>
+                      </m:r>
+                      <m:f>
+                        <m:fPr>
+                          <m:ctrlPr>
+                            <a:rPr lang="en-US" sz="3200" i="1" dirty="0">
+                              <a:latin typeface="Cambria Math" panose="02040503050406030204" pitchFamily="18" charset="0"/>
+                            </a:rPr>
+                          </m:ctrlPr>
+                        </m:fPr>
+                        <m:num>
+                          <m:r>
+                            <m:rPr>
+                              <m:sty m:val="p"/>
+                            </m:rPr>
+                            <a:rPr lang="en-US" sz="3200" dirty="0">
+                              <a:latin typeface="Cambria Math" panose="02040503050406030204" pitchFamily="18" charset="0"/>
+                            </a:rPr>
+                            <m:t>Γ</m:t>
+                          </m:r>
+                          <m:d>
+                            <m:dPr>
+                              <m:ctrlPr>
+                                <a:rPr lang="en-US" sz="3200" i="1" dirty="0">
+                                  <a:latin typeface="Cambria Math" panose="02040503050406030204" pitchFamily="18" charset="0"/>
+                                </a:rPr>
+                              </m:ctrlPr>
+                            </m:dPr>
+                            <m:e>
+                              <m:r>
+                                <a:rPr lang="en-US" sz="3200" i="1" dirty="0">
+                                  <a:latin typeface="Cambria Math" panose="02040503050406030204" pitchFamily="18" charset="0"/>
+                                </a:rPr>
+                                <m:t>𝛼</m:t>
+                              </m:r>
+                              <m:r>
+                                <a:rPr lang="en-US" sz="3200" i="1" dirty="0">
+                                  <a:latin typeface="Cambria Math" panose="02040503050406030204" pitchFamily="18" charset="0"/>
+                                </a:rPr>
+                                <m:t>+</m:t>
+                              </m:r>
+                              <m:r>
+                                <a:rPr lang="en-US" sz="3200" i="1" dirty="0">
+                                  <a:latin typeface="Cambria Math" panose="02040503050406030204" pitchFamily="18" charset="0"/>
+                                </a:rPr>
+                                <m:t>𝛽</m:t>
+                              </m:r>
+                            </m:e>
+                          </m:d>
+                        </m:num>
+                        <m:den>
+                          <m:r>
+                            <m:rPr>
+                              <m:sty m:val="p"/>
+                            </m:rPr>
+                            <a:rPr lang="en-US" sz="3200" dirty="0">
+                              <a:latin typeface="Cambria Math" panose="02040503050406030204" pitchFamily="18" charset="0"/>
+                            </a:rPr>
+                            <m:t>Γ</m:t>
+                          </m:r>
+                          <m:d>
+                            <m:dPr>
+                              <m:ctrlPr>
+                                <a:rPr lang="en-US" sz="3200" i="1" dirty="0">
+                                  <a:latin typeface="Cambria Math" panose="02040503050406030204" pitchFamily="18" charset="0"/>
+                                </a:rPr>
+                              </m:ctrlPr>
+                            </m:dPr>
+                            <m:e>
+                              <m:r>
+                                <a:rPr lang="en-US" sz="3200" i="1" dirty="0">
+                                  <a:latin typeface="Cambria Math" panose="02040503050406030204" pitchFamily="18" charset="0"/>
+                                </a:rPr>
+                                <m:t>𝛼</m:t>
+                              </m:r>
+                            </m:e>
+                          </m:d>
+                          <m:r>
+                            <m:rPr>
+                              <m:sty m:val="p"/>
+                            </m:rPr>
+                            <a:rPr lang="en-US" sz="3200" dirty="0">
+                              <a:latin typeface="Cambria Math" panose="02040503050406030204" pitchFamily="18" charset="0"/>
+                            </a:rPr>
+                            <m:t>Γ</m:t>
+                          </m:r>
+                          <m:d>
+                            <m:dPr>
+                              <m:ctrlPr>
+                                <a:rPr lang="en-US" sz="3200" i="1" dirty="0">
+                                  <a:latin typeface="Cambria Math" panose="02040503050406030204" pitchFamily="18" charset="0"/>
+                                </a:rPr>
+                              </m:ctrlPr>
+                            </m:dPr>
+                            <m:e>
+                              <m:r>
+                                <a:rPr lang="en-US" sz="3200" i="1" dirty="0">
+                                  <a:latin typeface="Cambria Math" panose="02040503050406030204" pitchFamily="18" charset="0"/>
+                                </a:rPr>
+                                <m:t>𝛽</m:t>
+                              </m:r>
+                            </m:e>
+                          </m:d>
+                        </m:den>
+                      </m:f>
+                      <m:sSup>
+                        <m:sSupPr>
+                          <m:ctrlPr>
+                            <a:rPr lang="en-US" sz="3200" i="1" dirty="0">
+                              <a:latin typeface="Cambria Math" panose="02040503050406030204" pitchFamily="18" charset="0"/>
+                            </a:rPr>
+                          </m:ctrlPr>
+                        </m:sSupPr>
+                        <m:e>
+                          <m:r>
+                            <a:rPr lang="en-US" sz="3200" i="1" dirty="0">
+                              <a:latin typeface="Cambria Math" panose="02040503050406030204" pitchFamily="18" charset="0"/>
+                            </a:rPr>
+                            <m:t>𝜃</m:t>
+                          </m:r>
+                        </m:e>
+                        <m:sup>
+                          <m:r>
+                            <a:rPr lang="en-US" sz="3200" i="1" dirty="0">
+                              <a:latin typeface="Cambria Math" panose="02040503050406030204" pitchFamily="18" charset="0"/>
+                            </a:rPr>
+                            <m:t>𝛼</m:t>
+                          </m:r>
+                          <m:r>
+                            <a:rPr lang="en-US" sz="3200" i="1" dirty="0">
+                              <a:latin typeface="Cambria Math" panose="02040503050406030204" pitchFamily="18" charset="0"/>
+                            </a:rPr>
+                            <m:t>−1</m:t>
+                          </m:r>
+                        </m:sup>
+                      </m:sSup>
+                      <m:sSup>
+                        <m:sSupPr>
+                          <m:ctrlPr>
+                            <a:rPr lang="en-US" sz="3200" i="1" dirty="0">
+                              <a:latin typeface="Cambria Math" panose="02040503050406030204" pitchFamily="18" charset="0"/>
+                            </a:rPr>
+                          </m:ctrlPr>
+                        </m:sSupPr>
+                        <m:e>
+                          <m:d>
+                            <m:dPr>
+                              <m:ctrlPr>
+                                <a:rPr lang="en-US" sz="3200" i="1" dirty="0">
+                                  <a:latin typeface="Cambria Math" panose="02040503050406030204" pitchFamily="18" charset="0"/>
+                                </a:rPr>
+                              </m:ctrlPr>
+                            </m:dPr>
+                            <m:e>
+                              <m:r>
+                                <a:rPr lang="en-US" sz="3200" b="0" i="1" dirty="0" smtClean="0">
+                                  <a:latin typeface="Cambria Math" panose="02040503050406030204" pitchFamily="18" charset="0"/>
+                                </a:rPr>
+                                <m:t>1</m:t>
+                              </m:r>
+                              <m:r>
+                                <a:rPr lang="en-US" sz="3200" i="1" dirty="0">
+                                  <a:latin typeface="Cambria Math" panose="02040503050406030204" pitchFamily="18" charset="0"/>
+                                </a:rPr>
+                                <m:t>−</m:t>
+                              </m:r>
+                              <m:r>
+                                <a:rPr lang="en-US" sz="3200" i="1" dirty="0">
+                                  <a:latin typeface="Cambria Math" panose="02040503050406030204" pitchFamily="18" charset="0"/>
+                                </a:rPr>
+                                <m:t>𝜃</m:t>
+                              </m:r>
+                            </m:e>
+                          </m:d>
+                        </m:e>
+                        <m:sup>
+                          <m:r>
+                            <a:rPr lang="en-US" sz="3200" i="1" dirty="0">
+                              <a:latin typeface="Cambria Math" panose="02040503050406030204" pitchFamily="18" charset="0"/>
+                            </a:rPr>
+                            <m:t>𝛽</m:t>
+                          </m:r>
+                          <m:r>
+                            <a:rPr lang="en-US" sz="3200" i="1" dirty="0">
+                              <a:latin typeface="Cambria Math" panose="02040503050406030204" pitchFamily="18" charset="0"/>
+                            </a:rPr>
+                            <m:t>−1</m:t>
+                          </m:r>
+                        </m:sup>
+                      </m:sSup>
+                    </m:oMath>
+                  </m:oMathPara>
+                </a14:m>
+                <a:br>
+                  <a:rPr lang="en-US" dirty="0"/>
+                </a:br>
+                <a:endParaRPr lang="en-US" dirty="0"/>
+              </a:p>
+              <a:p>
+                <a:r>
+                  <a:rPr lang="en-US" dirty="0"/>
+                  <a:t>Reason for choosing Beta</a:t>
+                </a:r>
+              </a:p>
+              <a:p>
+                <a:pPr lvl="1"/>
+                <a:r>
+                  <a:rPr lang="en-US" dirty="0"/>
+                  <a:t>Conjugate prior</a:t>
+                </a:r>
+              </a:p>
+              <a:p>
+                <a:endParaRPr lang="en-US" dirty="0"/>
+              </a:p>
+              <a:p>
+                <a:endParaRPr lang="en-US" dirty="0"/>
+              </a:p>
+            </p:txBody>
+          </p:sp>
+        </mc:Choice>
+        <mc:Fallback>
+          <p:sp>
+            <p:nvSpPr>
+              <p:cNvPr id="3" name="Content Placeholder 2">
+                <a:extLst>
+                  <a:ext uri="{FF2B5EF4-FFF2-40B4-BE49-F238E27FC236}">
+                    <a16:creationId xmlns:a16="http://schemas.microsoft.com/office/drawing/2014/main" id="{0BABD4F5-C8EC-4B11-A3AB-016D2A57D9C8}"/>
+                  </a:ext>
+                </a:extLst>
+              </p:cNvPr>
+              <p:cNvSpPr>
+                <a:spLocks noGrp="1" noRot="1" noChangeAspect="1" noMove="1" noResize="1" noEditPoints="1" noAdjustHandles="1" noChangeArrowheads="1" noChangeShapeType="1" noTextEdit="1"/>
+              </p:cNvSpPr>
+              <p:nvPr>
+                <p:ph idx="1"/>
+              </p:nvPr>
+            </p:nvSpPr>
+            <p:spPr>
+              <a:xfrm>
+                <a:off x="1371600" y="2285999"/>
+                <a:ext cx="7090756" cy="4380807"/>
+              </a:xfrm>
+              <a:blipFill>
+                <a:blip r:embed="rId3"/>
+                <a:stretch>
+                  <a:fillRect l="-774" t="-1530"/>
+                </a:stretch>
+              </a:blipFill>
+            </p:spPr>
+            <p:txBody>
+              <a:bodyPr/>
+              <a:lstStyle/>
+              <a:p>
+                <a:r>
+                  <a:rPr lang="en-US">
+                    <a:noFill/>
+                  </a:rPr>
+                  <a:t> </a:t>
+                </a:r>
+              </a:p>
+            </p:txBody>
+          </p:sp>
+        </mc:Fallback>
+      </mc:AlternateContent>
+      <p:pic>
+        <p:nvPicPr>
+          <p:cNvPr id="5" name="Picture 4">
+            <a:extLst>
+              <a:ext uri="{FF2B5EF4-FFF2-40B4-BE49-F238E27FC236}">
+                <a16:creationId xmlns:a16="http://schemas.microsoft.com/office/drawing/2014/main" id="{619F481E-0021-499D-94B7-A70B5FD5E6D9}"/>
+              </a:ext>
+            </a:extLst>
+          </p:cNvPr>
+          <p:cNvPicPr>
+            <a:picLocks noChangeAspect="1"/>
+          </p:cNvPicPr>
           <p:nvPr/>
-        </p:nvSpPr>
+        </p:nvPicPr>
+        <p:blipFill>
+          <a:blip r:embed="rId4">
+            <a:extLst>
+              <a:ext uri="{28A0092B-C50C-407E-A947-70E740481C1C}">
+                <a14:useLocalDpi xmlns:a14="http://schemas.microsoft.com/office/drawing/2010/main" val="0"/>
+              </a:ext>
+            </a:extLst>
+          </a:blip>
+          <a:stretch>
+            <a:fillRect/>
+          </a:stretch>
+        </p:blipFill>
         <p:spPr>
           <a:xfrm>
-            <a:off x="1727865" y="3511970"/>
-            <a:ext cx="8491172" cy="2246769"/>
+            <a:off x="8608695" y="2706139"/>
+            <a:ext cx="3095625" cy="2476500"/>
           </a:xfrm>
           <a:prstGeom prst="rect">
             <a:avLst/>
           </a:prstGeom>
-          <a:noFill/>
         </p:spPr>
-        <p:txBody>
-          <a:bodyPr wrap="square" rtlCol="0">
-            <a:spAutoFit/>
-          </a:bodyPr>
-          <a:lstStyle/>
-          <a:p>
-            <a:pPr marL="285750" indent="-285750">
-              <a:buFont typeface="Wingdings" panose="05000000000000000000" pitchFamily="2" charset="2"/>
-              <a:buChar char="§"/>
-            </a:pPr>
-            <a:r>
-              <a:rPr lang="en-US" sz="2000" dirty="0"/>
-              <a:t>The reward takes two discrete values : 0 and 1</a:t>
-            </a:r>
-          </a:p>
-          <a:p>
-            <a:pPr marL="285750" indent="-285750">
-              <a:buFont typeface="Wingdings" panose="05000000000000000000" pitchFamily="2" charset="2"/>
-              <a:buChar char="§"/>
-            </a:pPr>
-            <a:endParaRPr lang="en-US" sz="2000" dirty="0"/>
-          </a:p>
-          <a:p>
-            <a:pPr marL="285750" indent="-285750">
-              <a:buFont typeface="Wingdings" panose="05000000000000000000" pitchFamily="2" charset="2"/>
-              <a:buChar char="§"/>
-            </a:pPr>
-            <a:r>
-              <a:rPr lang="en-US" sz="2000" dirty="0"/>
-              <a:t>Assume that the reward follows a Bernoulli distribution</a:t>
-            </a:r>
-          </a:p>
-          <a:p>
-            <a:pPr marL="285750" indent="-285750">
-              <a:buFont typeface="Wingdings" panose="05000000000000000000" pitchFamily="2" charset="2"/>
-              <a:buChar char="§"/>
-            </a:pPr>
-            <a:endParaRPr lang="en-US" sz="2000" dirty="0"/>
-          </a:p>
-          <a:p>
-            <a:pPr marL="285750" indent="-285750">
-              <a:buFont typeface="Wingdings" panose="05000000000000000000" pitchFamily="2" charset="2"/>
-              <a:buChar char="§"/>
-            </a:pPr>
-            <a:r>
-              <a:rPr lang="en-US" sz="2000" dirty="0"/>
-              <a:t> “Insert latex equation of Bernoulli”  </a:t>
-            </a:r>
-          </a:p>
-          <a:p>
-            <a:endParaRPr lang="en-US" sz="2000" dirty="0"/>
-          </a:p>
-          <a:p>
-            <a:r>
-              <a:rPr lang="en-US" sz="2000" dirty="0"/>
-              <a:t>  </a:t>
-            </a:r>
-          </a:p>
-        </p:txBody>
-      </p:sp>
+      </p:pic>
     </p:spTree>
     <p:extLst>
       <p:ext uri="{BB962C8B-B14F-4D97-AF65-F5344CB8AC3E}">
-        <p14:creationId xmlns:p14="http://schemas.microsoft.com/office/powerpoint/2010/main" val="1287553037"/>
+        <p14:creationId xmlns:p14="http://schemas.microsoft.com/office/powerpoint/2010/main" val="1991786231"/>
       </p:ext>
     </p:extLst>
   </p:cSld>
@@ -4536,7 +6166,7 @@
           <p:cNvPr id="2" name="Title 1">
             <a:extLst>
               <a:ext uri="{FF2B5EF4-FFF2-40B4-BE49-F238E27FC236}">
-                <a16:creationId xmlns:a16="http://schemas.microsoft.com/office/drawing/2014/main" id="{EB21097E-7DE0-4E98-A66A-7204F4700202}"/>
+                <a16:creationId xmlns:a16="http://schemas.microsoft.com/office/drawing/2014/main" id="{055CC9FC-5473-4783-ACDA-0DC7BD94ED5C}"/>
               </a:ext>
             </a:extLst>
           </p:cNvPr>
@@ -4554,99 +6184,844 @@
           <a:p>
             <a:r>
               <a:rPr lang="en-US" dirty="0"/>
-              <a:t>Beta distribution </a:t>
-            </a:r>
-          </a:p>
-        </p:txBody>
-      </p:sp>
-      <p:sp>
-        <p:nvSpPr>
-          <p:cNvPr id="3" name="Content Placeholder 2">
+              <a:t>Sampling Algorithm</a:t>
+            </a:r>
+          </a:p>
+        </p:txBody>
+      </p:sp>
+      <mc:AlternateContent xmlns:mc="http://schemas.openxmlformats.org/markup-compatibility/2006" xmlns:a14="http://schemas.microsoft.com/office/drawing/2010/main">
+        <mc:Choice Requires="a14">
+          <p:sp>
+            <p:nvSpPr>
+              <p:cNvPr id="3" name="Content Placeholder 2">
+                <a:extLst>
+                  <a:ext uri="{FF2B5EF4-FFF2-40B4-BE49-F238E27FC236}">
+                    <a16:creationId xmlns:a16="http://schemas.microsoft.com/office/drawing/2014/main" id="{A4218AC6-0F18-4B2C-9BF3-7D95572A5499}"/>
+                  </a:ext>
+                </a:extLst>
+              </p:cNvPr>
+              <p:cNvSpPr>
+                <a:spLocks noGrp="1"/>
+              </p:cNvSpPr>
+              <p:nvPr>
+                <p:ph idx="1"/>
+              </p:nvPr>
+            </p:nvSpPr>
+            <p:spPr>
+              <a:xfrm>
+                <a:off x="1371600" y="2285999"/>
+                <a:ext cx="9601200" cy="4231211"/>
+              </a:xfrm>
+            </p:spPr>
+            <p:txBody>
+              <a:bodyPr>
+                <a:normAutofit/>
+              </a:bodyPr>
+              <a:lstStyle/>
+              <a:p>
+                <a:r>
+                  <a:rPr lang="en-US" dirty="0"/>
+                  <a:t>Proposed in 1933, ignored for most of the 20</a:t>
+                </a:r>
+                <a:r>
+                  <a:rPr lang="en-US" baseline="30000" dirty="0"/>
+                  <a:t>th</a:t>
+                </a:r>
+                <a:r>
+                  <a:rPr lang="en-US" dirty="0"/>
+                  <a:t> century [1]</a:t>
+                </a:r>
+              </a:p>
+              <a:p>
+                <a:r>
+                  <a:rPr lang="en-US" dirty="0"/>
+                  <a:t>Given a multi-arm bandit problem where the set of arms is </a:t>
+                </a:r>
+                <a14:m>
+                  <m:oMath xmlns:m="http://schemas.openxmlformats.org/officeDocument/2006/math">
+                    <m:r>
+                      <a:rPr lang="en-US" b="0" i="1" smtClean="0">
+                        <a:latin typeface="Cambria Math" panose="02040503050406030204" pitchFamily="18" charset="0"/>
+                      </a:rPr>
+                      <m:t>𝒜</m:t>
+                    </m:r>
+                  </m:oMath>
+                </a14:m>
+                <a:endParaRPr lang="en-US" dirty="0"/>
+              </a:p>
+              <a:p>
+                <a:r>
+                  <a:rPr lang="en-US" dirty="0"/>
+                  <a:t>Choose initial values </a:t>
+                </a:r>
+                <a14:m>
+                  <m:oMath xmlns:m="http://schemas.openxmlformats.org/officeDocument/2006/math">
+                    <m:sSub>
+                      <m:sSubPr>
+                        <m:ctrlPr>
+                          <a:rPr lang="en-US" b="0" i="1" smtClean="0">
+                            <a:latin typeface="Cambria Math" panose="02040503050406030204" pitchFamily="18" charset="0"/>
+                          </a:rPr>
+                        </m:ctrlPr>
+                      </m:sSubPr>
+                      <m:e>
+                        <m:r>
+                          <a:rPr lang="en-US" b="0" i="1" smtClean="0">
+                            <a:latin typeface="Cambria Math" panose="02040503050406030204" pitchFamily="18" charset="0"/>
+                          </a:rPr>
+                          <m:t>𝛼</m:t>
+                        </m:r>
+                      </m:e>
+                      <m:sub>
+                        <m:r>
+                          <a:rPr lang="en-US" b="0" i="1" smtClean="0">
+                            <a:latin typeface="Cambria Math" panose="02040503050406030204" pitchFamily="18" charset="0"/>
+                          </a:rPr>
+                          <m:t>0</m:t>
+                        </m:r>
+                      </m:sub>
+                    </m:sSub>
+                  </m:oMath>
+                </a14:m>
+                <a:r>
+                  <a:rPr lang="en-US" dirty="0"/>
+                  <a:t> and </a:t>
+                </a:r>
+                <a14:m>
+                  <m:oMath xmlns:m="http://schemas.openxmlformats.org/officeDocument/2006/math">
+                    <m:sSub>
+                      <m:sSubPr>
+                        <m:ctrlPr>
+                          <a:rPr lang="en-US" b="0" i="1" smtClean="0">
+                            <a:latin typeface="Cambria Math" panose="02040503050406030204" pitchFamily="18" charset="0"/>
+                          </a:rPr>
+                        </m:ctrlPr>
+                      </m:sSubPr>
+                      <m:e>
+                        <m:r>
+                          <a:rPr lang="en-US" b="0" i="1" smtClean="0">
+                            <a:latin typeface="Cambria Math" panose="02040503050406030204" pitchFamily="18" charset="0"/>
+                          </a:rPr>
+                          <m:t>𝛽</m:t>
+                        </m:r>
+                      </m:e>
+                      <m:sub>
+                        <m:r>
+                          <a:rPr lang="en-US" b="0" i="1" smtClean="0">
+                            <a:latin typeface="Cambria Math" panose="02040503050406030204" pitchFamily="18" charset="0"/>
+                          </a:rPr>
+                          <m:t>0</m:t>
+                        </m:r>
+                      </m:sub>
+                    </m:sSub>
+                  </m:oMath>
+                </a14:m>
+                <a:r>
+                  <a:rPr lang="en-US" dirty="0"/>
+                  <a:t> for Beta distribution parameters; </a:t>
+                </a:r>
+                <a14:m>
+                  <m:oMath xmlns:m="http://schemas.openxmlformats.org/officeDocument/2006/math">
+                    <m:sSub>
+                      <m:sSubPr>
+                        <m:ctrlPr>
+                          <a:rPr lang="en-US" b="0" i="1" smtClean="0">
+                            <a:latin typeface="Cambria Math" panose="02040503050406030204" pitchFamily="18" charset="0"/>
+                          </a:rPr>
+                        </m:ctrlPr>
+                      </m:sSubPr>
+                      <m:e>
+                        <m:r>
+                          <a:rPr lang="en-US" b="0" i="1" smtClean="0">
+                            <a:latin typeface="Cambria Math" panose="02040503050406030204" pitchFamily="18" charset="0"/>
+                          </a:rPr>
+                          <m:t>𝛼</m:t>
+                        </m:r>
+                      </m:e>
+                      <m:sub>
+                        <m:r>
+                          <a:rPr lang="en-US" b="0" i="1" smtClean="0">
+                            <a:latin typeface="Cambria Math" panose="02040503050406030204" pitchFamily="18" charset="0"/>
+                          </a:rPr>
+                          <m:t>0</m:t>
+                        </m:r>
+                      </m:sub>
+                    </m:sSub>
+                    <m:r>
+                      <a:rPr lang="en-US" b="0" i="1" smtClean="0">
+                        <a:latin typeface="Cambria Math" panose="02040503050406030204" pitchFamily="18" charset="0"/>
+                      </a:rPr>
+                      <m:t>=</m:t>
+                    </m:r>
+                    <m:sSub>
+                      <m:sSubPr>
+                        <m:ctrlPr>
+                          <a:rPr lang="en-US" b="0" i="1" smtClean="0">
+                            <a:latin typeface="Cambria Math" panose="02040503050406030204" pitchFamily="18" charset="0"/>
+                          </a:rPr>
+                        </m:ctrlPr>
+                      </m:sSubPr>
+                      <m:e>
+                        <m:r>
+                          <a:rPr lang="en-US" b="0" i="1" smtClean="0">
+                            <a:latin typeface="Cambria Math" panose="02040503050406030204" pitchFamily="18" charset="0"/>
+                          </a:rPr>
+                          <m:t>𝛽</m:t>
+                        </m:r>
+                      </m:e>
+                      <m:sub>
+                        <m:r>
+                          <a:rPr lang="en-US" b="0" i="1" smtClean="0">
+                            <a:latin typeface="Cambria Math" panose="02040503050406030204" pitchFamily="18" charset="0"/>
+                          </a:rPr>
+                          <m:t>0</m:t>
+                        </m:r>
+                      </m:sub>
+                    </m:sSub>
+                    <m:r>
+                      <a:rPr lang="en-US" i="1">
+                        <a:latin typeface="Cambria Math" panose="02040503050406030204" pitchFamily="18" charset="0"/>
+                      </a:rPr>
+                      <m:t>=1</m:t>
+                    </m:r>
+                  </m:oMath>
+                </a14:m>
+                <a:r>
+                  <a:rPr lang="en-US" dirty="0"/>
+                  <a:t> in the upcoming demonstration.</a:t>
+                </a:r>
+              </a:p>
+              <a:p>
+                <a:r>
+                  <a:rPr lang="en-US" dirty="0"/>
+                  <a:t>Maintain a count of successes (</a:t>
+                </a:r>
+                <a14:m>
+                  <m:oMath xmlns:m="http://schemas.openxmlformats.org/officeDocument/2006/math">
+                    <m:sSub>
+                      <m:sSubPr>
+                        <m:ctrlPr>
+                          <a:rPr lang="en-US" b="0" i="1" smtClean="0">
+                            <a:latin typeface="Cambria Math" panose="02040503050406030204" pitchFamily="18" charset="0"/>
+                          </a:rPr>
+                        </m:ctrlPr>
+                      </m:sSubPr>
+                      <m:e>
+                        <m:r>
+                          <a:rPr lang="en-US" b="0" i="1" smtClean="0">
+                            <a:latin typeface="Cambria Math" panose="02040503050406030204" pitchFamily="18" charset="0"/>
+                          </a:rPr>
+                          <m:t>𝑠</m:t>
+                        </m:r>
+                      </m:e>
+                      <m:sub>
+                        <m:r>
+                          <a:rPr lang="en-US" b="0" i="1" smtClean="0">
+                            <a:latin typeface="Cambria Math" panose="02040503050406030204" pitchFamily="18" charset="0"/>
+                          </a:rPr>
+                          <m:t>𝑎</m:t>
+                        </m:r>
+                      </m:sub>
+                    </m:sSub>
+                  </m:oMath>
+                </a14:m>
+                <a:r>
+                  <a:rPr lang="en-US" dirty="0"/>
+                  <a:t>) and failures (</a:t>
+                </a:r>
+                <a14:m>
+                  <m:oMath xmlns:m="http://schemas.openxmlformats.org/officeDocument/2006/math">
+                    <m:sSub>
+                      <m:sSubPr>
+                        <m:ctrlPr>
+                          <a:rPr lang="en-US" b="0" i="1" smtClean="0">
+                            <a:latin typeface="Cambria Math" panose="02040503050406030204" pitchFamily="18" charset="0"/>
+                          </a:rPr>
+                        </m:ctrlPr>
+                      </m:sSubPr>
+                      <m:e>
+                        <m:r>
+                          <a:rPr lang="en-US" b="0" i="1" smtClean="0">
+                            <a:latin typeface="Cambria Math" panose="02040503050406030204" pitchFamily="18" charset="0"/>
+                          </a:rPr>
+                          <m:t>𝑓</m:t>
+                        </m:r>
+                      </m:e>
+                      <m:sub>
+                        <m:r>
+                          <a:rPr lang="en-US" b="0" i="1" smtClean="0">
+                            <a:latin typeface="Cambria Math" panose="02040503050406030204" pitchFamily="18" charset="0"/>
+                          </a:rPr>
+                          <m:t>𝑎</m:t>
+                        </m:r>
+                      </m:sub>
+                    </m:sSub>
+                  </m:oMath>
+                </a14:m>
+                <a:r>
+                  <a:rPr lang="en-US" dirty="0"/>
+                  <a:t>) observed </a:t>
+                </a:r>
+                <a14:m>
+                  <m:oMath xmlns:m="http://schemas.openxmlformats.org/officeDocument/2006/math">
+                    <m:r>
+                      <a:rPr lang="en-US" b="0" i="1" smtClean="0">
+                        <a:latin typeface="Cambria Math" panose="02040503050406030204" pitchFamily="18" charset="0"/>
+                      </a:rPr>
+                      <m:t>∀</m:t>
+                    </m:r>
+                    <m:r>
+                      <a:rPr lang="en-US" b="0" i="1" smtClean="0">
+                        <a:latin typeface="Cambria Math" panose="02040503050406030204" pitchFamily="18" charset="0"/>
+                      </a:rPr>
+                      <m:t>𝑎</m:t>
+                    </m:r>
+                    <m:r>
+                      <a:rPr lang="en-US" b="0" i="1" smtClean="0">
+                        <a:latin typeface="Cambria Math" panose="02040503050406030204" pitchFamily="18" charset="0"/>
+                      </a:rPr>
+                      <m:t>∈</m:t>
+                    </m:r>
+                    <m:r>
+                      <a:rPr lang="en-US" b="0" i="1" smtClean="0">
+                        <a:latin typeface="Cambria Math" panose="02040503050406030204" pitchFamily="18" charset="0"/>
+                      </a:rPr>
+                      <m:t>𝒜</m:t>
+                    </m:r>
+                  </m:oMath>
+                </a14:m>
+                <a:endParaRPr lang="en-US" dirty="0"/>
+              </a:p>
+              <a:p>
+                <a:r>
+                  <a:rPr lang="en-US" dirty="0"/>
+                  <a:t>For each round:</a:t>
+                </a:r>
+              </a:p>
+              <a:p>
+                <a:pPr lvl="1"/>
+                <a:r>
+                  <a:rPr lang="en-US" dirty="0"/>
+                  <a:t>Sample the Beta distribution </a:t>
+                </a:r>
+                <a14:m>
+                  <m:oMath xmlns:m="http://schemas.openxmlformats.org/officeDocument/2006/math">
+                    <m:sSub>
+                      <m:sSubPr>
+                        <m:ctrlPr>
+                          <a:rPr lang="en-US" b="0" i="1" smtClean="0">
+                            <a:latin typeface="Cambria Math" panose="02040503050406030204" pitchFamily="18" charset="0"/>
+                          </a:rPr>
+                        </m:ctrlPr>
+                      </m:sSubPr>
+                      <m:e>
+                        <m:r>
+                          <a:rPr lang="en-US" b="0" i="1" smtClean="0">
+                            <a:latin typeface="Cambria Math" panose="02040503050406030204" pitchFamily="18" charset="0"/>
+                          </a:rPr>
+                          <m:t>𝑉</m:t>
+                        </m:r>
+                      </m:e>
+                      <m:sub>
+                        <m:r>
+                          <a:rPr lang="en-US" b="0" i="1" smtClean="0">
+                            <a:latin typeface="Cambria Math" panose="02040503050406030204" pitchFamily="18" charset="0"/>
+                          </a:rPr>
+                          <m:t>𝑎</m:t>
+                        </m:r>
+                      </m:sub>
+                    </m:sSub>
+                    <m:r>
+                      <a:rPr lang="en-US" b="0" i="1" smtClean="0">
+                        <a:latin typeface="Cambria Math" panose="02040503050406030204" pitchFamily="18" charset="0"/>
+                      </a:rPr>
+                      <m:t>~</m:t>
+                    </m:r>
+                    <m:r>
+                      <m:rPr>
+                        <m:sty m:val="p"/>
+                      </m:rPr>
+                      <a:rPr lang="en-US" i="0">
+                        <a:latin typeface="Cambria Math" panose="02040503050406030204" pitchFamily="18" charset="0"/>
+                      </a:rPr>
+                      <m:t>Β</m:t>
+                    </m:r>
+                    <m:d>
+                      <m:dPr>
+                        <m:ctrlPr>
+                          <a:rPr lang="en-US" i="1">
+                            <a:latin typeface="Cambria Math" panose="02040503050406030204" pitchFamily="18" charset="0"/>
+                          </a:rPr>
+                        </m:ctrlPr>
+                      </m:dPr>
+                      <m:e>
+                        <m:sSub>
+                          <m:sSubPr>
+                            <m:ctrlPr>
+                              <a:rPr lang="en-US" b="0" i="1" smtClean="0">
+                                <a:latin typeface="Cambria Math" panose="02040503050406030204" pitchFamily="18" charset="0"/>
+                              </a:rPr>
+                            </m:ctrlPr>
+                          </m:sSubPr>
+                          <m:e>
+                            <m:r>
+                              <a:rPr lang="en-US" b="0" i="1" smtClean="0">
+                                <a:latin typeface="Cambria Math" panose="02040503050406030204" pitchFamily="18" charset="0"/>
+                              </a:rPr>
+                              <m:t>𝑠</m:t>
+                            </m:r>
+                          </m:e>
+                          <m:sub>
+                            <m:r>
+                              <a:rPr lang="en-US" b="0" i="1" smtClean="0">
+                                <a:latin typeface="Cambria Math" panose="02040503050406030204" pitchFamily="18" charset="0"/>
+                              </a:rPr>
+                              <m:t>𝑎</m:t>
+                            </m:r>
+                          </m:sub>
+                        </m:sSub>
+                        <m:r>
+                          <a:rPr lang="en-US">
+                            <a:latin typeface="Cambria Math" panose="02040503050406030204" pitchFamily="18" charset="0"/>
+                          </a:rPr>
+                          <m:t>+</m:t>
+                        </m:r>
+                        <m:sSub>
+                          <m:sSubPr>
+                            <m:ctrlPr>
+                              <a:rPr lang="en-US" b="0" i="1" smtClean="0">
+                                <a:latin typeface="Cambria Math" panose="02040503050406030204" pitchFamily="18" charset="0"/>
+                              </a:rPr>
+                            </m:ctrlPr>
+                          </m:sSubPr>
+                          <m:e>
+                            <m:r>
+                              <a:rPr lang="en-US" b="0" i="1" smtClean="0">
+                                <a:latin typeface="Cambria Math" panose="02040503050406030204" pitchFamily="18" charset="0"/>
+                              </a:rPr>
+                              <m:t>𝛼</m:t>
+                            </m:r>
+                          </m:e>
+                          <m:sub>
+                            <m:r>
+                              <a:rPr lang="en-US" b="0" i="1" smtClean="0">
+                                <a:latin typeface="Cambria Math" panose="02040503050406030204" pitchFamily="18" charset="0"/>
+                              </a:rPr>
+                              <m:t>0</m:t>
+                            </m:r>
+                          </m:sub>
+                        </m:sSub>
+                        <m:r>
+                          <a:rPr lang="en-US">
+                            <a:latin typeface="Cambria Math" panose="02040503050406030204" pitchFamily="18" charset="0"/>
+                          </a:rPr>
+                          <m:t>,</m:t>
+                        </m:r>
+                        <m:sSub>
+                          <m:sSubPr>
+                            <m:ctrlPr>
+                              <a:rPr lang="en-US" b="0" i="1" smtClean="0">
+                                <a:latin typeface="Cambria Math" panose="02040503050406030204" pitchFamily="18" charset="0"/>
+                              </a:rPr>
+                            </m:ctrlPr>
+                          </m:sSubPr>
+                          <m:e>
+                            <m:r>
+                              <a:rPr lang="en-US" b="0" i="1" smtClean="0">
+                                <a:latin typeface="Cambria Math" panose="02040503050406030204" pitchFamily="18" charset="0"/>
+                              </a:rPr>
+                              <m:t>𝑓</m:t>
+                            </m:r>
+                          </m:e>
+                          <m:sub>
+                            <m:r>
+                              <a:rPr lang="en-US" b="0" i="1" smtClean="0">
+                                <a:latin typeface="Cambria Math" panose="02040503050406030204" pitchFamily="18" charset="0"/>
+                              </a:rPr>
+                              <m:t>𝑎</m:t>
+                            </m:r>
+                          </m:sub>
+                        </m:sSub>
+                        <m:r>
+                          <a:rPr lang="en-US">
+                            <a:latin typeface="Cambria Math" panose="02040503050406030204" pitchFamily="18" charset="0"/>
+                          </a:rPr>
+                          <m:t>+</m:t>
+                        </m:r>
+                        <m:sSub>
+                          <m:sSubPr>
+                            <m:ctrlPr>
+                              <a:rPr lang="en-US" b="0" i="1" smtClean="0">
+                                <a:latin typeface="Cambria Math" panose="02040503050406030204" pitchFamily="18" charset="0"/>
+                              </a:rPr>
+                            </m:ctrlPr>
+                          </m:sSubPr>
+                          <m:e>
+                            <m:r>
+                              <a:rPr lang="en-US" b="0" i="1" smtClean="0">
+                                <a:latin typeface="Cambria Math" panose="02040503050406030204" pitchFamily="18" charset="0"/>
+                              </a:rPr>
+                              <m:t>𝛽</m:t>
+                            </m:r>
+                          </m:e>
+                          <m:sub>
+                            <m:r>
+                              <a:rPr lang="en-US" b="0" i="1" smtClean="0">
+                                <a:latin typeface="Cambria Math" panose="02040503050406030204" pitchFamily="18" charset="0"/>
+                              </a:rPr>
+                              <m:t>0</m:t>
+                            </m:r>
+                          </m:sub>
+                        </m:sSub>
+                      </m:e>
+                    </m:d>
+                  </m:oMath>
+                </a14:m>
+                <a:r>
+                  <a:rPr lang="en-US" dirty="0"/>
+                  <a:t> for each arm, producing </a:t>
+                </a:r>
+                <a14:m>
+                  <m:oMath xmlns:m="http://schemas.openxmlformats.org/officeDocument/2006/math">
+                    <m:sSub>
+                      <m:sSubPr>
+                        <m:ctrlPr>
+                          <a:rPr lang="en-US" b="0" i="1" smtClean="0">
+                            <a:latin typeface="Cambria Math" panose="02040503050406030204" pitchFamily="18" charset="0"/>
+                          </a:rPr>
+                        </m:ctrlPr>
+                      </m:sSubPr>
+                      <m:e>
+                        <m:r>
+                          <a:rPr lang="en-US" b="0" i="1" smtClean="0">
+                            <a:latin typeface="Cambria Math" panose="02040503050406030204" pitchFamily="18" charset="0"/>
+                          </a:rPr>
+                          <m:t>𝑣</m:t>
+                        </m:r>
+                      </m:e>
+                      <m:sub>
+                        <m:r>
+                          <a:rPr lang="en-US" b="0" i="1" smtClean="0">
+                            <a:latin typeface="Cambria Math" panose="02040503050406030204" pitchFamily="18" charset="0"/>
+                          </a:rPr>
+                          <m:t>𝑎</m:t>
+                        </m:r>
+                      </m:sub>
+                    </m:sSub>
+                  </m:oMath>
+                </a14:m>
+                <a:endParaRPr lang="en-US" dirty="0"/>
+              </a:p>
+              <a:p>
+                <a:pPr lvl="1"/>
+                <a:r>
+                  <a:rPr lang="en-US" dirty="0"/>
+                  <a:t>Pull arm associated with greatest sampled value, </a:t>
+                </a:r>
+                <a14:m>
+                  <m:oMath xmlns:m="http://schemas.openxmlformats.org/officeDocument/2006/math">
+                    <m:sSup>
+                      <m:sSupPr>
+                        <m:ctrlPr>
+                          <a:rPr lang="en-US" b="0" i="1" smtClean="0">
+                            <a:latin typeface="Cambria Math" panose="02040503050406030204" pitchFamily="18" charset="0"/>
+                          </a:rPr>
+                        </m:ctrlPr>
+                      </m:sSupPr>
+                      <m:e>
+                        <m:r>
+                          <a:rPr lang="en-US" b="0" i="1" smtClean="0">
+                            <a:latin typeface="Cambria Math" panose="02040503050406030204" pitchFamily="18" charset="0"/>
+                          </a:rPr>
+                          <m:t>𝑎</m:t>
+                        </m:r>
+                      </m:e>
+                      <m:sup>
+                        <m:r>
+                          <a:rPr lang="en-US" b="0" i="1" smtClean="0">
+                            <a:latin typeface="Cambria Math" panose="02040503050406030204" pitchFamily="18" charset="0"/>
+                          </a:rPr>
+                          <m:t>′</m:t>
+                        </m:r>
+                      </m:sup>
+                    </m:sSup>
+                    <m:r>
+                      <a:rPr lang="en-US" b="0" i="1" smtClean="0">
+                        <a:latin typeface="Cambria Math" panose="02040503050406030204" pitchFamily="18" charset="0"/>
+                      </a:rPr>
+                      <m:t>=</m:t>
+                    </m:r>
+                    <m:func>
+                      <m:funcPr>
+                        <m:ctrlPr>
+                          <a:rPr lang="en-US" b="0" i="1" smtClean="0">
+                            <a:latin typeface="Cambria Math" panose="02040503050406030204" pitchFamily="18" charset="0"/>
+                          </a:rPr>
+                        </m:ctrlPr>
+                      </m:funcPr>
+                      <m:fName>
+                        <m:r>
+                          <m:rPr>
+                            <m:sty m:val="p"/>
+                          </m:rPr>
+                          <a:rPr lang="en-US" b="0" i="0" smtClean="0">
+                            <a:latin typeface="Cambria Math" panose="02040503050406030204" pitchFamily="18" charset="0"/>
+                          </a:rPr>
+                          <m:t>arg</m:t>
+                        </m:r>
+                      </m:fName>
+                      <m:e>
+                        <m:func>
+                          <m:funcPr>
+                            <m:ctrlPr>
+                              <a:rPr lang="en-US" b="0" i="1" smtClean="0">
+                                <a:latin typeface="Cambria Math" panose="02040503050406030204" pitchFamily="18" charset="0"/>
+                              </a:rPr>
+                            </m:ctrlPr>
+                          </m:funcPr>
+                          <m:fName>
+                            <m:limLow>
+                              <m:limLowPr>
+                                <m:ctrlPr>
+                                  <a:rPr lang="en-US" b="0" i="1" smtClean="0">
+                                    <a:latin typeface="Cambria Math" panose="02040503050406030204" pitchFamily="18" charset="0"/>
+                                  </a:rPr>
+                                </m:ctrlPr>
+                              </m:limLowPr>
+                              <m:e>
+                                <m:r>
+                                  <m:rPr>
+                                    <m:sty m:val="p"/>
+                                  </m:rPr>
+                                  <a:rPr lang="en-US" b="0" i="0" smtClean="0">
+                                    <a:latin typeface="Cambria Math" panose="02040503050406030204" pitchFamily="18" charset="0"/>
+                                  </a:rPr>
+                                  <m:t>max</m:t>
+                                </m:r>
+                              </m:e>
+                              <m:lim>
+                                <m:r>
+                                  <m:rPr>
+                                    <m:sty m:val="p"/>
+                                  </m:rPr>
+                                  <a:rPr lang="en-US" b="0" i="1" smtClean="0">
+                                    <a:latin typeface="Cambria Math" panose="02040503050406030204" pitchFamily="18" charset="0"/>
+                                  </a:rPr>
+                                  <m:t>a</m:t>
+                                </m:r>
+                                <m:r>
+                                  <a:rPr lang="en-US" b="0" i="1" smtClean="0">
+                                    <a:latin typeface="Cambria Math" panose="02040503050406030204" pitchFamily="18" charset="0"/>
+                                  </a:rPr>
+                                  <m:t>∈</m:t>
+                                </m:r>
+                                <m:r>
+                                  <a:rPr lang="en-US" b="0" i="1" smtClean="0">
+                                    <a:latin typeface="Cambria Math" panose="02040503050406030204" pitchFamily="18" charset="0"/>
+                                  </a:rPr>
+                                  <m:t>𝒜</m:t>
+                                </m:r>
+                              </m:lim>
+                            </m:limLow>
+                          </m:fName>
+                          <m:e>
+                            <m:sSub>
+                              <m:sSubPr>
+                                <m:ctrlPr>
+                                  <a:rPr lang="en-US" b="0" i="1" smtClean="0">
+                                    <a:latin typeface="Cambria Math" panose="02040503050406030204" pitchFamily="18" charset="0"/>
+                                  </a:rPr>
+                                </m:ctrlPr>
+                              </m:sSubPr>
+                              <m:e>
+                                <m:r>
+                                  <a:rPr lang="en-US" b="0" i="1" smtClean="0">
+                                    <a:latin typeface="Cambria Math" panose="02040503050406030204" pitchFamily="18" charset="0"/>
+                                  </a:rPr>
+                                  <m:t>𝑣</m:t>
+                                </m:r>
+                              </m:e>
+                              <m:sub>
+                                <m:r>
+                                  <a:rPr lang="en-US" b="0" i="1" smtClean="0">
+                                    <a:latin typeface="Cambria Math" panose="02040503050406030204" pitchFamily="18" charset="0"/>
+                                  </a:rPr>
+                                  <m:t>𝑎</m:t>
+                                </m:r>
+                              </m:sub>
+                            </m:sSub>
+                          </m:e>
+                        </m:func>
+                      </m:e>
+                    </m:func>
+                  </m:oMath>
+                </a14:m>
+                <a:endParaRPr lang="en-US" dirty="0"/>
+              </a:p>
+              <a:p>
+                <a:pPr lvl="1"/>
+                <a:r>
+                  <a:rPr lang="en-US" dirty="0"/>
+                  <a:t>Record the outcome by incrementing </a:t>
+                </a:r>
+                <a14:m>
+                  <m:oMath xmlns:m="http://schemas.openxmlformats.org/officeDocument/2006/math">
+                    <m:sSub>
+                      <m:sSubPr>
+                        <m:ctrlPr>
+                          <a:rPr lang="en-US" b="0" i="1" smtClean="0">
+                            <a:latin typeface="Cambria Math" panose="02040503050406030204" pitchFamily="18" charset="0"/>
+                          </a:rPr>
+                        </m:ctrlPr>
+                      </m:sSubPr>
+                      <m:e>
+                        <m:r>
+                          <a:rPr lang="en-US" b="0" i="1" smtClean="0">
+                            <a:latin typeface="Cambria Math" panose="02040503050406030204" pitchFamily="18" charset="0"/>
+                          </a:rPr>
+                          <m:t>𝑠</m:t>
+                        </m:r>
+                      </m:e>
+                      <m:sub>
+                        <m:sSup>
+                          <m:sSupPr>
+                            <m:ctrlPr>
+                              <a:rPr lang="en-US" b="0" i="1" smtClean="0">
+                                <a:latin typeface="Cambria Math" panose="02040503050406030204" pitchFamily="18" charset="0"/>
+                              </a:rPr>
+                            </m:ctrlPr>
+                          </m:sSupPr>
+                          <m:e>
+                            <m:r>
+                              <a:rPr lang="en-US" b="0" i="1" smtClean="0">
+                                <a:latin typeface="Cambria Math" panose="02040503050406030204" pitchFamily="18" charset="0"/>
+                              </a:rPr>
+                              <m:t>𝑎</m:t>
+                            </m:r>
+                          </m:e>
+                          <m:sup>
+                            <m:r>
+                              <a:rPr lang="en-US" b="0" i="1" smtClean="0">
+                                <a:latin typeface="Cambria Math" panose="02040503050406030204" pitchFamily="18" charset="0"/>
+                              </a:rPr>
+                              <m:t>′</m:t>
+                            </m:r>
+                          </m:sup>
+                        </m:sSup>
+                      </m:sub>
+                    </m:sSub>
+                  </m:oMath>
+                </a14:m>
+                <a:r>
+                  <a:rPr lang="en-US" dirty="0"/>
+                  <a:t> on success and </a:t>
+                </a:r>
+                <a14:m>
+                  <m:oMath xmlns:m="http://schemas.openxmlformats.org/officeDocument/2006/math">
+                    <m:sSub>
+                      <m:sSubPr>
+                        <m:ctrlPr>
+                          <a:rPr lang="en-US" b="0" i="1" smtClean="0">
+                            <a:latin typeface="Cambria Math" panose="02040503050406030204" pitchFamily="18" charset="0"/>
+                          </a:rPr>
+                        </m:ctrlPr>
+                      </m:sSubPr>
+                      <m:e>
+                        <m:r>
+                          <a:rPr lang="en-US" b="0" i="1" smtClean="0">
+                            <a:latin typeface="Cambria Math" panose="02040503050406030204" pitchFamily="18" charset="0"/>
+                          </a:rPr>
+                          <m:t>𝑓</m:t>
+                        </m:r>
+                      </m:e>
+                      <m:sub>
+                        <m:sSup>
+                          <m:sSupPr>
+                            <m:ctrlPr>
+                              <a:rPr lang="en-US" b="0" i="1" smtClean="0">
+                                <a:latin typeface="Cambria Math" panose="02040503050406030204" pitchFamily="18" charset="0"/>
+                              </a:rPr>
+                            </m:ctrlPr>
+                          </m:sSupPr>
+                          <m:e>
+                            <m:r>
+                              <a:rPr lang="en-US" b="0" i="1" smtClean="0">
+                                <a:latin typeface="Cambria Math" panose="02040503050406030204" pitchFamily="18" charset="0"/>
+                              </a:rPr>
+                              <m:t>𝑎</m:t>
+                            </m:r>
+                          </m:e>
+                          <m:sup>
+                            <m:r>
+                              <a:rPr lang="en-US" b="0" i="1" smtClean="0">
+                                <a:latin typeface="Cambria Math" panose="02040503050406030204" pitchFamily="18" charset="0"/>
+                              </a:rPr>
+                              <m:t>′</m:t>
+                            </m:r>
+                          </m:sup>
+                        </m:sSup>
+                      </m:sub>
+                    </m:sSub>
+                  </m:oMath>
+                </a14:m>
+                <a:r>
+                  <a:rPr lang="en-US" dirty="0"/>
+                  <a:t> on failure</a:t>
+                </a:r>
+              </a:p>
+            </p:txBody>
+          </p:sp>
+        </mc:Choice>
+        <mc:Fallback xmlns="">
+          <p:sp>
+            <p:nvSpPr>
+              <p:cNvPr id="3" name="Content Placeholder 2">
+                <a:extLst>
+                  <a:ext uri="{FF2B5EF4-FFF2-40B4-BE49-F238E27FC236}">
+                    <a16:creationId xmlns:a16="http://schemas.microsoft.com/office/drawing/2014/main" id="{A4218AC6-0F18-4B2C-9BF3-7D95572A5499}"/>
+                  </a:ext>
+                </a:extLst>
+              </p:cNvPr>
+              <p:cNvSpPr>
+                <a:spLocks noGrp="1" noRot="1" noChangeAspect="1" noMove="1" noResize="1" noEditPoints="1" noAdjustHandles="1" noChangeArrowheads="1" noChangeShapeType="1" noTextEdit="1"/>
+              </p:cNvSpPr>
+              <p:nvPr>
+                <p:ph idx="1"/>
+              </p:nvPr>
+            </p:nvSpPr>
+            <p:spPr>
+              <a:xfrm>
+                <a:off x="1371600" y="2285999"/>
+                <a:ext cx="9601200" cy="4231211"/>
+              </a:xfrm>
+              <a:blipFill>
+                <a:blip r:embed="rId2"/>
+                <a:stretch>
+                  <a:fillRect l="-571" t="-1153" r="-317"/>
+                </a:stretch>
+              </a:blipFill>
+            </p:spPr>
+            <p:txBody>
+              <a:bodyPr/>
+              <a:lstStyle/>
+              <a:p>
+                <a:r>
+                  <a:rPr lang="en-US">
+                    <a:noFill/>
+                  </a:rPr>
+                  <a:t> </a:t>
+                </a:r>
+              </a:p>
+            </p:txBody>
+          </p:sp>
+        </mc:Fallback>
+      </mc:AlternateContent>
+      <p:pic>
+        <p:nvPicPr>
+          <p:cNvPr id="4" name="Picture 3">
             <a:extLst>
               <a:ext uri="{FF2B5EF4-FFF2-40B4-BE49-F238E27FC236}">
-                <a16:creationId xmlns:a16="http://schemas.microsoft.com/office/drawing/2014/main" id="{0BABD4F5-C8EC-4B11-A3AB-016D2A57D9C8}"/>
-              </a:ext>
-            </a:extLst>
-          </p:cNvPr>
-          <p:cNvSpPr>
-            <a:spLocks noGrp="1"/>
-          </p:cNvSpPr>
-          <p:nvPr>
-            <p:ph idx="1"/>
-          </p:nvPr>
-        </p:nvSpPr>
-        <p:spPr/>
-        <p:txBody>
-          <a:bodyPr/>
-          <a:lstStyle/>
-          <a:p>
-            <a:r>
-              <a:rPr lang="en-US" dirty="0"/>
-              <a:t>The uncertainty about the parameter </a:t>
-            </a:r>
-            <a:r>
-              <a:rPr lang="el-GR" sz="2400" dirty="0"/>
-              <a:t>θ</a:t>
-            </a:r>
-            <a:r>
-              <a:rPr lang="en-US" sz="2400" dirty="0"/>
-              <a:t> </a:t>
-            </a:r>
-            <a:r>
-              <a:rPr lang="en-US" dirty="0"/>
-              <a:t>is expressed as a beta distribution</a:t>
-            </a:r>
-          </a:p>
-          <a:p>
-            <a:pPr marL="0" indent="0">
-              <a:buNone/>
-            </a:pPr>
-            <a:r>
-              <a:rPr lang="en-US" dirty="0"/>
-              <a:t>        </a:t>
-            </a:r>
-          </a:p>
-          <a:p>
-            <a:endParaRPr lang="en-US" dirty="0"/>
-          </a:p>
-          <a:p>
-            <a:r>
-              <a:rPr lang="en-US" dirty="0"/>
-              <a:t>“Insert pdf of Beta” ???</a:t>
-            </a:r>
-          </a:p>
-          <a:p>
-            <a:endParaRPr lang="en-US" dirty="0"/>
-          </a:p>
-          <a:p>
-            <a:r>
-              <a:rPr lang="en-US" dirty="0"/>
-              <a:t>What is alpha and Beta here ?</a:t>
-            </a:r>
-          </a:p>
-          <a:p>
-            <a:endParaRPr lang="en-US" dirty="0"/>
-          </a:p>
-          <a:p>
-            <a:r>
-              <a:rPr lang="en-US" dirty="0"/>
-              <a:t>Reason for choosing Beta</a:t>
-            </a:r>
-          </a:p>
-          <a:p>
-            <a:endParaRPr lang="en-US" dirty="0"/>
-          </a:p>
-          <a:p>
-            <a:endParaRPr lang="en-US" dirty="0"/>
-          </a:p>
-        </p:txBody>
-      </p:sp>
-      <p:pic>
-        <p:nvPicPr>
-          <p:cNvPr id="8" name="Picture 7">
-            <a:extLst>
-              <a:ext uri="{FF2B5EF4-FFF2-40B4-BE49-F238E27FC236}">
-                <a16:creationId xmlns:a16="http://schemas.microsoft.com/office/drawing/2014/main" id="{4C0E5193-A4F5-4ED0-88E7-F4E5BA125486}"/>
+                <a16:creationId xmlns:a16="http://schemas.microsoft.com/office/drawing/2014/main" id="{B393A74A-FA55-430C-AFD2-375F8ACCEA90}"/>
               </a:ext>
             </a:extLst>
           </p:cNvPr>
@@ -4656,21 +7031,45 @@
           <p:nvPr/>
         </p:nvPicPr>
         <p:blipFill>
-          <a:blip r:embed="rId2">
-            <a:extLst>
-              <a:ext uri="{28A0092B-C50C-407E-A947-70E740481C1C}">
-                <a14:useLocalDpi xmlns:a14="http://schemas.microsoft.com/office/drawing/2010/main" val="0"/>
-              </a:ext>
-            </a:extLst>
-          </a:blip>
+          <a:blip r:embed="rId3"/>
           <a:stretch>
             <a:fillRect/>
           </a:stretch>
         </p:blipFill>
         <p:spPr>
           <a:xfrm>
-            <a:off x="4330287" y="2979724"/>
-            <a:ext cx="2275366" cy="449276"/>
+            <a:off x="8934309" y="340789"/>
+            <a:ext cx="2636718" cy="1830912"/>
+          </a:xfrm>
+          <a:prstGeom prst="rect">
+            <a:avLst/>
+          </a:prstGeom>
+        </p:spPr>
+      </p:pic>
+      <p:pic>
+        <p:nvPicPr>
+          <p:cNvPr id="5" name="Picture 4">
+            <a:extLst>
+              <a:ext uri="{FF2B5EF4-FFF2-40B4-BE49-F238E27FC236}">
+                <a16:creationId xmlns:a16="http://schemas.microsoft.com/office/drawing/2014/main" id="{1B1CB0B0-51ED-49F5-8004-097D274BCF1C}"/>
+              </a:ext>
+            </a:extLst>
+          </p:cNvPr>
+          <p:cNvPicPr>
+            <a:picLocks noChangeAspect="1"/>
+          </p:cNvPicPr>
+          <p:nvPr/>
+        </p:nvPicPr>
+        <p:blipFill>
+          <a:blip r:embed="rId4"/>
+          <a:stretch>
+            <a:fillRect/>
+          </a:stretch>
+        </p:blipFill>
+        <p:spPr>
+          <a:xfrm>
+            <a:off x="7981286" y="340788"/>
+            <a:ext cx="3589741" cy="1830912"/>
           </a:xfrm>
           <a:prstGeom prst="rect">
             <a:avLst/>
@@ -4680,7 +7079,7 @@
     </p:spTree>
     <p:extLst>
       <p:ext uri="{BB962C8B-B14F-4D97-AF65-F5344CB8AC3E}">
-        <p14:creationId xmlns:p14="http://schemas.microsoft.com/office/powerpoint/2010/main" val="1991786231"/>
+        <p14:creationId xmlns:p14="http://schemas.microsoft.com/office/powerpoint/2010/main" val="3066196774"/>
       </p:ext>
     </p:extLst>
   </p:cSld>
@@ -4712,7 +7111,7 @@
           <p:cNvPr id="2" name="Title 1">
             <a:extLst>
               <a:ext uri="{FF2B5EF4-FFF2-40B4-BE49-F238E27FC236}">
-                <a16:creationId xmlns:a16="http://schemas.microsoft.com/office/drawing/2014/main" id="{D2BDE79B-8E85-492D-876B-6E06B0283CB9}"/>
+                <a16:creationId xmlns:a16="http://schemas.microsoft.com/office/drawing/2014/main" id="{30A1B89D-02BA-434B-9445-D34D5B2693B5}"/>
               </a:ext>
             </a:extLst>
           </p:cNvPr>
@@ -4730,7 +7129,7 @@
           <a:p>
             <a:r>
               <a:rPr lang="en-US" dirty="0"/>
-              <a:t>MAB problem strategies</a:t>
+              <a:t>Demo</a:t>
             </a:r>
           </a:p>
         </p:txBody>
@@ -4740,7 +7139,7 @@
           <p:cNvPr id="3" name="Content Placeholder 2">
             <a:extLst>
               <a:ext uri="{FF2B5EF4-FFF2-40B4-BE49-F238E27FC236}">
-                <a16:creationId xmlns:a16="http://schemas.microsoft.com/office/drawing/2014/main" id="{4AE623EB-D452-4AA5-B675-DB85E6D301F9}"/>
+                <a16:creationId xmlns:a16="http://schemas.microsoft.com/office/drawing/2014/main" id="{3A219B13-B378-4D5C-8E05-C2DE4A102A81}"/>
               </a:ext>
             </a:extLst>
           </p:cNvPr>
@@ -4751,68 +7150,71 @@
             <p:ph idx="1"/>
           </p:nvPr>
         </p:nvSpPr>
-        <p:spPr>
-          <a:xfrm>
-            <a:off x="1295400" y="1992590"/>
-            <a:ext cx="9601200" cy="3581400"/>
-          </a:xfrm>
-        </p:spPr>
+        <p:spPr/>
         <p:txBody>
           <a:bodyPr/>
           <a:lstStyle/>
-          <a:p>
-            <a:r>
-              <a:rPr lang="en-US" dirty="0"/>
-              <a:t>No exploration : A naïve approach, often yields sub-optimal results</a:t>
-            </a:r>
-          </a:p>
-          <a:p>
-            <a:r>
-              <a:rPr lang="en-US" dirty="0"/>
-              <a:t>Exploration at random</a:t>
-            </a:r>
-          </a:p>
-          <a:p>
-            <a:r>
-              <a:rPr lang="en-US" dirty="0"/>
-              <a:t>Algorithmic exploration - </a:t>
-            </a:r>
-            <a:r>
-              <a:rPr lang="el-GR" dirty="0"/>
-              <a:t>ϵ</a:t>
-            </a:r>
-            <a:r>
-              <a:rPr lang="en-US" dirty="0"/>
-              <a:t> -Greedy Selection, UCB arm selection, Thompson sampling </a:t>
-            </a:r>
-          </a:p>
-          <a:p>
-            <a:endParaRPr lang="en-US" dirty="0"/>
-          </a:p>
-          <a:p>
-            <a:endParaRPr lang="en-US" dirty="0"/>
-          </a:p>
-          <a:p>
-            <a:endParaRPr lang="en-US" dirty="0"/>
-          </a:p>
           <a:p>
             <a:pPr marL="0" indent="0">
               <a:buNone/>
             </a:pPr>
-            <a:endParaRPr lang="en-US" dirty="0"/>
-          </a:p>
-          <a:p>
-            <a:endParaRPr lang="en-US" dirty="0"/>
-          </a:p>
-          <a:p>
-            <a:endParaRPr lang="en-US" dirty="0"/>
-          </a:p>
-        </p:txBody>
-      </p:sp>
+            <a:r>
+              <a:rPr lang="en-US" dirty="0"/>
+              <a:t>Open the associated </a:t>
+            </a:r>
+            <a:r>
+              <a:rPr lang="en-US" dirty="0" err="1">
+                <a:hlinkClick r:id="rId2" action="ppaction://hlinkfile"/>
+              </a:rPr>
+              <a:t>IPython</a:t>
+            </a:r>
+            <a:r>
+              <a:rPr lang="en-US" dirty="0">
+                <a:hlinkClick r:id="rId2" action="ppaction://hlinkfile"/>
+              </a:rPr>
+              <a:t> notebook</a:t>
+            </a:r>
+            <a:r>
+              <a:rPr lang="en-US" dirty="0"/>
+              <a:t> for an interactive demonstration of Thompson Sampling</a:t>
+            </a:r>
+          </a:p>
+        </p:txBody>
+      </p:sp>
+      <p:pic>
+        <p:nvPicPr>
+          <p:cNvPr id="6" name="Picture 5">
+            <a:extLst>
+              <a:ext uri="{FF2B5EF4-FFF2-40B4-BE49-F238E27FC236}">
+                <a16:creationId xmlns:a16="http://schemas.microsoft.com/office/drawing/2014/main" id="{235B8D35-DF84-4874-AD81-A993F86115BF}"/>
+              </a:ext>
+            </a:extLst>
+          </p:cNvPr>
+          <p:cNvPicPr>
+            <a:picLocks noChangeAspect="1"/>
+          </p:cNvPicPr>
+          <p:nvPr/>
+        </p:nvPicPr>
+        <p:blipFill>
+          <a:blip r:embed="rId3"/>
+          <a:stretch>
+            <a:fillRect/>
+          </a:stretch>
+        </p:blipFill>
+        <p:spPr>
+          <a:xfrm>
+            <a:off x="4562250" y="3171406"/>
+            <a:ext cx="3219899" cy="3000794"/>
+          </a:xfrm>
+          <a:prstGeom prst="rect">
+            <a:avLst/>
+          </a:prstGeom>
+        </p:spPr>
+      </p:pic>
     </p:spTree>
     <p:extLst>
       <p:ext uri="{BB962C8B-B14F-4D97-AF65-F5344CB8AC3E}">
-        <p14:creationId xmlns:p14="http://schemas.microsoft.com/office/powerpoint/2010/main" val="3016005494"/>
+        <p14:creationId xmlns:p14="http://schemas.microsoft.com/office/powerpoint/2010/main" val="3869935570"/>
       </p:ext>
     </p:extLst>
   </p:cSld>
@@ -4844,7 +7246,7 @@
           <p:cNvPr id="2" name="Title 1">
             <a:extLst>
               <a:ext uri="{FF2B5EF4-FFF2-40B4-BE49-F238E27FC236}">
-                <a16:creationId xmlns:a16="http://schemas.microsoft.com/office/drawing/2014/main" id="{055CC9FC-5473-4783-ACDA-0DC7BD94ED5C}"/>
+                <a16:creationId xmlns:a16="http://schemas.microsoft.com/office/drawing/2014/main" id="{89AE1C07-69B2-4FA9-99EA-9E01FEFAB5AD}"/>
               </a:ext>
             </a:extLst>
           </p:cNvPr>
@@ -4862,46 +7264,263 @@
           <a:p>
             <a:r>
               <a:rPr lang="en-US" dirty="0"/>
-              <a:t>Sampling Algorithm</a:t>
-            </a:r>
-          </a:p>
-        </p:txBody>
-      </p:sp>
-      <p:sp>
-        <p:nvSpPr>
-          <p:cNvPr id="3" name="Content Placeholder 2">
+              <a:t>Performance Guarantees</a:t>
+            </a:r>
+          </a:p>
+        </p:txBody>
+      </p:sp>
+      <mc:AlternateContent xmlns:mc="http://schemas.openxmlformats.org/markup-compatibility/2006" xmlns:a14="http://schemas.microsoft.com/office/drawing/2010/main">
+        <mc:Choice Requires="a14">
+          <p:sp>
+            <p:nvSpPr>
+              <p:cNvPr id="3" name="Content Placeholder 2">
+                <a:extLst>
+                  <a:ext uri="{FF2B5EF4-FFF2-40B4-BE49-F238E27FC236}">
+                    <a16:creationId xmlns:a16="http://schemas.microsoft.com/office/drawing/2014/main" id="{CDB7F3BD-10A3-4B92-9A3D-716CDF32F309}"/>
+                  </a:ext>
+                </a:extLst>
+              </p:cNvPr>
+              <p:cNvSpPr>
+                <a:spLocks noGrp="1"/>
+              </p:cNvSpPr>
+              <p:nvPr>
+                <p:ph idx="1"/>
+              </p:nvPr>
+            </p:nvSpPr>
+            <p:spPr>
+              <a:xfrm>
+                <a:off x="1371600" y="2285999"/>
+                <a:ext cx="9601200" cy="3719015"/>
+              </a:xfrm>
+            </p:spPr>
+            <p:txBody>
+              <a:bodyPr>
+                <a:normAutofit/>
+              </a:bodyPr>
+              <a:lstStyle/>
+              <a:p>
+                <a:r>
+                  <a:rPr lang="en-US" dirty="0"/>
+                  <a:t>Asymptotic estimation to true expected values</a:t>
+                </a:r>
+              </a:p>
+              <a:p>
+                <a:pPr lvl="1"/>
+                <a:r>
+                  <a:rPr lang="en-US" dirty="0"/>
+                  <a:t>Samples each arm infinitely often</a:t>
+                </a:r>
+              </a:p>
+              <a:p>
+                <a:pPr lvl="1"/>
+                <a:r>
+                  <a:rPr lang="en-US" dirty="0"/>
+                  <a:t>Sample mean, unbiased estimator</a:t>
+                </a:r>
+              </a:p>
+              <a:p>
+                <a:r>
+                  <a:rPr lang="en-US" dirty="0"/>
+                  <a:t>Asymptotic convergence to optimal policy</a:t>
+                </a:r>
+              </a:p>
+              <a:p>
+                <a:pPr lvl="1"/>
+                <a:r>
+                  <a:rPr lang="en-US" dirty="0"/>
+                  <a:t>Proportion of non-optimal actions goes to zero</a:t>
+                </a:r>
+              </a:p>
+              <a:p>
+                <a:r>
+                  <a:rPr lang="en-US" dirty="0"/>
+                  <a:t>Achieves logarithmic regret [2]</a:t>
+                </a:r>
+              </a:p>
+              <a:p>
+                <a:pPr lvl="1"/>
+                <a:r>
+                  <a:rPr lang="en-US" dirty="0"/>
+                  <a:t>Non-optimal arms must be pulled at least </a:t>
+                </a:r>
+                <a14:m>
+                  <m:oMath xmlns:m="http://schemas.openxmlformats.org/officeDocument/2006/math">
+                    <m:r>
+                      <a:rPr lang="en-US" i="1" dirty="0" smtClean="0">
+                        <a:latin typeface="Cambria Math" panose="02040503050406030204" pitchFamily="18" charset="0"/>
+                      </a:rPr>
+                      <m:t>𝑂</m:t>
+                    </m:r>
+                    <m:r>
+                      <a:rPr lang="en-US" i="1" dirty="0" smtClean="0">
+                        <a:latin typeface="Cambria Math" panose="02040503050406030204" pitchFamily="18" charset="0"/>
+                      </a:rPr>
+                      <m:t>(</m:t>
+                    </m:r>
+                    <m:r>
+                      <m:rPr>
+                        <m:sty m:val="p"/>
+                      </m:rPr>
+                      <a:rPr lang="en-US" i="1" dirty="0" smtClean="0">
+                        <a:latin typeface="Cambria Math" panose="02040503050406030204" pitchFamily="18" charset="0"/>
+                      </a:rPr>
+                      <m:t>log</m:t>
+                    </m:r>
+                    <m:r>
+                      <a:rPr lang="en-US" i="1" dirty="0" smtClean="0">
+                        <a:latin typeface="Cambria Math" panose="02040503050406030204" pitchFamily="18" charset="0"/>
+                      </a:rPr>
+                      <m:t>⁡(</m:t>
+                    </m:r>
+                    <m:r>
+                      <a:rPr lang="en-US" i="1" dirty="0" smtClean="0">
+                        <a:latin typeface="Cambria Math" panose="02040503050406030204" pitchFamily="18" charset="0"/>
+                      </a:rPr>
+                      <m:t>𝑟𝑜𝑢𝑛𝑑𝑠</m:t>
+                    </m:r>
+                    <m:r>
+                      <a:rPr lang="en-US" i="1" dirty="0" smtClean="0">
+                        <a:latin typeface="Cambria Math" panose="02040503050406030204" pitchFamily="18" charset="0"/>
+                      </a:rPr>
+                      <m:t>))</m:t>
+                    </m:r>
+                  </m:oMath>
+                </a14:m>
+                <a:r>
+                  <a:rPr lang="en-US" dirty="0"/>
+                  <a:t> times [3]</a:t>
+                </a:r>
+              </a:p>
+              <a:p>
+                <a:pPr lvl="1"/>
+                <a:r>
+                  <a:rPr lang="en-US" dirty="0"/>
+                  <a:t>Intuitively, fastest convergence to optimal policy without foreknowledge</a:t>
+                </a:r>
+              </a:p>
+              <a:p>
+                <a:r>
+                  <a:rPr lang="en-US" dirty="0"/>
+                  <a:t>Note: guarantees not proven for all variants of banditry</a:t>
+                </a:r>
+              </a:p>
+            </p:txBody>
+          </p:sp>
+        </mc:Choice>
+        <mc:Fallback xmlns="">
+          <p:sp>
+            <p:nvSpPr>
+              <p:cNvPr id="3" name="Content Placeholder 2">
+                <a:extLst>
+                  <a:ext uri="{FF2B5EF4-FFF2-40B4-BE49-F238E27FC236}">
+                    <a16:creationId xmlns:a16="http://schemas.microsoft.com/office/drawing/2014/main" id="{CDB7F3BD-10A3-4B92-9A3D-716CDF32F309}"/>
+                  </a:ext>
+                </a:extLst>
+              </p:cNvPr>
+              <p:cNvSpPr>
+                <a:spLocks noGrp="1" noRot="1" noChangeAspect="1" noMove="1" noResize="1" noEditPoints="1" noAdjustHandles="1" noChangeArrowheads="1" noChangeShapeType="1" noTextEdit="1"/>
+              </p:cNvSpPr>
+              <p:nvPr>
+                <p:ph idx="1"/>
+              </p:nvPr>
+            </p:nvSpPr>
+            <p:spPr>
+              <a:xfrm>
+                <a:off x="1371600" y="2285999"/>
+                <a:ext cx="9601200" cy="3719015"/>
+              </a:xfrm>
+              <a:blipFill>
+                <a:blip r:embed="rId2"/>
+                <a:stretch>
+                  <a:fillRect l="-571" t="-1311"/>
+                </a:stretch>
+              </a:blipFill>
+            </p:spPr>
+            <p:txBody>
+              <a:bodyPr/>
+              <a:lstStyle/>
+              <a:p>
+                <a:r>
+                  <a:rPr lang="en-US">
+                    <a:noFill/>
+                  </a:rPr>
+                  <a:t> </a:t>
+                </a:r>
+              </a:p>
+            </p:txBody>
+          </p:sp>
+        </mc:Fallback>
+      </mc:AlternateContent>
+      <p:pic>
+        <p:nvPicPr>
+          <p:cNvPr id="5" name="Picture 4">
             <a:extLst>
               <a:ext uri="{FF2B5EF4-FFF2-40B4-BE49-F238E27FC236}">
-                <a16:creationId xmlns:a16="http://schemas.microsoft.com/office/drawing/2014/main" id="{A4218AC6-0F18-4B2C-9BF3-7D95572A5499}"/>
+                <a16:creationId xmlns:a16="http://schemas.microsoft.com/office/drawing/2014/main" id="{4E7D46DE-8B2E-4F61-AAD5-9259E5E8292F}"/>
               </a:ext>
             </a:extLst>
           </p:cNvPr>
-          <p:cNvSpPr>
-            <a:spLocks noGrp="1"/>
-          </p:cNvSpPr>
-          <p:nvPr>
-            <p:ph idx="1"/>
-          </p:nvPr>
-        </p:nvSpPr>
-        <p:spPr/>
-        <p:txBody>
-          <a:bodyPr/>
-          <a:lstStyle/>
-          <a:p>
-            <a:r>
-              <a:rPr lang="en-US" dirty="0"/>
-              <a:t>[reference 1930’s paper]</a:t>
-            </a:r>
-          </a:p>
-          <a:p>
-            <a:endParaRPr lang="en-US" dirty="0"/>
-          </a:p>
-        </p:txBody>
-      </p:sp>
+          <p:cNvPicPr>
+            <a:picLocks noChangeAspect="1"/>
+          </p:cNvPicPr>
+          <p:nvPr/>
+        </p:nvPicPr>
+        <p:blipFill>
+          <a:blip r:embed="rId3"/>
+          <a:stretch>
+            <a:fillRect/>
+          </a:stretch>
+        </p:blipFill>
+        <p:spPr>
+          <a:xfrm>
+            <a:off x="8353053" y="492366"/>
+            <a:ext cx="2619747" cy="1793633"/>
+          </a:xfrm>
+          <a:prstGeom prst="rect">
+            <a:avLst/>
+          </a:prstGeom>
+        </p:spPr>
+      </p:pic>
+      <p:pic>
+        <p:nvPicPr>
+          <p:cNvPr id="7" name="Picture 6">
+            <a:extLst>
+              <a:ext uri="{FF2B5EF4-FFF2-40B4-BE49-F238E27FC236}">
+                <a16:creationId xmlns:a16="http://schemas.microsoft.com/office/drawing/2014/main" id="{99686F37-1995-4133-A9C0-00358C9AD4B9}"/>
+              </a:ext>
+            </a:extLst>
+          </p:cNvPr>
+          <p:cNvPicPr>
+            <a:picLocks noChangeAspect="1"/>
+          </p:cNvPicPr>
+          <p:nvPr/>
+        </p:nvPicPr>
+        <p:blipFill>
+          <a:blip r:embed="rId4">
+            <a:extLst>
+              <a:ext uri="{28A0092B-C50C-407E-A947-70E740481C1C}">
+                <a14:useLocalDpi xmlns:a14="http://schemas.microsoft.com/office/drawing/2010/main" val="0"/>
+              </a:ext>
+            </a:extLst>
+          </a:blip>
+          <a:stretch>
+            <a:fillRect/>
+          </a:stretch>
+        </p:blipFill>
+        <p:spPr>
+          <a:xfrm>
+            <a:off x="7829397" y="397491"/>
+            <a:ext cx="3667058" cy="3548418"/>
+          </a:xfrm>
+          <a:prstGeom prst="rect">
+            <a:avLst/>
+          </a:prstGeom>
+        </p:spPr>
+      </p:pic>
     </p:spTree>
     <p:extLst>
       <p:ext uri="{BB962C8B-B14F-4D97-AF65-F5344CB8AC3E}">
-        <p14:creationId xmlns:p14="http://schemas.microsoft.com/office/powerpoint/2010/main" val="3066196774"/>
+        <p14:creationId xmlns:p14="http://schemas.microsoft.com/office/powerpoint/2010/main" val="2324874527"/>
       </p:ext>
     </p:extLst>
   </p:cSld>
@@ -4933,7 +7552,7 @@
           <p:cNvPr id="2" name="Title 1">
             <a:extLst>
               <a:ext uri="{FF2B5EF4-FFF2-40B4-BE49-F238E27FC236}">
-                <a16:creationId xmlns:a16="http://schemas.microsoft.com/office/drawing/2014/main" id="{30A1B89D-02BA-434B-9445-D34D5B2693B5}"/>
+                <a16:creationId xmlns:a16="http://schemas.microsoft.com/office/drawing/2014/main" id="{800B4DFD-CBAD-4B65-AFA5-A6F9EDB4E789}"/>
               </a:ext>
             </a:extLst>
           </p:cNvPr>
@@ -4951,40 +7570,255 @@
           <a:p>
             <a:r>
               <a:rPr lang="en-US" dirty="0"/>
-              <a:t>Demo</a:t>
-            </a:r>
-          </a:p>
-        </p:txBody>
-      </p:sp>
-      <p:sp>
-        <p:nvSpPr>
-          <p:cNvPr id="3" name="Content Placeholder 2">
+              <a:t>Variants</a:t>
+            </a:r>
+          </a:p>
+        </p:txBody>
+      </p:sp>
+      <mc:AlternateContent xmlns:mc="http://schemas.openxmlformats.org/markup-compatibility/2006" xmlns:a14="http://schemas.microsoft.com/office/drawing/2010/main">
+        <mc:Choice Requires="a14">
+          <p:sp>
+            <p:nvSpPr>
+              <p:cNvPr id="3" name="Content Placeholder 2">
+                <a:extLst>
+                  <a:ext uri="{FF2B5EF4-FFF2-40B4-BE49-F238E27FC236}">
+                    <a16:creationId xmlns:a16="http://schemas.microsoft.com/office/drawing/2014/main" id="{7EBAF0C9-F3DF-4DF9-A8FC-52990DD4C40C}"/>
+                  </a:ext>
+                </a:extLst>
+              </p:cNvPr>
+              <p:cNvSpPr>
+                <a:spLocks noGrp="1"/>
+              </p:cNvSpPr>
+              <p:nvPr>
+                <p:ph idx="1"/>
+              </p:nvPr>
+            </p:nvSpPr>
+            <p:spPr>
+              <a:xfrm>
+                <a:off x="1371600" y="2286000"/>
+                <a:ext cx="9601200" cy="4101152"/>
+              </a:xfrm>
+            </p:spPr>
+            <p:txBody>
+              <a:bodyPr>
+                <a:normAutofit lnSpcReduction="10000"/>
+              </a:bodyPr>
+              <a:lstStyle/>
+              <a:p>
+                <a:r>
+                  <a:rPr lang="en-US" dirty="0"/>
+                  <a:t>Keeping Counts</a:t>
+                </a:r>
+              </a:p>
+              <a:p>
+                <a:pPr lvl="1"/>
+                <a:r>
+                  <a:rPr lang="en-US" dirty="0"/>
+                  <a:t>Number of samples &amp; Mean </a:t>
+                </a:r>
+              </a:p>
+              <a:p>
+                <a:pPr lvl="1"/>
+                <a:r>
+                  <a:rPr lang="en-US" dirty="0"/>
+                  <a:t>Number of samples &amp; Successes</a:t>
+                </a:r>
+              </a:p>
+              <a:p>
+                <a:r>
+                  <a:rPr lang="en-US" dirty="0"/>
+                  <a:t>Choice of </a:t>
+                </a:r>
+                <a14:m>
+                  <m:oMath xmlns:m="http://schemas.openxmlformats.org/officeDocument/2006/math">
+                    <m:sSub>
+                      <m:sSubPr>
+                        <m:ctrlPr>
+                          <a:rPr lang="en-US" b="0" i="1" smtClean="0">
+                            <a:latin typeface="Cambria Math" panose="02040503050406030204" pitchFamily="18" charset="0"/>
+                          </a:rPr>
+                        </m:ctrlPr>
+                      </m:sSubPr>
+                      <m:e>
+                        <m:r>
+                          <a:rPr lang="en-US" b="0" i="1" smtClean="0">
+                            <a:latin typeface="Cambria Math" panose="02040503050406030204" pitchFamily="18" charset="0"/>
+                          </a:rPr>
+                          <m:t>𝛼</m:t>
+                        </m:r>
+                      </m:e>
+                      <m:sub>
+                        <m:r>
+                          <a:rPr lang="en-US" b="0" i="1" smtClean="0">
+                            <a:latin typeface="Cambria Math" panose="02040503050406030204" pitchFamily="18" charset="0"/>
+                          </a:rPr>
+                          <m:t>0</m:t>
+                        </m:r>
+                      </m:sub>
+                    </m:sSub>
+                    <m:r>
+                      <a:rPr lang="en-US" b="0" i="1" smtClean="0">
+                        <a:latin typeface="Cambria Math" panose="02040503050406030204" pitchFamily="18" charset="0"/>
+                      </a:rPr>
+                      <m:t>,</m:t>
+                    </m:r>
+                    <m:sSub>
+                      <m:sSubPr>
+                        <m:ctrlPr>
+                          <a:rPr lang="en-US" b="0" i="1" smtClean="0">
+                            <a:latin typeface="Cambria Math" panose="02040503050406030204" pitchFamily="18" charset="0"/>
+                          </a:rPr>
+                        </m:ctrlPr>
+                      </m:sSubPr>
+                      <m:e>
+                        <m:r>
+                          <a:rPr lang="en-US" b="0" i="1" smtClean="0">
+                            <a:latin typeface="Cambria Math" panose="02040503050406030204" pitchFamily="18" charset="0"/>
+                          </a:rPr>
+                          <m:t>𝛽</m:t>
+                        </m:r>
+                      </m:e>
+                      <m:sub>
+                        <m:r>
+                          <a:rPr lang="en-US" b="0" i="1" smtClean="0">
+                            <a:latin typeface="Cambria Math" panose="02040503050406030204" pitchFamily="18" charset="0"/>
+                          </a:rPr>
+                          <m:t>0</m:t>
+                        </m:r>
+                      </m:sub>
+                    </m:sSub>
+                  </m:oMath>
+                </a14:m>
+                <a:endParaRPr lang="en-US" dirty="0"/>
+              </a:p>
+              <a:p>
+                <a:pPr lvl="1"/>
+                <a:r>
+                  <a:rPr lang="en-US" dirty="0"/>
+                  <a:t>Bayes (1,1), Uniform Distribution, safe bet</a:t>
+                </a:r>
+              </a:p>
+              <a:p>
+                <a:pPr lvl="1"/>
+                <a:r>
+                  <a:rPr lang="en-US" dirty="0"/>
+                  <a:t>Haldane (0,0), All probability at edges, first-sample failure kills arm</a:t>
+                </a:r>
+              </a:p>
+              <a:p>
+                <a:pPr lvl="1"/>
+                <a:r>
+                  <a:rPr lang="en-US" dirty="0"/>
+                  <a:t>Jeffrey (0.5, 0.5), Non-informative, risky for some bandits [4]</a:t>
+                </a:r>
+              </a:p>
+              <a:p>
+                <a:r>
+                  <a:rPr lang="en-US" dirty="0"/>
+                  <a:t>Choice of Prior Distribution for other Problems</a:t>
+                </a:r>
+              </a:p>
+              <a:p>
+                <a:pPr lvl="1"/>
+                <a:r>
+                  <a:rPr lang="en-US" dirty="0"/>
+                  <a:t>Dirichlet for multi-outcome bandits</a:t>
+                </a:r>
+              </a:p>
+              <a:p>
+                <a:pPr lvl="1"/>
+                <a:r>
+                  <a:rPr lang="en-US" dirty="0"/>
+                  <a:t>Gaussian for unbounded Real-Valued bandits</a:t>
+                </a:r>
+              </a:p>
+              <a:p>
+                <a:r>
+                  <a:rPr lang="en-US" dirty="0"/>
+                  <a:t>Non-stationary and Contextual Bandits, General RL Formulations</a:t>
+                </a:r>
+              </a:p>
+            </p:txBody>
+          </p:sp>
+        </mc:Choice>
+        <mc:Fallback xmlns="">
+          <p:sp>
+            <p:nvSpPr>
+              <p:cNvPr id="3" name="Content Placeholder 2">
+                <a:extLst>
+                  <a:ext uri="{FF2B5EF4-FFF2-40B4-BE49-F238E27FC236}">
+                    <a16:creationId xmlns:a16="http://schemas.microsoft.com/office/drawing/2014/main" id="{7EBAF0C9-F3DF-4DF9-A8FC-52990DD4C40C}"/>
+                  </a:ext>
+                </a:extLst>
+              </p:cNvPr>
+              <p:cNvSpPr>
+                <a:spLocks noGrp="1" noRot="1" noChangeAspect="1" noMove="1" noResize="1" noEditPoints="1" noAdjustHandles="1" noChangeArrowheads="1" noChangeShapeType="1" noTextEdit="1"/>
+              </p:cNvSpPr>
+              <p:nvPr>
+                <p:ph idx="1"/>
+              </p:nvPr>
+            </p:nvSpPr>
+            <p:spPr>
+              <a:xfrm>
+                <a:off x="1371600" y="2286000"/>
+                <a:ext cx="9601200" cy="4101152"/>
+              </a:xfrm>
+              <a:blipFill>
+                <a:blip r:embed="rId2"/>
+                <a:stretch>
+                  <a:fillRect l="-571" t="-1932"/>
+                </a:stretch>
+              </a:blipFill>
+            </p:spPr>
+            <p:txBody>
+              <a:bodyPr/>
+              <a:lstStyle/>
+              <a:p>
+                <a:r>
+                  <a:rPr lang="en-US">
+                    <a:noFill/>
+                  </a:rPr>
+                  <a:t> </a:t>
+                </a:r>
+              </a:p>
+            </p:txBody>
+          </p:sp>
+        </mc:Fallback>
+      </mc:AlternateContent>
+      <p:pic>
+        <p:nvPicPr>
+          <p:cNvPr id="6" name="Picture 5">
             <a:extLst>
               <a:ext uri="{FF2B5EF4-FFF2-40B4-BE49-F238E27FC236}">
-                <a16:creationId xmlns:a16="http://schemas.microsoft.com/office/drawing/2014/main" id="{3A219B13-B378-4D5C-8E05-C2DE4A102A81}"/>
+                <a16:creationId xmlns:a16="http://schemas.microsoft.com/office/drawing/2014/main" id="{4FCCB95F-DB3E-4AD4-8B03-F5D53DF153E4}"/>
               </a:ext>
             </a:extLst>
           </p:cNvPr>
-          <p:cNvSpPr>
-            <a:spLocks noGrp="1"/>
-          </p:cNvSpPr>
-          <p:nvPr>
-            <p:ph idx="1"/>
-          </p:nvPr>
-        </p:nvSpPr>
-        <p:spPr/>
-        <p:txBody>
-          <a:bodyPr/>
-          <a:lstStyle/>
-          <a:p>
-            <a:endParaRPr lang="en-US"/>
-          </a:p>
-        </p:txBody>
-      </p:sp>
+          <p:cNvPicPr>
+            <a:picLocks noChangeAspect="1"/>
+          </p:cNvPicPr>
+          <p:nvPr/>
+        </p:nvPicPr>
+        <p:blipFill>
+          <a:blip r:embed="rId3"/>
+          <a:stretch>
+            <a:fillRect/>
+          </a:stretch>
+        </p:blipFill>
+        <p:spPr>
+          <a:xfrm>
+            <a:off x="7078727" y="287292"/>
+            <a:ext cx="4858428" cy="3362794"/>
+          </a:xfrm>
+          <a:prstGeom prst="rect">
+            <a:avLst/>
+          </a:prstGeom>
+        </p:spPr>
+      </p:pic>
     </p:spTree>
     <p:extLst>
       <p:ext uri="{BB962C8B-B14F-4D97-AF65-F5344CB8AC3E}">
-        <p14:creationId xmlns:p14="http://schemas.microsoft.com/office/powerpoint/2010/main" val="3869935570"/>
+        <p14:creationId xmlns:p14="http://schemas.microsoft.com/office/powerpoint/2010/main" val="1493336798"/>
       </p:ext>
     </p:extLst>
   </p:cSld>
@@ -5016,7 +7850,7 @@
           <p:cNvPr id="2" name="Title 1">
             <a:extLst>
               <a:ext uri="{FF2B5EF4-FFF2-40B4-BE49-F238E27FC236}">
-                <a16:creationId xmlns:a16="http://schemas.microsoft.com/office/drawing/2014/main" id="{89AE1C07-69B2-4FA9-99EA-9E01FEFAB5AD}"/>
+                <a16:creationId xmlns:a16="http://schemas.microsoft.com/office/drawing/2014/main" id="{EC2B3A39-02D0-4503-B45A-64030A9C7667}"/>
               </a:ext>
             </a:extLst>
           </p:cNvPr>
@@ -5034,7 +7868,7 @@
           <a:p>
             <a:r>
               <a:rPr lang="en-US" dirty="0"/>
-              <a:t>Performance Guarantees</a:t>
+              <a:t>Summary</a:t>
             </a:r>
           </a:p>
         </p:txBody>
@@ -5044,7 +7878,7 @@
           <p:cNvPr id="3" name="Content Placeholder 2">
             <a:extLst>
               <a:ext uri="{FF2B5EF4-FFF2-40B4-BE49-F238E27FC236}">
-                <a16:creationId xmlns:a16="http://schemas.microsoft.com/office/drawing/2014/main" id="{CDB7F3BD-10A3-4B92-9A3D-716CDF32F309}"/>
+                <a16:creationId xmlns:a16="http://schemas.microsoft.com/office/drawing/2014/main" id="{155AA073-2927-4DE8-832B-F6CEF2E3BA04}"/>
               </a:ext>
             </a:extLst>
           </p:cNvPr>
@@ -5057,23 +7891,64 @@
         </p:nvSpPr>
         <p:spPr/>
         <p:txBody>
-          <a:bodyPr/>
+          <a:bodyPr>
+            <a:normAutofit/>
+          </a:bodyPr>
           <a:lstStyle/>
           <a:p>
             <a:r>
               <a:rPr lang="en-US" dirty="0"/>
-              <a:t>[reference log(n) regret proof papers, convergence to true expected values and optimal policy]</a:t>
-            </a:r>
-          </a:p>
-          <a:p>
-            <a:endParaRPr lang="en-US" dirty="0"/>
+              <a:t>Multi-Arm Bandits</a:t>
+            </a:r>
+          </a:p>
+          <a:p>
+            <a:r>
+              <a:rPr lang="en-US" dirty="0"/>
+              <a:t>Exploration, Exploitation, and Regret</a:t>
+            </a:r>
+          </a:p>
+          <a:p>
+            <a:r>
+              <a:rPr lang="en-US" dirty="0"/>
+              <a:t>Bernoulli Distribution</a:t>
+            </a:r>
+          </a:p>
+          <a:p>
+            <a:r>
+              <a:rPr lang="en-US" dirty="0"/>
+              <a:t>The Beta Distribution and Modeling Uncertainty</a:t>
+            </a:r>
+          </a:p>
+          <a:p>
+            <a:r>
+              <a:rPr lang="en-US" dirty="0"/>
+              <a:t>Sampling Algorithm </a:t>
+            </a:r>
+          </a:p>
+          <a:p>
+            <a:r>
+              <a:rPr lang="en-US" dirty="0"/>
+              <a:t>Demo</a:t>
+            </a:r>
+          </a:p>
+          <a:p>
+            <a:r>
+              <a:rPr lang="en-US" dirty="0"/>
+              <a:t>Performance Guarantees </a:t>
+            </a:r>
+          </a:p>
+          <a:p>
+            <a:r>
+              <a:rPr lang="en-US" dirty="0"/>
+              <a:t>Variants</a:t>
+            </a:r>
           </a:p>
         </p:txBody>
       </p:sp>
     </p:spTree>
     <p:extLst>
       <p:ext uri="{BB962C8B-B14F-4D97-AF65-F5344CB8AC3E}">
-        <p14:creationId xmlns:p14="http://schemas.microsoft.com/office/powerpoint/2010/main" val="2324874527"/>
+        <p14:creationId xmlns:p14="http://schemas.microsoft.com/office/powerpoint/2010/main" val="4145310162"/>
       </p:ext>
     </p:extLst>
   </p:cSld>
@@ -5105,7 +7980,7 @@
           <p:cNvPr id="2" name="Title 1">
             <a:extLst>
               <a:ext uri="{FF2B5EF4-FFF2-40B4-BE49-F238E27FC236}">
-                <a16:creationId xmlns:a16="http://schemas.microsoft.com/office/drawing/2014/main" id="{800B4DFD-CBAD-4B65-AFA5-A6F9EDB4E789}"/>
+                <a16:creationId xmlns:a16="http://schemas.microsoft.com/office/drawing/2014/main" id="{EAAD7DC5-48EF-4CE5-8BF4-A8E169E1F4B4}"/>
               </a:ext>
             </a:extLst>
           </p:cNvPr>
@@ -5123,7 +7998,7 @@
           <a:p>
             <a:r>
               <a:rPr lang="en-US" dirty="0"/>
-              <a:t>Variants</a:t>
+              <a:t>References</a:t>
             </a:r>
           </a:p>
         </p:txBody>
@@ -5133,7 +8008,7 @@
           <p:cNvPr id="3" name="Content Placeholder 2">
             <a:extLst>
               <a:ext uri="{FF2B5EF4-FFF2-40B4-BE49-F238E27FC236}">
-                <a16:creationId xmlns:a16="http://schemas.microsoft.com/office/drawing/2014/main" id="{7EBAF0C9-F3DF-4DF9-A8FC-52990DD4C40C}"/>
+                <a16:creationId xmlns:a16="http://schemas.microsoft.com/office/drawing/2014/main" id="{7788E499-76E4-43FB-A608-CCB86248A765}"/>
               </a:ext>
             </a:extLst>
           </p:cNvPr>
@@ -5146,12 +8021,124 @@
         </p:nvSpPr>
         <p:spPr/>
         <p:txBody>
-          <a:bodyPr/>
+          <a:bodyPr>
+            <a:normAutofit lnSpcReduction="10000"/>
+          </a:bodyPr>
           <a:lstStyle/>
           <a:p>
+            <a:pPr marL="395288" indent="-395288">
+              <a:buNone/>
+            </a:pPr>
             <a:r>
               <a:rPr lang="en-US" dirty="0"/>
-              <a:t>[Beta Distribution formulations, choice of priors, Dirichlet for multi-outcome]</a:t>
+              <a:t>[1] Thompson, William R. "On the likelihood that one unknown probability exceeds another in view of the evidence of two samples". </a:t>
+            </a:r>
+            <a:r>
+              <a:rPr lang="en-US" i="1" dirty="0" err="1"/>
+              <a:t>Biometrika</a:t>
+            </a:r>
+            <a:r>
+              <a:rPr lang="en-US" dirty="0"/>
+              <a:t>, 25(3–4):285–294, 1933.</a:t>
+            </a:r>
+          </a:p>
+          <a:p>
+            <a:pPr marL="395288" indent="-395288">
+              <a:buNone/>
+            </a:pPr>
+            <a:r>
+              <a:rPr lang="en-US" dirty="0"/>
+              <a:t>[2] Kaufmann, E., </a:t>
+            </a:r>
+            <a:r>
+              <a:rPr lang="en-US" dirty="0" err="1"/>
+              <a:t>Korda</a:t>
+            </a:r>
+            <a:r>
+              <a:rPr lang="en-US" dirty="0"/>
+              <a:t>, N., &amp; </a:t>
+            </a:r>
+            <a:r>
+              <a:rPr lang="en-US" dirty="0" err="1"/>
+              <a:t>Munos</a:t>
+            </a:r>
+            <a:r>
+              <a:rPr lang="en-US" dirty="0"/>
+              <a:t>, R. “Thompson Sampling: an Asymptotically Optimal Finite-Time Analysis”. </a:t>
+            </a:r>
+            <a:r>
+              <a:rPr lang="en-US" i="1" dirty="0"/>
+              <a:t>Proceedings of the 23</a:t>
+            </a:r>
+            <a:r>
+              <a:rPr lang="en-US" i="1" baseline="30000" dirty="0"/>
+              <a:t>rd</a:t>
+            </a:r>
+            <a:r>
+              <a:rPr lang="en-US" i="1" dirty="0"/>
+              <a:t> international conference on Algorithmic Learning Theory (ALT’12)</a:t>
+            </a:r>
+            <a:r>
+              <a:rPr lang="en-US" dirty="0"/>
+              <a:t> , pp. 199-213. 2012.</a:t>
+            </a:r>
+          </a:p>
+          <a:p>
+            <a:pPr marL="395288" indent="-395288">
+              <a:buNone/>
+            </a:pPr>
+            <a:r>
+              <a:rPr lang="en-US" dirty="0"/>
+              <a:t>[3] Lai, T.L., &amp; Robbins, H. “Asymptotically Efficient Adaptive Allocation Rules”. </a:t>
+            </a:r>
+            <a:r>
+              <a:rPr lang="en-US" i="1" dirty="0"/>
+              <a:t>Advances in applied Mathematics</a:t>
+            </a:r>
+            <a:r>
+              <a:rPr lang="en-US" dirty="0"/>
+              <a:t>, </a:t>
+            </a:r>
+            <a:r>
+              <a:rPr lang="en-US" i="1" dirty="0"/>
+              <a:t>6</a:t>
+            </a:r>
+            <a:r>
+              <a:rPr lang="en-US" dirty="0"/>
+              <a:t>, pp 4-22, 1985.</a:t>
+            </a:r>
+          </a:p>
+          <a:p>
+            <a:pPr marL="341313" indent="-341313">
+              <a:buNone/>
+            </a:pPr>
+            <a:r>
+              <a:rPr lang="en-US" dirty="0"/>
+              <a:t>[4] </a:t>
+            </a:r>
+            <a:r>
+              <a:rPr lang="en-US" dirty="0" err="1"/>
+              <a:t>Junya</a:t>
+            </a:r>
+            <a:r>
+              <a:rPr lang="en-US" dirty="0"/>
+              <a:t> Honda, </a:t>
+            </a:r>
+            <a:r>
+              <a:rPr lang="en-US" dirty="0" err="1"/>
+              <a:t>Akimichi</a:t>
+            </a:r>
+            <a:r>
+              <a:rPr lang="en-US" dirty="0"/>
+              <a:t> </a:t>
+            </a:r>
+            <a:r>
+              <a:rPr lang="en-US" dirty="0" err="1"/>
+              <a:t>Takemura</a:t>
+            </a:r>
+            <a:r>
+              <a:rPr lang="en-US" dirty="0"/>
+              <a:t>.“Optimality of Thompson Sampling for Gaussian Bandits Depends on Priors”. Proceedings of the Seventeenth International Conference on Artificial Intelligence and Statistics, PMLR 33:375-383, 2014.</a:t>
             </a:r>
           </a:p>
         </p:txBody>
@@ -5159,7 +8146,7 @@
     </p:spTree>
     <p:extLst>
       <p:ext uri="{BB962C8B-B14F-4D97-AF65-F5344CB8AC3E}">
-        <p14:creationId xmlns:p14="http://schemas.microsoft.com/office/powerpoint/2010/main" val="1493336798"/>
+        <p14:creationId xmlns:p14="http://schemas.microsoft.com/office/powerpoint/2010/main" val="3484035188"/>
       </p:ext>
     </p:extLst>
   </p:cSld>
@@ -5302,6 +8289,14 @@
 <file path=ppt/slides/slide3.xml><?xml version="1.0" encoding="utf-8"?>
 <p:sld xmlns:a="http://schemas.openxmlformats.org/drawingml/2006/main" xmlns:r="http://schemas.openxmlformats.org/officeDocument/2006/relationships" xmlns:p="http://schemas.openxmlformats.org/presentationml/2006/main">
   <p:cSld>
+    <p:bg>
+      <p:bgPr>
+        <a:solidFill>
+          <a:schemeClr val="bg2"/>
+        </a:solidFill>
+        <a:effectLst/>
+      </p:bgPr>
+    </p:bg>
     <p:spTree>
       <p:nvGrpSpPr>
         <p:cNvPr id="1" name=""/>
@@ -5321,7 +8316,7 @@
           <p:cNvPr id="2" name="Title 1">
             <a:extLst>
               <a:ext uri="{FF2B5EF4-FFF2-40B4-BE49-F238E27FC236}">
-                <a16:creationId xmlns:a16="http://schemas.microsoft.com/office/drawing/2014/main" id="{A0EBB4AF-DA17-4C71-A286-71162069C852}"/>
+                <a16:creationId xmlns:a16="http://schemas.microsoft.com/office/drawing/2014/main" id="{83513EAC-01D9-4BAC-9A26-FCAF289AA971}"/>
               </a:ext>
             </a:extLst>
           </p:cNvPr>
@@ -5332,74 +8327,386 @@
             <p:ph type="title"/>
           </p:nvPr>
         </p:nvSpPr>
-        <p:spPr/>
-        <p:txBody>
-          <a:bodyPr/>
+        <p:spPr>
+          <a:xfrm>
+            <a:off x="1023562" y="685800"/>
+            <a:ext cx="10493524" cy="1485900"/>
+          </a:xfrm>
+        </p:spPr>
+        <p:txBody>
+          <a:bodyPr>
+            <a:normAutofit/>
+          </a:bodyPr>
           <a:lstStyle/>
           <a:p>
             <a:r>
               <a:rPr lang="en-US" dirty="0"/>
-              <a:t>Multi-Arm Bandits</a:t>
-            </a:r>
-          </a:p>
-        </p:txBody>
-      </p:sp>
-      <p:sp>
-        <p:nvSpPr>
-          <p:cNvPr id="3" name="Content Placeholder 2">
+              <a:t>Multi Arm Bandit Problem </a:t>
+            </a:r>
+          </a:p>
+        </p:txBody>
+      </p:sp>
+      <p:sp>
+        <p:nvSpPr>
+          <p:cNvPr id="71" name="Rectangle 70">
             <a:extLst>
               <a:ext uri="{FF2B5EF4-FFF2-40B4-BE49-F238E27FC236}">
-                <a16:creationId xmlns:a16="http://schemas.microsoft.com/office/drawing/2014/main" id="{FBEAFD16-6DBF-4DA8-8F3F-93A31B0A6891}"/>
+                <a16:creationId xmlns:a16="http://schemas.microsoft.com/office/drawing/2014/main" id="{B9F89C22-0475-4427-B7C8-0269AD40E3EC}"/>
+              </a:ext>
+              <a:ext uri="{C183D7F6-B498-43B3-948B-1728B52AA6E4}">
+                <adec:decorative xmlns:adec="http://schemas.microsoft.com/office/drawing/2017/decorative" val="1"/>
               </a:ext>
             </a:extLst>
           </p:cNvPr>
           <p:cNvSpPr>
-            <a:spLocks noGrp="1"/>
-          </p:cNvSpPr>
-          <p:nvPr>
-            <p:ph idx="1"/>
-          </p:nvPr>
-        </p:nvSpPr>
-        <p:spPr/>
-        <p:txBody>
-          <a:bodyPr/>
-          <a:lstStyle/>
-          <a:p>
-            <a:r>
-              <a:rPr lang="en-US" dirty="0"/>
-              <a:t>Royalty-free Picture of slot machines</a:t>
-            </a:r>
-          </a:p>
-          <a:p>
-            <a:r>
-              <a:rPr lang="en-US" dirty="0"/>
-              <a:t>Generally number of actions (or ‘arms’) with some probabilistic reward</a:t>
-            </a:r>
-          </a:p>
-          <a:p>
-            <a:r>
-              <a:rPr lang="en-US" dirty="0"/>
-              <a:t>Must take the action to learn about it</a:t>
-            </a:r>
-          </a:p>
-          <a:p>
-            <a:r>
-              <a:rPr lang="en-US" dirty="0"/>
-              <a:t>Objective: find arm with greatest expected value and use it</a:t>
-            </a:r>
-          </a:p>
-          <a:p>
-            <a:r>
-              <a:rPr lang="en-US" dirty="0"/>
-              <a:t>Mention some applications</a:t>
-            </a:r>
-          </a:p>
-        </p:txBody>
-      </p:sp>
+            <a:spLocks noGrp="1" noRot="1" noChangeAspect="1" noMove="1" noResize="1" noEditPoints="1" noAdjustHandles="1" noChangeArrowheads="1" noChangeShapeType="1" noTextEdit="1"/>
+          </p:cNvSpPr>
+          <p:nvPr>
+            <p:extLst>
+              <p:ext uri="{386F3935-93C4-4BCD-93E2-E3B085C9AB24}">
+                <p16:designElem xmlns:p16="http://schemas.microsoft.com/office/powerpoint/2015/main" val="1"/>
+              </p:ext>
+            </p:extLst>
+          </p:nvPr>
+        </p:nvSpPr>
+        <p:spPr>
+          <a:xfrm>
+            <a:off x="478095" y="376"/>
+            <a:ext cx="228600" cy="6858000"/>
+          </a:xfrm>
+          <a:prstGeom prst="rect">
+            <a:avLst/>
+          </a:prstGeom>
+          <a:solidFill>
+            <a:schemeClr val="tx2"/>
+          </a:solidFill>
+          <a:ln>
+            <a:noFill/>
+          </a:ln>
+        </p:spPr>
+        <p:style>
+          <a:lnRef idx="2">
+            <a:schemeClr val="accent1">
+              <a:shade val="50000"/>
+            </a:schemeClr>
+          </a:lnRef>
+          <a:fillRef idx="1">
+            <a:schemeClr val="accent1"/>
+          </a:fillRef>
+          <a:effectRef idx="0">
+            <a:schemeClr val="accent1"/>
+          </a:effectRef>
+          <a:fontRef idx="minor">
+            <a:schemeClr val="lt1"/>
+          </a:fontRef>
+        </p:style>
+      </p:sp>
+      <mc:AlternateContent xmlns:mc="http://schemas.openxmlformats.org/markup-compatibility/2006">
+        <mc:Choice xmlns:a14="http://schemas.microsoft.com/office/drawing/2010/main" Requires="a14">
+          <p:sp>
+            <p:nvSpPr>
+              <p:cNvPr id="3" name="Content Placeholder 2">
+                <a:extLst>
+                  <a:ext uri="{FF2B5EF4-FFF2-40B4-BE49-F238E27FC236}">
+                    <a16:creationId xmlns:a16="http://schemas.microsoft.com/office/drawing/2014/main" id="{B55ECEC4-D19A-428F-BB3C-8D34A55A675F}"/>
+                  </a:ext>
+                </a:extLst>
+              </p:cNvPr>
+              <p:cNvSpPr>
+                <a:spLocks noGrp="1"/>
+              </p:cNvSpPr>
+              <p:nvPr>
+                <p:ph idx="1"/>
+              </p:nvPr>
+            </p:nvSpPr>
+            <p:spPr>
+              <a:xfrm>
+                <a:off x="1023562" y="2286000"/>
+                <a:ext cx="5072437" cy="3581400"/>
+              </a:xfrm>
+            </p:spPr>
+            <p:txBody>
+              <a:bodyPr>
+                <a:normAutofit/>
+              </a:bodyPr>
+              <a:lstStyle/>
+              <a:p>
+                <a:pPr marL="0" indent="0">
+                  <a:buNone/>
+                </a:pPr>
+                <a:endParaRPr lang="en-US" sz="1800" dirty="0"/>
+              </a:p>
+              <a:p>
+                <a:r>
+                  <a:rPr lang="en-US" sz="1800"/>
+                  <a:t>Consider a slot machines with N arms</a:t>
+                </a:r>
+              </a:p>
+              <a:p>
+                <a:r>
+                  <a:rPr lang="en-US" sz="1800"/>
+                  <a:t>At each step </a:t>
+                </a:r>
+                <a14:m>
+                  <m:oMath xmlns:m="http://schemas.openxmlformats.org/officeDocument/2006/math">
+                    <m:r>
+                      <a:rPr lang="en-US" sz="1800" b="0" i="1">
+                        <a:latin typeface="Cambria Math" panose="02040503050406030204" pitchFamily="18" charset="0"/>
+                      </a:rPr>
+                      <m:t>𝑡</m:t>
+                    </m:r>
+                    <m:r>
+                      <a:rPr lang="en-US" sz="1800" b="0" i="1">
+                        <a:latin typeface="Cambria Math" panose="02040503050406030204" pitchFamily="18" charset="0"/>
+                      </a:rPr>
+                      <m:t>=1,2,3,…</m:t>
+                    </m:r>
+                  </m:oMath>
+                </a14:m>
+                <a:r>
+                  <a:rPr lang="en-US" sz="1800"/>
+                  <a:t>, one arm is played.</a:t>
+                </a:r>
+              </a:p>
+              <a:p>
+                <a:r>
+                  <a:rPr lang="en-US" sz="1800"/>
+                  <a:t>When an arm </a:t>
+                </a:r>
+                <a14:m>
+                  <m:oMath xmlns:m="http://schemas.openxmlformats.org/officeDocument/2006/math">
+                    <m:r>
+                      <a:rPr lang="en-US" sz="1800" i="1">
+                        <a:latin typeface="Cambria Math" panose="02040503050406030204" pitchFamily="18" charset="0"/>
+                      </a:rPr>
+                      <m:t>𝑖</m:t>
+                    </m:r>
+                  </m:oMath>
+                </a14:m>
+                <a:r>
+                  <a:rPr lang="en-US" sz="1800"/>
+                  <a:t> is played, there is a probabilistic reward </a:t>
+                </a:r>
+                <a14:m>
+                  <m:oMath xmlns:m="http://schemas.openxmlformats.org/officeDocument/2006/math">
+                    <m:sSub>
+                      <m:sSubPr>
+                        <m:ctrlPr>
+                          <a:rPr lang="en-US" sz="1800" b="0" i="1">
+                            <a:latin typeface="Cambria Math" panose="02040503050406030204" pitchFamily="18" charset="0"/>
+                          </a:rPr>
+                        </m:ctrlPr>
+                      </m:sSubPr>
+                      <m:e>
+                        <m:r>
+                          <a:rPr lang="en-US" sz="1800" i="1">
+                            <a:latin typeface="Cambria Math" panose="02040503050406030204" pitchFamily="18" charset="0"/>
+                          </a:rPr>
+                          <m:t>𝑟</m:t>
+                        </m:r>
+                      </m:e>
+                      <m:sub>
+                        <m:r>
+                          <a:rPr lang="en-US" sz="1800" b="0" i="1">
+                            <a:latin typeface="Cambria Math" panose="02040503050406030204" pitchFamily="18" charset="0"/>
+                          </a:rPr>
+                          <m:t>𝑖</m:t>
+                        </m:r>
+                        <m:d>
+                          <m:dPr>
+                            <m:ctrlPr>
+                              <a:rPr lang="en-US" sz="1800" b="0" i="1">
+                                <a:latin typeface="Cambria Math" panose="02040503050406030204" pitchFamily="18" charset="0"/>
+                              </a:rPr>
+                            </m:ctrlPr>
+                          </m:dPr>
+                          <m:e>
+                            <m:r>
+                              <a:rPr lang="en-US" sz="1800" b="0" i="1">
+                                <a:latin typeface="Cambria Math" panose="02040503050406030204" pitchFamily="18" charset="0"/>
+                              </a:rPr>
+                              <m:t>𝑡</m:t>
+                            </m:r>
+                          </m:e>
+                        </m:d>
+                      </m:sub>
+                    </m:sSub>
+                  </m:oMath>
+                </a14:m>
+                <a:endParaRPr lang="en-US" sz="1800" i="1"/>
+              </a:p>
+              <a:p>
+                <a:pPr marL="0" indent="0">
+                  <a:buNone/>
+                </a:pPr>
+                <a:r>
+                  <a:rPr lang="en-US" sz="1800"/>
+                  <a:t>      corresponding to the arm.</a:t>
+                </a:r>
+              </a:p>
+              <a:p>
+                <a:r>
+                  <a:rPr lang="en-US" sz="1800"/>
+                  <a:t>Probability distribution of rewards </a:t>
+                </a:r>
+                <a14:m>
+                  <m:oMath xmlns:m="http://schemas.openxmlformats.org/officeDocument/2006/math">
+                    <m:r>
+                      <a:rPr lang="en-US" sz="1800" i="1">
+                        <a:latin typeface="Cambria Math" panose="02040503050406030204" pitchFamily="18" charset="0"/>
+                      </a:rPr>
+                      <m:t>𝑃</m:t>
+                    </m:r>
+                    <m:d>
+                      <m:dPr>
+                        <m:ctrlPr>
+                          <a:rPr lang="en-US" sz="1800" b="0" i="1">
+                            <a:latin typeface="Cambria Math" panose="02040503050406030204" pitchFamily="18" charset="0"/>
+                          </a:rPr>
+                        </m:ctrlPr>
+                      </m:dPr>
+                      <m:e>
+                        <m:r>
+                          <a:rPr lang="en-US" sz="1800" b="0" i="1">
+                            <a:latin typeface="Cambria Math" panose="02040503050406030204" pitchFamily="18" charset="0"/>
+                          </a:rPr>
+                          <m:t>𝑟</m:t>
+                        </m:r>
+                      </m:e>
+                      <m:e>
+                        <m:r>
+                          <a:rPr lang="en-US" sz="1800" b="0" i="1">
+                            <a:latin typeface="Cambria Math" panose="02040503050406030204" pitchFamily="18" charset="0"/>
+                          </a:rPr>
+                          <m:t>𝑖</m:t>
+                        </m:r>
+                      </m:e>
+                    </m:d>
+                  </m:oMath>
+                </a14:m>
+                <a:r>
+                  <a:rPr lang="en-US" sz="1800"/>
+                  <a:t> is </a:t>
+                </a:r>
+                <a:r>
+                  <a:rPr lang="en-US" sz="1800" b="1"/>
+                  <a:t>unknown</a:t>
+                </a:r>
+                <a:r>
+                  <a:rPr lang="en-US" sz="1800"/>
+                  <a:t>.</a:t>
+                </a:r>
+              </a:p>
+              <a:p>
+                <a:pPr marL="0" indent="0">
+                  <a:buNone/>
+                </a:pPr>
+                <a:endParaRPr lang="en-US" sz="1800"/>
+              </a:p>
+              <a:p>
+                <a:pPr marL="0" indent="0">
+                  <a:buNone/>
+                </a:pPr>
+                <a:endParaRPr lang="en-US" sz="1800"/>
+              </a:p>
+            </p:txBody>
+          </p:sp>
+        </mc:Choice>
+        <mc:Fallback>
+          <p:sp>
+            <p:nvSpPr>
+              <p:cNvPr id="3" name="Content Placeholder 2">
+                <a:extLst>
+                  <a:ext uri="{FF2B5EF4-FFF2-40B4-BE49-F238E27FC236}">
+                    <a16:creationId xmlns:a16="http://schemas.microsoft.com/office/drawing/2014/main" id="{B55ECEC4-D19A-428F-BB3C-8D34A55A675F}"/>
+                  </a:ext>
+                </a:extLst>
+              </p:cNvPr>
+              <p:cNvSpPr>
+                <a:spLocks noGrp="1" noRot="1" noChangeAspect="1" noMove="1" noResize="1" noEditPoints="1" noAdjustHandles="1" noChangeArrowheads="1" noChangeShapeType="1" noTextEdit="1"/>
+              </p:cNvSpPr>
+              <p:nvPr>
+                <p:ph idx="1"/>
+              </p:nvPr>
+            </p:nvSpPr>
+            <p:spPr>
+              <a:xfrm>
+                <a:off x="1023562" y="2286000"/>
+                <a:ext cx="5072437" cy="3581400"/>
+              </a:xfrm>
+              <a:blipFill>
+                <a:blip r:embed="rId3"/>
+                <a:stretch>
+                  <a:fillRect l="-841"/>
+                </a:stretch>
+              </a:blipFill>
+            </p:spPr>
+            <p:txBody>
+              <a:bodyPr/>
+              <a:lstStyle/>
+              <a:p>
+                <a:r>
+                  <a:rPr lang="en-US">
+                    <a:noFill/>
+                  </a:rPr>
+                  <a:t> </a:t>
+                </a:r>
+              </a:p>
+            </p:txBody>
+          </p:sp>
+        </mc:Fallback>
+      </mc:AlternateContent>
+      <p:pic>
+        <p:nvPicPr>
+          <p:cNvPr id="1026" name="Picture 2" descr="Image result for multi arm bandit">
+            <a:extLst>
+              <a:ext uri="{FF2B5EF4-FFF2-40B4-BE49-F238E27FC236}">
+                <a16:creationId xmlns:a16="http://schemas.microsoft.com/office/drawing/2014/main" id="{86A37FFB-BE0A-4A76-A3D8-A91FF997CF3D}"/>
+              </a:ext>
+            </a:extLst>
+          </p:cNvPr>
+          <p:cNvPicPr>
+            <a:picLocks noChangeAspect="1" noChangeArrowheads="1"/>
+          </p:cNvPicPr>
+          <p:nvPr/>
+        </p:nvPicPr>
+        <p:blipFill>
+          <a:blip r:embed="rId4">
+            <a:extLst>
+              <a:ext uri="{28A0092B-C50C-407E-A947-70E740481C1C}">
+                <a14:useLocalDpi xmlns:a14="http://schemas.microsoft.com/office/drawing/2010/main" val="0"/>
+              </a:ext>
+            </a:extLst>
+          </a:blip>
+          <a:srcRect/>
+          <a:stretch>
+            <a:fillRect/>
+          </a:stretch>
+        </p:blipFill>
+        <p:spPr bwMode="auto">
+          <a:xfrm>
+            <a:off x="6424852" y="2350235"/>
+            <a:ext cx="5079022" cy="3542618"/>
+          </a:xfrm>
+          <a:prstGeom prst="rect">
+            <a:avLst/>
+          </a:prstGeom>
+          <a:noFill/>
+          <a:extLst>
+            <a:ext uri="{909E8E84-426E-40DD-AFC4-6F175D3DCCD1}">
+              <a14:hiddenFill xmlns:a14="http://schemas.microsoft.com/office/drawing/2010/main">
+                <a:solidFill>
+                  <a:srgbClr val="FFFFFF"/>
+                </a:solidFill>
+              </a14:hiddenFill>
+            </a:ext>
+          </a:extLst>
+        </p:spPr>
+      </p:pic>
     </p:spTree>
     <p:extLst>
       <p:ext uri="{BB962C8B-B14F-4D97-AF65-F5344CB8AC3E}">
-        <p14:creationId xmlns:p14="http://schemas.microsoft.com/office/powerpoint/2010/main" val="3541752584"/>
+        <p14:creationId xmlns:p14="http://schemas.microsoft.com/office/powerpoint/2010/main" val="765698839"/>
       </p:ext>
     </p:extLst>
   </p:cSld>
@@ -5431,7 +8738,7 @@
           <p:cNvPr id="2" name="Title 1">
             <a:extLst>
               <a:ext uri="{FF2B5EF4-FFF2-40B4-BE49-F238E27FC236}">
-                <a16:creationId xmlns:a16="http://schemas.microsoft.com/office/drawing/2014/main" id="{83513EAC-01D9-4BAC-9A26-FCAF289AA971}"/>
+                <a16:creationId xmlns:a16="http://schemas.microsoft.com/office/drawing/2014/main" id="{DF2DB6DA-F4EB-44B3-A44E-37584D163AB8}"/>
               </a:ext>
             </a:extLst>
           </p:cNvPr>
@@ -5442,38 +8749,10 @@
             <p:ph type="title"/>
           </p:nvPr>
         </p:nvSpPr>
-        <p:spPr/>
-        <p:txBody>
-          <a:bodyPr/>
-          <a:lstStyle/>
-          <a:p>
-            <a:r>
-              <a:rPr lang="en-US" dirty="0"/>
-              <a:t>Multi Arm Bandit Problem </a:t>
-            </a:r>
-          </a:p>
-        </p:txBody>
-      </p:sp>
-      <p:sp>
-        <p:nvSpPr>
-          <p:cNvPr id="3" name="Content Placeholder 2">
-            <a:extLst>
-              <a:ext uri="{FF2B5EF4-FFF2-40B4-BE49-F238E27FC236}">
-                <a16:creationId xmlns:a16="http://schemas.microsoft.com/office/drawing/2014/main" id="{B55ECEC4-D19A-428F-BB3C-8D34A55A675F}"/>
-              </a:ext>
-            </a:extLst>
-          </p:cNvPr>
-          <p:cNvSpPr>
-            <a:spLocks noGrp="1"/>
-          </p:cNvSpPr>
-          <p:nvPr>
-            <p:ph idx="1"/>
-          </p:nvPr>
-        </p:nvSpPr>
         <p:spPr>
           <a:xfrm>
-            <a:off x="1295400" y="1795806"/>
-            <a:ext cx="10026192" cy="3850849"/>
+            <a:off x="1390650" y="685800"/>
+            <a:ext cx="9886950" cy="1485900"/>
           </a:xfrm>
         </p:spPr>
         <p:txBody>
@@ -5482,143 +8761,588 @@
           </a:bodyPr>
           <a:lstStyle/>
           <a:p>
-            <a:pPr marL="0" indent="0">
-              <a:buNone/>
-            </a:pPr>
-            <a:endParaRPr lang="en-US" sz="1800" dirty="0"/>
-          </a:p>
-          <a:p>
             <a:r>
               <a:rPr lang="en-US" dirty="0"/>
-              <a:t>Consider a slot machines with N arms</a:t>
-            </a:r>
-          </a:p>
-          <a:p>
-            <a:r>
-              <a:rPr lang="en-US" dirty="0"/>
-              <a:t>At each step </a:t>
-            </a:r>
-            <a:r>
-              <a:rPr lang="en-US" i="1" dirty="0"/>
-              <a:t>t</a:t>
-            </a:r>
-            <a:r>
-              <a:rPr lang="en-US" dirty="0"/>
-              <a:t> = </a:t>
-            </a:r>
-            <a:r>
-              <a:rPr lang="en-US" sz="1600" dirty="0"/>
-              <a:t>1, 2, 3 …….</a:t>
-            </a:r>
-            <a:r>
-              <a:rPr lang="en-US" dirty="0"/>
-              <a:t> , one arm is played.</a:t>
-            </a:r>
-          </a:p>
-          <a:p>
-            <a:r>
-              <a:rPr lang="en-US" dirty="0"/>
-              <a:t>When an arm </a:t>
-            </a:r>
-            <a:r>
-              <a:rPr lang="en-US" i="1" dirty="0"/>
-              <a:t>i</a:t>
-            </a:r>
-            <a:r>
-              <a:rPr lang="en-US" dirty="0"/>
-              <a:t> is played, there is a probabilistic reward </a:t>
-            </a:r>
-            <a:r>
-              <a:rPr lang="en-US" sz="2400" i="1" dirty="0" err="1"/>
-              <a:t>r</a:t>
-            </a:r>
-            <a:r>
-              <a:rPr lang="en-US" sz="2400" i="1" baseline="-25000" dirty="0" err="1"/>
-              <a:t>i</a:t>
-            </a:r>
-            <a:r>
-              <a:rPr lang="en-US" sz="2400" i="1" baseline="-25000" dirty="0"/>
-              <a:t>(t)</a:t>
-            </a:r>
-            <a:endParaRPr lang="en-US" sz="2400" i="1" dirty="0"/>
-          </a:p>
-          <a:p>
-            <a:pPr marL="0" indent="0">
-              <a:buNone/>
-            </a:pPr>
-            <a:r>
-              <a:rPr lang="en-US" dirty="0"/>
-              <a:t>      corresponding to the arm.</a:t>
-            </a:r>
-          </a:p>
-          <a:p>
-            <a:r>
-              <a:rPr lang="en-US" dirty="0"/>
-              <a:t>Probability distribution of rewards </a:t>
-            </a:r>
-            <a:r>
-              <a:rPr lang="en-US" i="1" dirty="0"/>
-              <a:t>P(</a:t>
-            </a:r>
-            <a:r>
-              <a:rPr lang="en-US" sz="2100" i="1" dirty="0"/>
-              <a:t>r|i</a:t>
-            </a:r>
-            <a:r>
-              <a:rPr lang="en-US" i="1" dirty="0"/>
-              <a:t>)</a:t>
-            </a:r>
-            <a:r>
-              <a:rPr lang="en-US" dirty="0"/>
-              <a:t> is </a:t>
-            </a:r>
-            <a:r>
-              <a:rPr lang="en-US" b="1" dirty="0"/>
-              <a:t>unknown</a:t>
-            </a:r>
-            <a:r>
-              <a:rPr lang="en-US" dirty="0"/>
-              <a:t>.</a:t>
-            </a:r>
-          </a:p>
-          <a:p>
-            <a:r>
-              <a:rPr lang="en-US" dirty="0"/>
-              <a:t>The random reward associated with each arm are</a:t>
-            </a:r>
-            <a:r>
-              <a:rPr lang="en-US" i="1" dirty="0"/>
-              <a:t> i.i.d </a:t>
-            </a:r>
-            <a:r>
-              <a:rPr lang="en-US" dirty="0"/>
-              <a:t>and do not depend on the rewards of the other arms.</a:t>
-            </a:r>
-          </a:p>
-          <a:p>
-            <a:r>
-              <a:rPr lang="en-US" dirty="0"/>
-              <a:t>The reward value is observed as soon as the arm is played</a:t>
-            </a:r>
-          </a:p>
-          <a:p>
-            <a:pPr marL="0" indent="0">
-              <a:buNone/>
-            </a:pPr>
-            <a:endParaRPr lang="en-US" dirty="0"/>
-          </a:p>
-          <a:p>
-            <a:pPr marL="0" indent="0">
-              <a:buNone/>
-            </a:pPr>
-            <a:endParaRPr lang="en-US" dirty="0"/>
-          </a:p>
-        </p:txBody>
-      </p:sp>
+              <a:t>Objective </a:t>
+            </a:r>
+          </a:p>
+        </p:txBody>
+      </p:sp>
+      <mc:AlternateContent xmlns:mc="http://schemas.openxmlformats.org/markup-compatibility/2006" xmlns:a14="http://schemas.microsoft.com/office/drawing/2010/main">
+        <mc:Choice Requires="a14">
+          <p:sp>
+            <p:nvSpPr>
+              <p:cNvPr id="3" name="Content Placeholder 2">
+                <a:extLst>
+                  <a:ext uri="{FF2B5EF4-FFF2-40B4-BE49-F238E27FC236}">
+                    <a16:creationId xmlns:a16="http://schemas.microsoft.com/office/drawing/2014/main" id="{9F6CBB26-C0AA-437B-8460-76DFC3C75622}"/>
+                  </a:ext>
+                </a:extLst>
+              </p:cNvPr>
+              <p:cNvSpPr>
+                <a:spLocks noGrp="1"/>
+              </p:cNvSpPr>
+              <p:nvPr>
+                <p:ph idx="1"/>
+              </p:nvPr>
+            </p:nvSpPr>
+            <p:spPr>
+              <a:xfrm>
+                <a:off x="1390648" y="2286000"/>
+                <a:ext cx="10018879" cy="3581400"/>
+              </a:xfrm>
+            </p:spPr>
+            <p:txBody>
+              <a:bodyPr>
+                <a:normAutofit/>
+              </a:bodyPr>
+              <a:lstStyle/>
+              <a:p>
+                <a:r>
+                  <a:rPr lang="en-US" dirty="0"/>
+                  <a:t>Design an optimal strategy to maximize the expected value of rewards after T finite steps</a:t>
+                </a:r>
+                <a:br>
+                  <a:rPr lang="en-US" dirty="0"/>
+                </a:br>
+                <a14:m>
+                  <m:oMath xmlns:m="http://schemas.openxmlformats.org/officeDocument/2006/math">
+                    <m:func>
+                      <m:funcPr>
+                        <m:ctrlPr>
+                          <a:rPr lang="en-US" b="0" i="1" smtClean="0">
+                            <a:latin typeface="Cambria Math" panose="02040503050406030204" pitchFamily="18" charset="0"/>
+                          </a:rPr>
+                        </m:ctrlPr>
+                      </m:funcPr>
+                      <m:fName>
+                        <m:limLow>
+                          <m:limLowPr>
+                            <m:ctrlPr>
+                              <a:rPr lang="en-US" b="0" i="1" smtClean="0">
+                                <a:latin typeface="Cambria Math" panose="02040503050406030204" pitchFamily="18" charset="0"/>
+                              </a:rPr>
+                            </m:ctrlPr>
+                          </m:limLowPr>
+                          <m:e>
+                            <m:r>
+                              <m:rPr>
+                                <m:sty m:val="p"/>
+                              </m:rPr>
+                              <a:rPr lang="en-US" b="0" i="0" smtClean="0">
+                                <a:latin typeface="Cambria Math" panose="02040503050406030204" pitchFamily="18" charset="0"/>
+                              </a:rPr>
+                              <m:t>max</m:t>
+                            </m:r>
+                          </m:e>
+                          <m:lim>
+                            <m:sSub>
+                              <m:sSubPr>
+                                <m:ctrlPr>
+                                  <a:rPr lang="en-US" b="0" i="1" smtClean="0">
+                                    <a:latin typeface="Cambria Math" panose="02040503050406030204" pitchFamily="18" charset="0"/>
+                                  </a:rPr>
+                                </m:ctrlPr>
+                              </m:sSubPr>
+                              <m:e>
+                                <m:r>
+                                  <a:rPr lang="en-US" b="0" i="1" smtClean="0">
+                                    <a:latin typeface="Cambria Math" panose="02040503050406030204" pitchFamily="18" charset="0"/>
+                                  </a:rPr>
+                                  <m:t>𝑖</m:t>
+                                </m:r>
+                              </m:e>
+                              <m:sub>
+                                <m:r>
+                                  <a:rPr lang="en-US" b="0" i="1" smtClean="0">
+                                    <a:latin typeface="Cambria Math" panose="02040503050406030204" pitchFamily="18" charset="0"/>
+                                  </a:rPr>
+                                  <m:t>𝑡</m:t>
+                                </m:r>
+                              </m:sub>
+                            </m:sSub>
+                            <m:r>
+                              <a:rPr lang="en-US" i="1">
+                                <a:latin typeface="Cambria Math" panose="02040503050406030204" pitchFamily="18" charset="0"/>
+                              </a:rPr>
+                              <m:t>∀</m:t>
+                            </m:r>
+                            <m:r>
+                              <a:rPr lang="en-US" i="1">
+                                <a:latin typeface="Cambria Math" panose="02040503050406030204" pitchFamily="18" charset="0"/>
+                              </a:rPr>
+                              <m:t>𝑡</m:t>
+                            </m:r>
+                          </m:lim>
+                        </m:limLow>
+                      </m:fName>
+                      <m:e>
+                        <m:r>
+                          <a:rPr lang="en-US" b="0" i="1" smtClean="0">
+                            <a:latin typeface="Cambria Math" panose="02040503050406030204" pitchFamily="18" charset="0"/>
+                          </a:rPr>
+                          <m:t>𝐸</m:t>
+                        </m:r>
+                        <m:d>
+                          <m:dPr>
+                            <m:begChr m:val="["/>
+                            <m:endChr m:val="]"/>
+                            <m:ctrlPr>
+                              <a:rPr lang="en-US" b="0" i="1" smtClean="0">
+                                <a:latin typeface="Cambria Math" panose="02040503050406030204" pitchFamily="18" charset="0"/>
+                              </a:rPr>
+                            </m:ctrlPr>
+                          </m:dPr>
+                          <m:e>
+                            <m:nary>
+                              <m:naryPr>
+                                <m:chr m:val="∑"/>
+                                <m:ctrlPr>
+                                  <a:rPr lang="en-US" b="0" i="1" smtClean="0">
+                                    <a:latin typeface="Cambria Math" panose="02040503050406030204" pitchFamily="18" charset="0"/>
+                                  </a:rPr>
+                                </m:ctrlPr>
+                              </m:naryPr>
+                              <m:sub>
+                                <m:r>
+                                  <m:rPr>
+                                    <m:brk m:alnAt="23"/>
+                                  </m:rPr>
+                                  <a:rPr lang="en-US" b="0" i="1" smtClean="0">
+                                    <a:latin typeface="Cambria Math" panose="02040503050406030204" pitchFamily="18" charset="0"/>
+                                  </a:rPr>
+                                  <m:t>𝑡</m:t>
+                                </m:r>
+                                <m:r>
+                                  <a:rPr lang="en-US" b="0" i="1" smtClean="0">
+                                    <a:latin typeface="Cambria Math" panose="02040503050406030204" pitchFamily="18" charset="0"/>
+                                  </a:rPr>
+                                  <m:t>=1</m:t>
+                                </m:r>
+                              </m:sub>
+                              <m:sup>
+                                <m:r>
+                                  <a:rPr lang="en-US" b="0" i="1" smtClean="0">
+                                    <a:latin typeface="Cambria Math" panose="02040503050406030204" pitchFamily="18" charset="0"/>
+                                  </a:rPr>
+                                  <m:t>𝑇</m:t>
+                                </m:r>
+                              </m:sup>
+                              <m:e>
+                                <m:r>
+                                  <a:rPr lang="en-US" b="0" i="1" smtClean="0">
+                                    <a:latin typeface="Cambria Math" panose="02040503050406030204" pitchFamily="18" charset="0"/>
+                                  </a:rPr>
+                                  <m:t>𝑟</m:t>
+                                </m:r>
+                                <m:d>
+                                  <m:dPr>
+                                    <m:ctrlPr>
+                                      <a:rPr lang="en-US" b="0" i="1" smtClean="0">
+                                        <a:latin typeface="Cambria Math" panose="02040503050406030204" pitchFamily="18" charset="0"/>
+                                      </a:rPr>
+                                    </m:ctrlPr>
+                                  </m:dPr>
+                                  <m:e>
+                                    <m:sSub>
+                                      <m:sSubPr>
+                                        <m:ctrlPr>
+                                          <a:rPr lang="en-US" b="0" i="1" smtClean="0">
+                                            <a:latin typeface="Cambria Math" panose="02040503050406030204" pitchFamily="18" charset="0"/>
+                                          </a:rPr>
+                                        </m:ctrlPr>
+                                      </m:sSubPr>
+                                      <m:e>
+                                        <m:r>
+                                          <a:rPr lang="en-US" b="0" i="1" smtClean="0">
+                                            <a:latin typeface="Cambria Math" panose="02040503050406030204" pitchFamily="18" charset="0"/>
+                                          </a:rPr>
+                                          <m:t>𝑖</m:t>
+                                        </m:r>
+                                      </m:e>
+                                      <m:sub>
+                                        <m:r>
+                                          <a:rPr lang="en-US" b="0" i="1" smtClean="0">
+                                            <a:latin typeface="Cambria Math" panose="02040503050406030204" pitchFamily="18" charset="0"/>
+                                          </a:rPr>
+                                          <m:t>𝑡</m:t>
+                                        </m:r>
+                                      </m:sub>
+                                    </m:sSub>
+                                  </m:e>
+                                </m:d>
+                              </m:e>
+                            </m:nary>
+                          </m:e>
+                        </m:d>
+                      </m:e>
+                    </m:func>
+                  </m:oMath>
+                </a14:m>
+                <a:endParaRPr lang="en-US" dirty="0"/>
+              </a:p>
+              <a:p>
+                <a:r>
+                  <a:rPr lang="en-US" dirty="0"/>
+                  <a:t>Equivalently, minimize the expected regret function, where </a:t>
+                </a:r>
+                <a14:m>
+                  <m:oMath xmlns:m="http://schemas.openxmlformats.org/officeDocument/2006/math">
+                    <m:sSup>
+                      <m:sSupPr>
+                        <m:ctrlPr>
+                          <a:rPr lang="en-US" b="0" i="1" dirty="0" smtClean="0">
+                            <a:latin typeface="Cambria Math" panose="02040503050406030204" pitchFamily="18" charset="0"/>
+                          </a:rPr>
+                        </m:ctrlPr>
+                      </m:sSupPr>
+                      <m:e>
+                        <m:r>
+                          <a:rPr lang="en-US" i="1" dirty="0" smtClean="0">
+                            <a:latin typeface="Cambria Math" panose="02040503050406030204" pitchFamily="18" charset="0"/>
+                          </a:rPr>
+                          <m:t>𝑟</m:t>
+                        </m:r>
+                      </m:e>
+                      <m:sup>
+                        <m:r>
+                          <a:rPr lang="en-US" i="1" dirty="0" smtClean="0">
+                            <a:latin typeface="Cambria Math" panose="02040503050406030204" pitchFamily="18" charset="0"/>
+                          </a:rPr>
+                          <m:t>∗</m:t>
+                        </m:r>
+                      </m:sup>
+                    </m:sSup>
+                  </m:oMath>
+                </a14:m>
+                <a:r>
+                  <a:rPr lang="en-US" i="1" dirty="0"/>
+                  <a:t> </a:t>
+                </a:r>
+                <a:r>
+                  <a:rPr lang="en-US" dirty="0"/>
+                  <a:t>is maximum value of </a:t>
+                </a:r>
+                <a14:m>
+                  <m:oMath xmlns:m="http://schemas.openxmlformats.org/officeDocument/2006/math">
+                    <m:r>
+                      <a:rPr lang="en-US" i="1" dirty="0" smtClean="0">
+                        <a:latin typeface="Cambria Math" panose="02040503050406030204" pitchFamily="18" charset="0"/>
+                      </a:rPr>
+                      <m:t>𝑟</m:t>
+                    </m:r>
+                    <m:r>
+                      <a:rPr lang="en-US" i="1" baseline="-25000" dirty="0" err="1">
+                        <a:latin typeface="Cambria Math" panose="02040503050406030204" pitchFamily="18" charset="0"/>
+                      </a:rPr>
+                      <m:t>𝑖</m:t>
+                    </m:r>
+                  </m:oMath>
+                </a14:m>
+                <a:endParaRPr lang="en-US" i="1" baseline="-25000" dirty="0"/>
+              </a:p>
+              <a:p>
+                <a:pPr marL="0" indent="0">
+                  <a:buNone/>
+                </a:pPr>
+                <a14:m>
+                  <m:oMathPara xmlns:m="http://schemas.openxmlformats.org/officeDocument/2006/math">
+                    <m:oMathParaPr>
+                      <m:jc m:val="centerGroup"/>
+                    </m:oMathParaPr>
+                    <m:oMath xmlns:m="http://schemas.openxmlformats.org/officeDocument/2006/math">
+                      <m:func>
+                        <m:funcPr>
+                          <m:ctrlPr>
+                            <a:rPr lang="en-US" i="1" smtClean="0">
+                              <a:latin typeface="Cambria Math" panose="02040503050406030204" pitchFamily="18" charset="0"/>
+                            </a:rPr>
+                          </m:ctrlPr>
+                        </m:funcPr>
+                        <m:fName>
+                          <m:limLow>
+                            <m:limLowPr>
+                              <m:ctrlPr>
+                                <a:rPr lang="en-US" i="1">
+                                  <a:latin typeface="Cambria Math" panose="02040503050406030204" pitchFamily="18" charset="0"/>
+                                </a:rPr>
+                              </m:ctrlPr>
+                            </m:limLowPr>
+                            <m:e>
+                              <m:r>
+                                <m:rPr>
+                                  <m:sty m:val="p"/>
+                                </m:rPr>
+                                <a:rPr lang="en-US" b="0" i="0" smtClean="0">
+                                  <a:latin typeface="Cambria Math" panose="02040503050406030204" pitchFamily="18" charset="0"/>
+                                </a:rPr>
+                                <m:t>min</m:t>
+                              </m:r>
+                            </m:e>
+                            <m:lim>
+                              <m:sSub>
+                                <m:sSubPr>
+                                  <m:ctrlPr>
+                                    <a:rPr lang="en-US" b="0" i="1" smtClean="0">
+                                      <a:latin typeface="Cambria Math" panose="02040503050406030204" pitchFamily="18" charset="0"/>
+                                    </a:rPr>
+                                  </m:ctrlPr>
+                                </m:sSubPr>
+                                <m:e>
+                                  <m:r>
+                                    <a:rPr lang="en-US" b="0" i="1" smtClean="0">
+                                      <a:latin typeface="Cambria Math" panose="02040503050406030204" pitchFamily="18" charset="0"/>
+                                    </a:rPr>
+                                    <m:t>𝑖</m:t>
+                                  </m:r>
+                                </m:e>
+                                <m:sub>
+                                  <m:r>
+                                    <a:rPr lang="en-US" b="0" i="1" smtClean="0">
+                                      <a:latin typeface="Cambria Math" panose="02040503050406030204" pitchFamily="18" charset="0"/>
+                                    </a:rPr>
+                                    <m:t>𝑡</m:t>
+                                  </m:r>
+                                </m:sub>
+                              </m:sSub>
+                              <m:r>
+                                <a:rPr lang="en-US" b="0" i="1" smtClean="0">
+                                  <a:latin typeface="Cambria Math" panose="02040503050406030204" pitchFamily="18" charset="0"/>
+                                </a:rPr>
+                                <m:t>∀</m:t>
+                              </m:r>
+                              <m:r>
+                                <a:rPr lang="en-US" b="0" i="1" smtClean="0">
+                                  <a:latin typeface="Cambria Math" panose="02040503050406030204" pitchFamily="18" charset="0"/>
+                                </a:rPr>
+                                <m:t>𝑡</m:t>
+                              </m:r>
+                            </m:lim>
+                          </m:limLow>
+                        </m:fName>
+                        <m:e>
+                          <m:r>
+                            <a:rPr lang="en-US" i="1">
+                              <a:latin typeface="Cambria Math" panose="02040503050406030204" pitchFamily="18" charset="0"/>
+                            </a:rPr>
+                            <m:t>𝐸</m:t>
+                          </m:r>
+                          <m:d>
+                            <m:dPr>
+                              <m:begChr m:val="["/>
+                              <m:endChr m:val="]"/>
+                              <m:ctrlPr>
+                                <a:rPr lang="en-US" i="1">
+                                  <a:latin typeface="Cambria Math" panose="02040503050406030204" pitchFamily="18" charset="0"/>
+                                </a:rPr>
+                              </m:ctrlPr>
+                            </m:dPr>
+                            <m:e>
+                              <m:nary>
+                                <m:naryPr>
+                                  <m:chr m:val="∑"/>
+                                  <m:ctrlPr>
+                                    <a:rPr lang="en-US" i="1">
+                                      <a:latin typeface="Cambria Math" panose="02040503050406030204" pitchFamily="18" charset="0"/>
+                                    </a:rPr>
+                                  </m:ctrlPr>
+                                </m:naryPr>
+                                <m:sub>
+                                  <m:r>
+                                    <m:rPr>
+                                      <m:brk m:alnAt="23"/>
+                                    </m:rPr>
+                                    <a:rPr lang="en-US" i="1">
+                                      <a:latin typeface="Cambria Math" panose="02040503050406030204" pitchFamily="18" charset="0"/>
+                                    </a:rPr>
+                                    <m:t>𝑡</m:t>
+                                  </m:r>
+                                  <m:r>
+                                    <a:rPr lang="en-US" i="1">
+                                      <a:latin typeface="Cambria Math" panose="02040503050406030204" pitchFamily="18" charset="0"/>
+                                    </a:rPr>
+                                    <m:t>=1</m:t>
+                                  </m:r>
+                                </m:sub>
+                                <m:sup>
+                                  <m:r>
+                                    <a:rPr lang="en-US" i="1">
+                                      <a:latin typeface="Cambria Math" panose="02040503050406030204" pitchFamily="18" charset="0"/>
+                                    </a:rPr>
+                                    <m:t>𝑇</m:t>
+                                  </m:r>
+                                </m:sup>
+                                <m:e>
+                                  <m:d>
+                                    <m:dPr>
+                                      <m:ctrlPr>
+                                        <a:rPr lang="en-US" b="0" i="1" smtClean="0">
+                                          <a:latin typeface="Cambria Math" panose="02040503050406030204" pitchFamily="18" charset="0"/>
+                                        </a:rPr>
+                                      </m:ctrlPr>
+                                    </m:dPr>
+                                    <m:e>
+                                      <m:sSup>
+                                        <m:sSupPr>
+                                          <m:ctrlPr>
+                                            <a:rPr lang="en-US" b="0" i="1" smtClean="0">
+                                              <a:latin typeface="Cambria Math" panose="02040503050406030204" pitchFamily="18" charset="0"/>
+                                            </a:rPr>
+                                          </m:ctrlPr>
+                                        </m:sSupPr>
+                                        <m:e>
+                                          <m:r>
+                                            <a:rPr lang="en-US" b="0" i="1" smtClean="0">
+                                              <a:latin typeface="Cambria Math" panose="02040503050406030204" pitchFamily="18" charset="0"/>
+                                            </a:rPr>
+                                            <m:t>𝑟</m:t>
+                                          </m:r>
+                                        </m:e>
+                                        <m:sup>
+                                          <m:r>
+                                            <a:rPr lang="en-US" b="0" i="1" smtClean="0">
+                                              <a:latin typeface="Cambria Math" panose="02040503050406030204" pitchFamily="18" charset="0"/>
+                                            </a:rPr>
+                                            <m:t>∗</m:t>
+                                          </m:r>
+                                        </m:sup>
+                                      </m:sSup>
+                                      <m:r>
+                                        <a:rPr lang="en-US" b="0" i="1" smtClean="0">
+                                          <a:latin typeface="Cambria Math" panose="02040503050406030204" pitchFamily="18" charset="0"/>
+                                        </a:rPr>
+                                        <m:t>−</m:t>
+                                      </m:r>
+                                      <m:r>
+                                        <a:rPr lang="en-US" i="1">
+                                          <a:latin typeface="Cambria Math" panose="02040503050406030204" pitchFamily="18" charset="0"/>
+                                        </a:rPr>
+                                        <m:t>𝑟</m:t>
+                                      </m:r>
+                                      <m:d>
+                                        <m:dPr>
+                                          <m:ctrlPr>
+                                            <a:rPr lang="en-US" i="1">
+                                              <a:latin typeface="Cambria Math" panose="02040503050406030204" pitchFamily="18" charset="0"/>
+                                            </a:rPr>
+                                          </m:ctrlPr>
+                                        </m:dPr>
+                                        <m:e>
+                                          <m:sSub>
+                                            <m:sSubPr>
+                                              <m:ctrlPr>
+                                                <a:rPr lang="en-US" i="1">
+                                                  <a:latin typeface="Cambria Math" panose="02040503050406030204" pitchFamily="18" charset="0"/>
+                                                </a:rPr>
+                                              </m:ctrlPr>
+                                            </m:sSubPr>
+                                            <m:e>
+                                              <m:r>
+                                                <a:rPr lang="en-US" i="1">
+                                                  <a:latin typeface="Cambria Math" panose="02040503050406030204" pitchFamily="18" charset="0"/>
+                                                </a:rPr>
+                                                <m:t>𝑖</m:t>
+                                              </m:r>
+                                            </m:e>
+                                            <m:sub>
+                                              <m:r>
+                                                <a:rPr lang="en-US" i="1">
+                                                  <a:latin typeface="Cambria Math" panose="02040503050406030204" pitchFamily="18" charset="0"/>
+                                                </a:rPr>
+                                                <m:t>𝑡</m:t>
+                                              </m:r>
+                                            </m:sub>
+                                          </m:sSub>
+                                        </m:e>
+                                      </m:d>
+                                    </m:e>
+                                  </m:d>
+                                </m:e>
+                              </m:nary>
+                            </m:e>
+                          </m:d>
+                        </m:e>
+                      </m:func>
+                    </m:oMath>
+                  </m:oMathPara>
+                </a14:m>
+                <a:endParaRPr lang="en-US" i="1" baseline="-25000" dirty="0"/>
+              </a:p>
+              <a:p>
+                <a:pPr marL="0" indent="0">
+                  <a:buNone/>
+                </a:pPr>
+                <a:endParaRPr lang="en-US" i="1" dirty="0"/>
+              </a:p>
+              <a:p>
+                <a:pPr marL="0" indent="0">
+                  <a:buNone/>
+                </a:pPr>
+                <a:endParaRPr lang="en-US" i="1" dirty="0"/>
+              </a:p>
+              <a:p>
+                <a:pPr marL="0" indent="0">
+                  <a:buNone/>
+                </a:pPr>
+                <a:endParaRPr lang="en-US" dirty="0"/>
+              </a:p>
+              <a:p>
+                <a:pPr marL="0" indent="0">
+                  <a:buNone/>
+                </a:pPr>
+                <a:endParaRPr lang="en-US" dirty="0"/>
+              </a:p>
+            </p:txBody>
+          </p:sp>
+        </mc:Choice>
+        <mc:Fallback xmlns="">
+          <p:sp>
+            <p:nvSpPr>
+              <p:cNvPr id="3" name="Content Placeholder 2">
+                <a:extLst>
+                  <a:ext uri="{FF2B5EF4-FFF2-40B4-BE49-F238E27FC236}">
+                    <a16:creationId xmlns:a16="http://schemas.microsoft.com/office/drawing/2014/main" id="{9F6CBB26-C0AA-437B-8460-76DFC3C75622}"/>
+                  </a:ext>
+                </a:extLst>
+              </p:cNvPr>
+              <p:cNvSpPr>
+                <a:spLocks noGrp="1" noRot="1" noChangeAspect="1" noMove="1" noResize="1" noEditPoints="1" noAdjustHandles="1" noChangeArrowheads="1" noChangeShapeType="1" noTextEdit="1"/>
+              </p:cNvSpPr>
+              <p:nvPr>
+                <p:ph idx="1"/>
+              </p:nvPr>
+            </p:nvSpPr>
+            <p:spPr>
+              <a:xfrm>
+                <a:off x="1390648" y="2286000"/>
+                <a:ext cx="10018879" cy="3581400"/>
+              </a:xfrm>
+              <a:blipFill>
+                <a:blip r:embed="rId2"/>
+                <a:stretch>
+                  <a:fillRect l="-547" t="-1361"/>
+                </a:stretch>
+              </a:blipFill>
+            </p:spPr>
+            <p:txBody>
+              <a:bodyPr/>
+              <a:lstStyle/>
+              <a:p>
+                <a:r>
+                  <a:rPr lang="en-US">
+                    <a:noFill/>
+                  </a:rPr>
+                  <a:t> </a:t>
+                </a:r>
+              </a:p>
+            </p:txBody>
+          </p:sp>
+        </mc:Fallback>
+      </mc:AlternateContent>
     </p:spTree>
     <p:extLst>
       <p:ext uri="{BB962C8B-B14F-4D97-AF65-F5344CB8AC3E}">
-        <p14:creationId xmlns:p14="http://schemas.microsoft.com/office/powerpoint/2010/main" val="765698839"/>
+        <p14:creationId xmlns:p14="http://schemas.microsoft.com/office/powerpoint/2010/main" val="2791274863"/>
       </p:ext>
     </p:extLst>
   </p:cSld>
@@ -5631,14 +9355,6 @@
 <file path=ppt/slides/slide5.xml><?xml version="1.0" encoding="utf-8"?>
 <p:sld xmlns:a="http://schemas.openxmlformats.org/drawingml/2006/main" xmlns:r="http://schemas.openxmlformats.org/officeDocument/2006/relationships" xmlns:p="http://schemas.openxmlformats.org/presentationml/2006/main">
   <p:cSld>
-    <p:bg>
-      <p:bgPr>
-        <a:solidFill>
-          <a:schemeClr val="bg2"/>
-        </a:solidFill>
-        <a:effectLst/>
-      </p:bgPr>
-    </p:bg>
     <p:spTree>
       <p:nvGrpSpPr>
         <p:cNvPr id="1" name=""/>
@@ -5658,7 +9374,7 @@
           <p:cNvPr id="2" name="Title 1">
             <a:extLst>
               <a:ext uri="{FF2B5EF4-FFF2-40B4-BE49-F238E27FC236}">
-                <a16:creationId xmlns:a16="http://schemas.microsoft.com/office/drawing/2014/main" id="{DF2DB6DA-F4EB-44B3-A44E-37584D163AB8}"/>
+                <a16:creationId xmlns:a16="http://schemas.microsoft.com/office/drawing/2014/main" id="{35AF5709-28E0-41E9-AA19-BEBFC0D15AB4}"/>
               </a:ext>
             </a:extLst>
           </p:cNvPr>
@@ -5669,21 +9385,14 @@
             <p:ph type="title"/>
           </p:nvPr>
         </p:nvSpPr>
-        <p:spPr>
-          <a:xfrm>
-            <a:off x="1390650" y="685800"/>
-            <a:ext cx="9886950" cy="1485900"/>
-          </a:xfrm>
-        </p:spPr>
-        <p:txBody>
-          <a:bodyPr>
-            <a:normAutofit/>
-          </a:bodyPr>
+        <p:spPr/>
+        <p:txBody>
+          <a:bodyPr/>
           <a:lstStyle/>
           <a:p>
             <a:r>
               <a:rPr lang="en-US" dirty="0"/>
-              <a:t>Objective </a:t>
+              <a:t>General MAB Summary</a:t>
             </a:r>
           </a:p>
         </p:txBody>
@@ -5693,7 +9402,7 @@
           <p:cNvPr id="3" name="Content Placeholder 2">
             <a:extLst>
               <a:ext uri="{FF2B5EF4-FFF2-40B4-BE49-F238E27FC236}">
-                <a16:creationId xmlns:a16="http://schemas.microsoft.com/office/drawing/2014/main" id="{9F6CBB26-C0AA-437B-8460-76DFC3C75622}"/>
+                <a16:creationId xmlns:a16="http://schemas.microsoft.com/office/drawing/2014/main" id="{87DDF89C-ED34-44A5-90B2-02D6518B6D81}"/>
               </a:ext>
             </a:extLst>
           </p:cNvPr>
@@ -5704,21 +9413,14 @@
             <p:ph idx="1"/>
           </p:nvPr>
         </p:nvSpPr>
-        <p:spPr>
-          <a:xfrm>
-            <a:off x="1390649" y="2286000"/>
-            <a:ext cx="6176776" cy="3581400"/>
-          </a:xfrm>
-        </p:spPr>
-        <p:txBody>
-          <a:bodyPr>
-            <a:normAutofit/>
-          </a:bodyPr>
+        <p:spPr/>
+        <p:txBody>
+          <a:bodyPr/>
           <a:lstStyle/>
           <a:p>
             <a:r>
               <a:rPr lang="en-US" dirty="0"/>
-              <a:t>Design an optimal strategy to maximize the expected value of rewards after T finite steps</a:t>
+              <a:t>To summarize, the MAB problem is a finite resource allocation problem where the objective is to maximize total returns. </a:t>
             </a:r>
           </a:p>
           <a:p>
@@ -5728,139 +9430,38 @@
             <a:endParaRPr lang="en-US" dirty="0"/>
           </a:p>
           <a:p>
+            <a:r>
+              <a:rPr lang="en-US" dirty="0"/>
+              <a:t>The return of each choice is unknown or only partially known beforehand</a:t>
+            </a:r>
+          </a:p>
+          <a:p>
             <a:endParaRPr lang="en-US" dirty="0"/>
           </a:p>
           <a:p>
+            <a:r>
+              <a:rPr lang="en-US" dirty="0"/>
+              <a:t>The agent accumulates knowledge about the bandit as it takes actions</a:t>
+            </a:r>
+          </a:p>
+          <a:p>
             <a:endParaRPr lang="en-US" dirty="0"/>
           </a:p>
           <a:p>
-            <a:r>
-              <a:rPr lang="en-US" dirty="0"/>
-              <a:t>Equivalently, minimize the expected regret function, where </a:t>
-            </a:r>
-            <a:r>
-              <a:rPr lang="en-US" i="1" dirty="0"/>
-              <a:t>r* </a:t>
-            </a:r>
-            <a:r>
-              <a:rPr lang="en-US" dirty="0"/>
-              <a:t>is maximum value of </a:t>
-            </a:r>
-            <a:r>
-              <a:rPr lang="en-US" i="1" dirty="0" err="1"/>
-              <a:t>r</a:t>
-            </a:r>
-            <a:r>
-              <a:rPr lang="en-US" i="1" baseline="-25000" dirty="0" err="1"/>
-              <a:t>i</a:t>
-            </a:r>
-            <a:endParaRPr lang="en-US" i="1" baseline="-25000" dirty="0"/>
-          </a:p>
-          <a:p>
-            <a:endParaRPr lang="en-US" i="1" baseline="-25000" dirty="0"/>
-          </a:p>
-          <a:p>
-            <a:pPr marL="0" indent="0">
-              <a:buNone/>
-            </a:pPr>
-            <a:endParaRPr lang="en-US" i="1" dirty="0"/>
-          </a:p>
-          <a:p>
-            <a:pPr marL="0" indent="0">
-              <a:buNone/>
-            </a:pPr>
-            <a:endParaRPr lang="en-US" i="1" dirty="0"/>
-          </a:p>
-          <a:p>
-            <a:pPr marL="0" indent="0">
-              <a:buNone/>
-            </a:pPr>
             <a:endParaRPr lang="en-US" dirty="0"/>
           </a:p>
           <a:p>
-            <a:pPr marL="0" indent="0">
-              <a:buNone/>
-            </a:pPr>
             <a:endParaRPr lang="en-US" dirty="0"/>
           </a:p>
-        </p:txBody>
-      </p:sp>
-      <p:pic>
-        <p:nvPicPr>
-          <p:cNvPr id="20" name="Picture 19" descr="A picture containing object&#10;&#10;Description generated with very high confidence">
-            <a:extLst>
-              <a:ext uri="{FF2B5EF4-FFF2-40B4-BE49-F238E27FC236}">
-                <a16:creationId xmlns:a16="http://schemas.microsoft.com/office/drawing/2014/main" id="{D811A61F-9197-44AD-A126-47D61C01AEF1}"/>
-              </a:ext>
-            </a:extLst>
-          </p:cNvPr>
-          <p:cNvPicPr>
-            <a:picLocks noChangeAspect="1"/>
-          </p:cNvPicPr>
-          <p:nvPr/>
-        </p:nvPicPr>
-        <p:blipFill>
-          <a:blip r:embed="rId2">
-            <a:extLst>
-              <a:ext uri="{28A0092B-C50C-407E-A947-70E740481C1C}">
-                <a14:useLocalDpi xmlns:a14="http://schemas.microsoft.com/office/drawing/2010/main" val="0"/>
-              </a:ext>
-            </a:extLst>
-          </a:blip>
-          <a:stretch>
-            <a:fillRect/>
-          </a:stretch>
-        </p:blipFill>
-        <p:spPr>
-          <a:xfrm>
-            <a:off x="7975600" y="2175235"/>
-            <a:ext cx="2733249" cy="1216281"/>
-          </a:xfrm>
-          <a:prstGeom prst="rect">
-            <a:avLst/>
-          </a:prstGeom>
-        </p:spPr>
-      </p:pic>
-      <p:pic>
-        <p:nvPicPr>
-          <p:cNvPr id="12" name="Picture 11" descr="A close up of a logo&#10;&#10;Description generated with very high confidence">
-            <a:extLst>
-              <a:ext uri="{FF2B5EF4-FFF2-40B4-BE49-F238E27FC236}">
-                <a16:creationId xmlns:a16="http://schemas.microsoft.com/office/drawing/2014/main" id="{0C34EAD8-C765-4B20-B688-4252350D73FB}"/>
-              </a:ext>
-            </a:extLst>
-          </p:cNvPr>
-          <p:cNvPicPr>
-            <a:picLocks noChangeAspect="1"/>
-          </p:cNvPicPr>
-          <p:nvPr/>
-        </p:nvPicPr>
-        <p:blipFill>
-          <a:blip r:embed="rId3">
-            <a:extLst>
-              <a:ext uri="{28A0092B-C50C-407E-A947-70E740481C1C}">
-                <a14:useLocalDpi xmlns:a14="http://schemas.microsoft.com/office/drawing/2010/main" val="0"/>
-              </a:ext>
-            </a:extLst>
-          </a:blip>
-          <a:stretch>
-            <a:fillRect/>
-          </a:stretch>
-        </p:blipFill>
-        <p:spPr>
-          <a:xfrm>
-            <a:off x="7975600" y="4247808"/>
-            <a:ext cx="3211495" cy="1059631"/>
-          </a:xfrm>
-          <a:prstGeom prst="rect">
-            <a:avLst/>
-          </a:prstGeom>
-        </p:spPr>
-      </p:pic>
+          <a:p>
+            <a:endParaRPr lang="en-US" dirty="0"/>
+          </a:p>
+        </p:txBody>
+      </p:sp>
     </p:spTree>
     <p:extLst>
       <p:ext uri="{BB962C8B-B14F-4D97-AF65-F5344CB8AC3E}">
-        <p14:creationId xmlns:p14="http://schemas.microsoft.com/office/powerpoint/2010/main" val="2791274863"/>
+        <p14:creationId xmlns:p14="http://schemas.microsoft.com/office/powerpoint/2010/main" val="2485927780"/>
       </p:ext>
     </p:extLst>
   </p:cSld>
@@ -5933,8 +9534,8 @@
         </p:nvSpPr>
         <p:spPr>
           <a:xfrm>
-            <a:off x="1371600" y="1984342"/>
-            <a:ext cx="9601200" cy="3690594"/>
+            <a:off x="1182254" y="2014825"/>
+            <a:ext cx="9979891" cy="3458094"/>
           </a:xfrm>
         </p:spPr>
         <p:txBody>
@@ -5945,7 +9546,7 @@
           <a:p>
             <a:r>
               <a:rPr lang="en-US" dirty="0"/>
-              <a:t>Financial investment – Given a fixed amount of cash flow, what is the optimal policy to maximize the returns over a period of time.</a:t>
+              <a:t>Financial investment</a:t>
             </a:r>
           </a:p>
           <a:p>
@@ -5954,7 +9555,7 @@
           <a:p>
             <a:r>
               <a:rPr lang="en-US" dirty="0"/>
-              <a:t>Clinical trials – Find the best possible treatment option from many other possible options while minimizing harmful effects for the patient.</a:t>
+              <a:t>Clinical trials</a:t>
             </a:r>
           </a:p>
           <a:p>
@@ -5963,11 +9564,8 @@
           <a:p>
             <a:r>
               <a:rPr lang="en-US" dirty="0"/>
-              <a:t>Add another example </a:t>
-            </a:r>
-          </a:p>
-          <a:p>
-            <a:endParaRPr lang="en-US" dirty="0"/>
+              <a:t>Digital advertisements</a:t>
+            </a:r>
           </a:p>
           <a:p>
             <a:endParaRPr lang="en-US" dirty="0"/>
@@ -6071,20 +9669,14 @@
             </a:r>
             <a:r>
               <a:rPr lang="en-US" dirty="0"/>
-              <a:t>more information about the rewards by pulling all the arms; gather more information to improve future decisions.</a:t>
-            </a:r>
-          </a:p>
-          <a:p>
-            <a:endParaRPr lang="en-US" dirty="0"/>
+              <a:t>more information about the rewards by pulling all the arms</a:t>
+            </a:r>
           </a:p>
           <a:p>
             <a:r>
               <a:rPr lang="en-US" dirty="0"/>
-              <a:t>Exploitation : Maximize the reward or minimize the regret by pulling the arms with greatest expected value; Make the best decision given the existing information.</a:t>
-            </a:r>
-          </a:p>
-          <a:p>
-            <a:endParaRPr lang="en-US" dirty="0"/>
+              <a:t>Exploitation : Maximize the reward or minimize the regret by pulling the arms with greatest expected value</a:t>
+            </a:r>
           </a:p>
           <a:p>
             <a:r>
@@ -6222,7 +9814,7 @@
           </p:nvPr>
         </p:nvPicPr>
         <p:blipFill>
-          <a:blip r:embed="rId2">
+          <a:blip r:embed="rId3">
             <a:extLst>
               <a:ext uri="{28A0092B-C50C-407E-A947-70E740481C1C}">
                 <a14:useLocalDpi xmlns:a14="http://schemas.microsoft.com/office/drawing/2010/main" val="0"/>
@@ -6279,7 +9871,7 @@
           <p:cNvPr id="2" name="Title 1">
             <a:extLst>
               <a:ext uri="{FF2B5EF4-FFF2-40B4-BE49-F238E27FC236}">
-                <a16:creationId xmlns:a16="http://schemas.microsoft.com/office/drawing/2014/main" id="{A5A9DE82-DE03-4384-B687-C11740D67A88}"/>
+                <a16:creationId xmlns:a16="http://schemas.microsoft.com/office/drawing/2014/main" id="{D2BDE79B-8E85-492D-876B-6E06B0283CB9}"/>
               </a:ext>
             </a:extLst>
           </p:cNvPr>
@@ -6290,19 +9882,14 @@
             <p:ph type="title"/>
           </p:nvPr>
         </p:nvSpPr>
-        <p:spPr>
-          <a:xfrm>
-            <a:off x="1371600" y="374715"/>
-            <a:ext cx="9601200" cy="1485900"/>
-          </a:xfrm>
-        </p:spPr>
+        <p:spPr/>
         <p:txBody>
           <a:bodyPr/>
           <a:lstStyle/>
           <a:p>
             <a:r>
               <a:rPr lang="en-US" dirty="0"/>
-              <a:t>Example Cont’d</a:t>
+              <a:t>MAB problem strategies</a:t>
             </a:r>
           </a:p>
         </p:txBody>
@@ -6312,7 +9899,7 @@
           <p:cNvPr id="3" name="Content Placeholder 2">
             <a:extLst>
               <a:ext uri="{FF2B5EF4-FFF2-40B4-BE49-F238E27FC236}">
-                <a16:creationId xmlns:a16="http://schemas.microsoft.com/office/drawing/2014/main" id="{A173B674-BE42-4E56-80CC-B14F2FD2F510}"/>
+                <a16:creationId xmlns:a16="http://schemas.microsoft.com/office/drawing/2014/main" id="{4AE623EB-D452-4AA5-B675-DB85E6D301F9}"/>
               </a:ext>
             </a:extLst>
           </p:cNvPr>
@@ -6323,31 +9910,92 @@
             <p:ph idx="1"/>
           </p:nvPr>
         </p:nvSpPr>
-        <p:spPr/>
+        <p:spPr>
+          <a:xfrm>
+            <a:off x="1295400" y="1992590"/>
+            <a:ext cx="9601200" cy="3581400"/>
+          </a:xfrm>
+        </p:spPr>
         <p:txBody>
           <a:bodyPr/>
           <a:lstStyle/>
           <a:p>
             <a:r>
               <a:rPr lang="en-US" dirty="0"/>
-              <a:t>Explore : Visit the new restaurant to learn about it. You may like the new place and hopefully visit it more often or regret your decision </a:t>
+              <a:t>No exploration : A naïve approach, often yields sub-optimal results</a:t>
+            </a:r>
+          </a:p>
+          <a:p>
+            <a:r>
+              <a:rPr lang="en-US" dirty="0"/>
+              <a:t>Exploration at random</a:t>
+            </a:r>
+          </a:p>
+          <a:p>
+            <a:r>
+              <a:rPr lang="en-US" dirty="0"/>
+              <a:t>Algorithmic exploration </a:t>
+            </a:r>
+          </a:p>
+          <a:p>
+            <a:pPr lvl="1"/>
+            <a:r>
+              <a:rPr lang="el-GR" dirty="0"/>
+              <a:t>ϵ</a:t>
+            </a:r>
+            <a:r>
+              <a:rPr lang="en-US" dirty="0"/>
+              <a:t> -Greedy Selection </a:t>
+            </a:r>
+          </a:p>
+          <a:p>
+            <a:pPr lvl="1"/>
+            <a:r>
+              <a:rPr lang="en-US" dirty="0"/>
+              <a:t>UCB arm selection </a:t>
+            </a:r>
+          </a:p>
+          <a:p>
+            <a:pPr lvl="1"/>
+            <a:r>
+              <a:rPr lang="en-US" dirty="0"/>
+              <a:t>Thompson sampling</a:t>
+            </a:r>
+          </a:p>
+          <a:p>
+            <a:pPr lvl="1"/>
+            <a:r>
+              <a:rPr lang="en-US" dirty="0"/>
+              <a:t>Etc. </a:t>
             </a:r>
           </a:p>
           <a:p>
             <a:endParaRPr lang="en-US" dirty="0"/>
           </a:p>
           <a:p>
-            <a:r>
-              <a:rPr lang="en-US" dirty="0"/>
-              <a:t>Exploit : Go to the usual favorite restaurant and “exploit” the utility or value associated with the decision. You may lose out on finding a better restaurant</a:t>
-            </a:r>
+            <a:endParaRPr lang="en-US" dirty="0"/>
+          </a:p>
+          <a:p>
+            <a:endParaRPr lang="en-US" dirty="0"/>
+          </a:p>
+          <a:p>
+            <a:pPr marL="0" indent="0">
+              <a:buNone/>
+            </a:pPr>
+            <a:endParaRPr lang="en-US" dirty="0"/>
+          </a:p>
+          <a:p>
+            <a:endParaRPr lang="en-US" dirty="0"/>
+          </a:p>
+          <a:p>
+            <a:endParaRPr lang="en-US" dirty="0"/>
           </a:p>
         </p:txBody>
       </p:sp>
     </p:spTree>
     <p:extLst>
       <p:ext uri="{BB962C8B-B14F-4D97-AF65-F5344CB8AC3E}">
-        <p14:creationId xmlns:p14="http://schemas.microsoft.com/office/powerpoint/2010/main" val="3910884128"/>
+        <p14:creationId xmlns:p14="http://schemas.microsoft.com/office/powerpoint/2010/main" val="3016005494"/>
       </p:ext>
     </p:extLst>
   </p:cSld>
@@ -6613,4 +10261,299 @@
     </a:ext>
   </a:extLst>
 </a:theme>
+</file>
+
+<file path=ppt/theme/theme2.xml><?xml version="1.0" encoding="utf-8"?>
+<a:theme xmlns:a="http://schemas.openxmlformats.org/drawingml/2006/main" name="Office Theme">
+  <a:themeElements>
+    <a:clrScheme name="Office">
+      <a:dk1>
+        <a:sysClr val="windowText" lastClr="000000"/>
+      </a:dk1>
+      <a:lt1>
+        <a:sysClr val="window" lastClr="FFFFFF"/>
+      </a:lt1>
+      <a:dk2>
+        <a:srgbClr val="44546A"/>
+      </a:dk2>
+      <a:lt2>
+        <a:srgbClr val="E7E6E6"/>
+      </a:lt2>
+      <a:accent1>
+        <a:srgbClr val="4472C4"/>
+      </a:accent1>
+      <a:accent2>
+        <a:srgbClr val="ED7D31"/>
+      </a:accent2>
+      <a:accent3>
+        <a:srgbClr val="A5A5A5"/>
+      </a:accent3>
+      <a:accent4>
+        <a:srgbClr val="FFC000"/>
+      </a:accent4>
+      <a:accent5>
+        <a:srgbClr val="5B9BD5"/>
+      </a:accent5>
+      <a:accent6>
+        <a:srgbClr val="70AD47"/>
+      </a:accent6>
+      <a:hlink>
+        <a:srgbClr val="0563C1"/>
+      </a:hlink>
+      <a:folHlink>
+        <a:srgbClr val="954F72"/>
+      </a:folHlink>
+    </a:clrScheme>
+    <a:fontScheme name="Office">
+      <a:majorFont>
+        <a:latin typeface="Calibri Light" panose="020F0302020204030204"/>
+        <a:ea typeface=""/>
+        <a:cs typeface=""/>
+        <a:font script="Jpan" typeface="游ゴシック Light"/>
+        <a:font script="Hang" typeface="맑은 고딕"/>
+        <a:font script="Hans" typeface="等线 Light"/>
+        <a:font script="Hant" typeface="新細明體"/>
+        <a:font script="Arab" typeface="Times New Roman"/>
+        <a:font script="Hebr" typeface="Times New Roman"/>
+        <a:font script="Thai" typeface="Angsana New"/>
+        <a:font script="Ethi" typeface="Nyala"/>
+        <a:font script="Beng" typeface="Vrinda"/>
+        <a:font script="Gujr" typeface="Shruti"/>
+        <a:font script="Khmr" typeface="MoolBoran"/>
+        <a:font script="Knda" typeface="Tunga"/>
+        <a:font script="Guru" typeface="Raavi"/>
+        <a:font script="Cans" typeface="Euphemia"/>
+        <a:font script="Cher" typeface="Plantagenet Cherokee"/>
+        <a:font script="Yiii" typeface="Microsoft Yi Baiti"/>
+        <a:font script="Tibt" typeface="Microsoft Himalaya"/>
+        <a:font script="Thaa" typeface="MV Boli"/>
+        <a:font script="Deva" typeface="Mangal"/>
+        <a:font script="Telu" typeface="Gautami"/>
+        <a:font script="Taml" typeface="Latha"/>
+        <a:font script="Syrc" typeface="Estrangelo Edessa"/>
+        <a:font script="Orya" typeface="Kalinga"/>
+        <a:font script="Mlym" typeface="Kartika"/>
+        <a:font script="Laoo" typeface="DokChampa"/>
+        <a:font script="Sinh" typeface="Iskoola Pota"/>
+        <a:font script="Mong" typeface="Mongolian Baiti"/>
+        <a:font script="Viet" typeface="Times New Roman"/>
+        <a:font script="Uigh" typeface="Microsoft Uighur"/>
+        <a:font script="Geor" typeface="Sylfaen"/>
+        <a:font script="Armn" typeface="Arial"/>
+        <a:font script="Bugi" typeface="Leelawadee UI"/>
+        <a:font script="Bopo" typeface="Microsoft JhengHei"/>
+        <a:font script="Java" typeface="Javanese Text"/>
+        <a:font script="Lisu" typeface="Segoe UI"/>
+        <a:font script="Mymr" typeface="Myanmar Text"/>
+        <a:font script="Nkoo" typeface="Ebrima"/>
+        <a:font script="Olck" typeface="Nirmala UI"/>
+        <a:font script="Osma" typeface="Ebrima"/>
+        <a:font script="Phag" typeface="Phagspa"/>
+        <a:font script="Syrn" typeface="Estrangelo Edessa"/>
+        <a:font script="Syrj" typeface="Estrangelo Edessa"/>
+        <a:font script="Syre" typeface="Estrangelo Edessa"/>
+        <a:font script="Sora" typeface="Nirmala UI"/>
+        <a:font script="Tale" typeface="Microsoft Tai Le"/>
+        <a:font script="Talu" typeface="Microsoft New Tai Lue"/>
+        <a:font script="Tfng" typeface="Ebrima"/>
+      </a:majorFont>
+      <a:minorFont>
+        <a:latin typeface="Calibri" panose="020F0502020204030204"/>
+        <a:ea typeface=""/>
+        <a:cs typeface=""/>
+        <a:font script="Jpan" typeface="游ゴシック"/>
+        <a:font script="Hang" typeface="맑은 고딕"/>
+        <a:font script="Hans" typeface="等线"/>
+        <a:font script="Hant" typeface="新細明體"/>
+        <a:font script="Arab" typeface="Arial"/>
+        <a:font script="Hebr" typeface="Arial"/>
+        <a:font script="Thai" typeface="Cordia New"/>
+        <a:font script="Ethi" typeface="Nyala"/>
+        <a:font script="Beng" typeface="Vrinda"/>
+        <a:font script="Gujr" typeface="Shruti"/>
+        <a:font script="Khmr" typeface="DaunPenh"/>
+        <a:font script="Knda" typeface="Tunga"/>
+        <a:font script="Guru" typeface="Raavi"/>
+        <a:font script="Cans" typeface="Euphemia"/>
+        <a:font script="Cher" typeface="Plantagenet Cherokee"/>
+        <a:font script="Yiii" typeface="Microsoft Yi Baiti"/>
+        <a:font script="Tibt" typeface="Microsoft Himalaya"/>
+        <a:font script="Thaa" typeface="MV Boli"/>
+        <a:font script="Deva" typeface="Mangal"/>
+        <a:font script="Telu" typeface="Gautami"/>
+        <a:font script="Taml" typeface="Latha"/>
+        <a:font script="Syrc" typeface="Estrangelo Edessa"/>
+        <a:font script="Orya" typeface="Kalinga"/>
+        <a:font script="Mlym" typeface="Kartika"/>
+        <a:font script="Laoo" typeface="DokChampa"/>
+        <a:font script="Sinh" typeface="Iskoola Pota"/>
+        <a:font script="Mong" typeface="Mongolian Baiti"/>
+        <a:font script="Viet" typeface="Arial"/>
+        <a:font script="Uigh" typeface="Microsoft Uighur"/>
+        <a:font script="Geor" typeface="Sylfaen"/>
+        <a:font script="Armn" typeface="Arial"/>
+        <a:font script="Bugi" typeface="Leelawadee UI"/>
+        <a:font script="Bopo" typeface="Microsoft JhengHei"/>
+        <a:font script="Java" typeface="Javanese Text"/>
+        <a:font script="Lisu" typeface="Segoe UI"/>
+        <a:font script="Mymr" typeface="Myanmar Text"/>
+        <a:font script="Nkoo" typeface="Ebrima"/>
+        <a:font script="Olck" typeface="Nirmala UI"/>
+        <a:font script="Osma" typeface="Ebrima"/>
+        <a:font script="Phag" typeface="Phagspa"/>
+        <a:font script="Syrn" typeface="Estrangelo Edessa"/>
+        <a:font script="Syrj" typeface="Estrangelo Edessa"/>
+        <a:font script="Syre" typeface="Estrangelo Edessa"/>
+        <a:font script="Sora" typeface="Nirmala UI"/>
+        <a:font script="Tale" typeface="Microsoft Tai Le"/>
+        <a:font script="Talu" typeface="Microsoft New Tai Lue"/>
+        <a:font script="Tfng" typeface="Ebrima"/>
+      </a:minorFont>
+    </a:fontScheme>
+    <a:fmtScheme name="Office">
+      <a:fillStyleLst>
+        <a:solidFill>
+          <a:schemeClr val="phClr"/>
+        </a:solidFill>
+        <a:gradFill rotWithShape="1">
+          <a:gsLst>
+            <a:gs pos="0">
+              <a:schemeClr val="phClr">
+                <a:lumMod val="110000"/>
+                <a:satMod val="105000"/>
+                <a:tint val="67000"/>
+              </a:schemeClr>
+            </a:gs>
+            <a:gs pos="50000">
+              <a:schemeClr val="phClr">
+                <a:lumMod val="105000"/>
+                <a:satMod val="103000"/>
+                <a:tint val="73000"/>
+              </a:schemeClr>
+            </a:gs>
+            <a:gs pos="100000">
+              <a:schemeClr val="phClr">
+                <a:lumMod val="105000"/>
+                <a:satMod val="109000"/>
+                <a:tint val="81000"/>
+              </a:schemeClr>
+            </a:gs>
+          </a:gsLst>
+          <a:lin ang="5400000" scaled="0"/>
+        </a:gradFill>
+        <a:gradFill rotWithShape="1">
+          <a:gsLst>
+            <a:gs pos="0">
+              <a:schemeClr val="phClr">
+                <a:satMod val="103000"/>
+                <a:lumMod val="102000"/>
+                <a:tint val="94000"/>
+              </a:schemeClr>
+            </a:gs>
+            <a:gs pos="50000">
+              <a:schemeClr val="phClr">
+                <a:satMod val="110000"/>
+                <a:lumMod val="100000"/>
+                <a:shade val="100000"/>
+              </a:schemeClr>
+            </a:gs>
+            <a:gs pos="100000">
+              <a:schemeClr val="phClr">
+                <a:lumMod val="99000"/>
+                <a:satMod val="120000"/>
+                <a:shade val="78000"/>
+              </a:schemeClr>
+            </a:gs>
+          </a:gsLst>
+          <a:lin ang="5400000" scaled="0"/>
+        </a:gradFill>
+      </a:fillStyleLst>
+      <a:lnStyleLst>
+        <a:ln w="6350" cap="flat" cmpd="sng" algn="ctr">
+          <a:solidFill>
+            <a:schemeClr val="phClr"/>
+          </a:solidFill>
+          <a:prstDash val="solid"/>
+          <a:miter lim="800000"/>
+        </a:ln>
+        <a:ln w="12700" cap="flat" cmpd="sng" algn="ctr">
+          <a:solidFill>
+            <a:schemeClr val="phClr"/>
+          </a:solidFill>
+          <a:prstDash val="solid"/>
+          <a:miter lim="800000"/>
+        </a:ln>
+        <a:ln w="19050" cap="flat" cmpd="sng" algn="ctr">
+          <a:solidFill>
+            <a:schemeClr val="phClr"/>
+          </a:solidFill>
+          <a:prstDash val="solid"/>
+          <a:miter lim="800000"/>
+        </a:ln>
+      </a:lnStyleLst>
+      <a:effectStyleLst>
+        <a:effectStyle>
+          <a:effectLst/>
+        </a:effectStyle>
+        <a:effectStyle>
+          <a:effectLst/>
+        </a:effectStyle>
+        <a:effectStyle>
+          <a:effectLst>
+            <a:outerShdw blurRad="57150" dist="19050" dir="5400000" algn="ctr" rotWithShape="0">
+              <a:srgbClr val="000000">
+                <a:alpha val="63000"/>
+              </a:srgbClr>
+            </a:outerShdw>
+          </a:effectLst>
+        </a:effectStyle>
+      </a:effectStyleLst>
+      <a:bgFillStyleLst>
+        <a:solidFill>
+          <a:schemeClr val="phClr"/>
+        </a:solidFill>
+        <a:solidFill>
+          <a:schemeClr val="phClr">
+            <a:tint val="95000"/>
+            <a:satMod val="170000"/>
+          </a:schemeClr>
+        </a:solidFill>
+        <a:gradFill rotWithShape="1">
+          <a:gsLst>
+            <a:gs pos="0">
+              <a:schemeClr val="phClr">
+                <a:tint val="93000"/>
+                <a:satMod val="150000"/>
+                <a:shade val="98000"/>
+                <a:lumMod val="102000"/>
+              </a:schemeClr>
+            </a:gs>
+            <a:gs pos="50000">
+              <a:schemeClr val="phClr">
+                <a:tint val="98000"/>
+                <a:satMod val="130000"/>
+                <a:shade val="90000"/>
+                <a:lumMod val="103000"/>
+              </a:schemeClr>
+            </a:gs>
+            <a:gs pos="100000">
+              <a:schemeClr val="phClr">
+                <a:shade val="63000"/>
+                <a:satMod val="120000"/>
+              </a:schemeClr>
+            </a:gs>
+          </a:gsLst>
+          <a:lin ang="5400000" scaled="0"/>
+        </a:gradFill>
+      </a:bgFillStyleLst>
+    </a:fmtScheme>
+  </a:themeElements>
+  <a:objectDefaults/>
+  <a:extraClrSchemeLst/>
+  <a:extLst>
+    <a:ext uri="{05A4C25C-085E-4340-85A3-A5531E510DB2}">
+      <thm15:themeFamily xmlns:thm15="http://schemas.microsoft.com/office/thememl/2012/main" name="Office Theme" id="{62F939B6-93AF-4DB8-9C6B-D6C7DFDC589F}" vid="{4A3C46E8-61CC-4603-A589-7422A47A8E4A}"/>
+    </a:ext>
+  </a:extLst>
+</a:theme>
 </file>
--- a/Students/siddharthajit/Tutorial Presentation/Thompson Sampling.pptx
+++ b/Students/siddharthajit/Tutorial Presentation/Thompson Sampling.pptx
@@ -5,26 +5,25 @@
     <p:sldMasterId id="2147483660" r:id="rId1"/>
   </p:sldMasterIdLst>
   <p:notesMasterIdLst>
-    <p:notesMasterId r:id="rId19"/>
+    <p:notesMasterId r:id="rId18"/>
   </p:notesMasterIdLst>
   <p:sldIdLst>
     <p:sldId id="256" r:id="rId2"/>
     <p:sldId id="257" r:id="rId3"/>
     <p:sldId id="267" r:id="rId4"/>
     <p:sldId id="268" r:id="rId5"/>
-    <p:sldId id="274" r:id="rId6"/>
-    <p:sldId id="270" r:id="rId7"/>
-    <p:sldId id="269" r:id="rId8"/>
-    <p:sldId id="272" r:id="rId9"/>
-    <p:sldId id="277" r:id="rId10"/>
-    <p:sldId id="276" r:id="rId11"/>
-    <p:sldId id="278" r:id="rId12"/>
-    <p:sldId id="261" r:id="rId13"/>
-    <p:sldId id="262" r:id="rId14"/>
-    <p:sldId id="263" r:id="rId15"/>
-    <p:sldId id="264" r:id="rId16"/>
-    <p:sldId id="279" r:id="rId17"/>
-    <p:sldId id="265" r:id="rId18"/>
+    <p:sldId id="270" r:id="rId6"/>
+    <p:sldId id="269" r:id="rId7"/>
+    <p:sldId id="272" r:id="rId8"/>
+    <p:sldId id="277" r:id="rId9"/>
+    <p:sldId id="276" r:id="rId10"/>
+    <p:sldId id="278" r:id="rId11"/>
+    <p:sldId id="261" r:id="rId12"/>
+    <p:sldId id="262" r:id="rId13"/>
+    <p:sldId id="263" r:id="rId14"/>
+    <p:sldId id="264" r:id="rId15"/>
+    <p:sldId id="279" r:id="rId16"/>
+    <p:sldId id="265" r:id="rId17"/>
   </p:sldIdLst>
   <p:sldSz cx="12192000" cy="6858000"/>
   <p:notesSz cx="6858000" cy="9144000"/>
@@ -213,7 +212,7 @@
           <a:p>
             <a:fld id="{DFA2E011-1CC6-4026-98C1-990352C279EE}" type="datetimeFigureOut">
               <a:rPr lang="en-US" smtClean="0"/>
-              <a:t>10/8/2018</a:t>
+              <a:t>10/9/2018</a:t>
             </a:fld>
             <a:endParaRPr lang="en-US"/>
           </a:p>
@@ -524,39 +523,8 @@
           <a:bodyPr/>
           <a:lstStyle/>
           <a:p>
-            <a:r>
-              <a:rPr lang="en-US" dirty="0"/>
-              <a:t>The random reward for a given arm each round is</a:t>
-            </a:r>
-            <a:r>
-              <a:rPr lang="en-US" i="1" dirty="0"/>
-              <a:t> </a:t>
-            </a:r>
-            <a:r>
-              <a:rPr lang="en-US" i="1" dirty="0" err="1"/>
-              <a:t>i.i.d</a:t>
-            </a:r>
-            <a:r>
-              <a:rPr lang="en-US" i="1" dirty="0"/>
-              <a:t> </a:t>
-            </a:r>
-            <a:r>
-              <a:rPr lang="en-US" dirty="0"/>
-              <a:t>and does not depend on the rewards of the other arms.</a:t>
-            </a:r>
-          </a:p>
-          <a:p>
             <a:endParaRPr lang="en-US" dirty="0"/>
           </a:p>
-          <a:p>
-            <a:r>
-              <a:rPr lang="en-US" dirty="0"/>
-              <a:t>The reward value is observed as soon as the arm is played</a:t>
-            </a:r>
-          </a:p>
-          <a:p>
-            <a:endParaRPr lang="en-US" dirty="0"/>
-          </a:p>
         </p:txBody>
       </p:sp>
       <p:sp>
@@ -566,7 +534,7 @@
             <a:spLocks noGrp="1"/>
           </p:cNvSpPr>
           <p:nvPr>
-            <p:ph type="sldNum" sz="quarter" idx="10"/>
+            <p:ph type="sldNum" sz="quarter" idx="5"/>
           </p:nvPr>
         </p:nvSpPr>
         <p:spPr/>
@@ -576,7 +544,7 @@
           <a:p>
             <a:fld id="{B42D21C2-7EE8-499C-AB19-BD0BEFDA3A32}" type="slidenum">
               <a:rPr lang="en-US" smtClean="0"/>
-              <a:t>3</a:t>
+              <a:t>1</a:t>
             </a:fld>
             <a:endParaRPr lang="en-US"/>
           </a:p>
@@ -585,7 +553,7 @@
     </p:spTree>
     <p:extLst>
       <p:ext uri="{BB962C8B-B14F-4D97-AF65-F5344CB8AC3E}">
-        <p14:creationId xmlns:p14="http://schemas.microsoft.com/office/powerpoint/2010/main" val="3985526320"/>
+        <p14:creationId xmlns:p14="http://schemas.microsoft.com/office/powerpoint/2010/main" val="92528487"/>
       </p:ext>
     </p:extLst>
   </p:cSld>
@@ -639,56 +607,38 @@
           <a:bodyPr/>
           <a:lstStyle/>
           <a:p>
-            <a:pPr marL="0" marR="0" lvl="0" indent="0" algn="l" defTabSz="914400" rtl="0" eaLnBrk="1" fontAlgn="auto" latinLnBrk="0" hangingPunct="1">
-              <a:lnSpc>
-                <a:spcPct val="100000"/>
-              </a:lnSpc>
-              <a:spcBef>
-                <a:spcPts val="0"/>
-              </a:spcBef>
-              <a:spcAft>
-                <a:spcPts val="0"/>
-              </a:spcAft>
-              <a:buClrTx/>
-              <a:buSzTx/>
-              <a:buFontTx/>
-              <a:buNone/>
-              <a:tabLst/>
-              <a:defRPr/>
-            </a:pPr>
             <a:r>
               <a:rPr lang="en-US" dirty="0"/>
-              <a:t>– Given a fixed amount of cash flow, what is the optimal policy to maximize the returns over a period of time.</a:t>
-            </a:r>
-          </a:p>
-          <a:p>
-            <a:pPr marL="0" marR="0" lvl="0" indent="0" algn="l" defTabSz="914400" rtl="0" eaLnBrk="1" fontAlgn="auto" latinLnBrk="0" hangingPunct="1">
-              <a:lnSpc>
-                <a:spcPct val="100000"/>
-              </a:lnSpc>
-              <a:spcBef>
-                <a:spcPts val="0"/>
-              </a:spcBef>
-              <a:spcAft>
-                <a:spcPts val="0"/>
-              </a:spcAft>
-              <a:buClrTx/>
-              <a:buSzTx/>
-              <a:buFontTx/>
-              <a:buNone/>
-              <a:tabLst/>
-              <a:defRPr/>
-            </a:pPr>
+              <a:t>The random reward for a given arm each round is</a:t>
+            </a:r>
+            <a:r>
+              <a:rPr lang="en-US" i="1" dirty="0"/>
+              <a:t> </a:t>
+            </a:r>
+            <a:r>
+              <a:rPr lang="en-US" i="1" dirty="0" err="1"/>
+              <a:t>i.i.d</a:t>
+            </a:r>
+            <a:r>
+              <a:rPr lang="en-US" i="1" dirty="0"/>
+              <a:t> </a:t>
+            </a:r>
             <a:r>
               <a:rPr lang="en-US" dirty="0"/>
-              <a:t>– Find the best possible treatment option from many other possible options while minimizing harmful effects for the patient.</a:t>
-            </a:r>
+              <a:t>and does not depend on the rewards of the other arms.</a:t>
+            </a:r>
+          </a:p>
+          <a:p>
+            <a:endParaRPr lang="en-US" dirty="0"/>
           </a:p>
           <a:p>
             <a:r>
               <a:rPr lang="en-US" dirty="0"/>
-              <a:t>– Choose the advertisement which gets the most clicks given your website traffic</a:t>
-            </a:r>
+              <a:t>The reward value is observed as soon as the arm is played</a:t>
+            </a:r>
+          </a:p>
+          <a:p>
+            <a:endParaRPr lang="en-US" dirty="0"/>
           </a:p>
         </p:txBody>
       </p:sp>
@@ -699,7 +649,7 @@
             <a:spLocks noGrp="1"/>
           </p:cNvSpPr>
           <p:nvPr>
-            <p:ph type="sldNum" sz="quarter" idx="5"/>
+            <p:ph type="sldNum" sz="quarter" idx="10"/>
           </p:nvPr>
         </p:nvSpPr>
         <p:spPr/>
@@ -709,7 +659,7 @@
           <a:p>
             <a:fld id="{B42D21C2-7EE8-499C-AB19-BD0BEFDA3A32}" type="slidenum">
               <a:rPr lang="en-US" smtClean="0"/>
-              <a:t>6</a:t>
+              <a:t>3</a:t>
             </a:fld>
             <a:endParaRPr lang="en-US"/>
           </a:p>
@@ -718,7 +668,7 @@
     </p:spTree>
     <p:extLst>
       <p:ext uri="{BB962C8B-B14F-4D97-AF65-F5344CB8AC3E}">
-        <p14:creationId xmlns:p14="http://schemas.microsoft.com/office/powerpoint/2010/main" val="2469815044"/>
+        <p14:creationId xmlns:p14="http://schemas.microsoft.com/office/powerpoint/2010/main" val="3985526320"/>
       </p:ext>
     </p:extLst>
   </p:cSld>
@@ -791,11 +741,8 @@
             </a:pPr>
             <a:r>
               <a:rPr lang="en-US" dirty="0"/>
-              <a:t>; gather more information to improve future decisions.</a:t>
-            </a:r>
-          </a:p>
-          <a:p>
-            <a:endParaRPr lang="en-US" dirty="0"/>
+              <a:t>– Given a fixed amount of cash flow, what is the optimal policy to maximize the returns over a period of time.</a:t>
+            </a:r>
           </a:p>
           <a:p>
             <a:pPr marL="0" marR="0" lvl="0" indent="0" algn="l" defTabSz="914400" rtl="0" eaLnBrk="1" fontAlgn="auto" latinLnBrk="0" hangingPunct="1">
@@ -817,11 +764,14 @@
             </a:pPr>
             <a:r>
               <a:rPr lang="en-US" dirty="0"/>
-              <a:t>; Make the best decision given the existing information.</a:t>
-            </a:r>
-          </a:p>
-          <a:p>
-            <a:endParaRPr lang="en-US" dirty="0"/>
+              <a:t>– Find the best possible treatment option from many other possible options while minimizing harmful effects for the patient.</a:t>
+            </a:r>
+          </a:p>
+          <a:p>
+            <a:r>
+              <a:rPr lang="en-US" dirty="0"/>
+              <a:t>– Choose the advertisement which gets the most clicks given your website traffic</a:t>
+            </a:r>
           </a:p>
         </p:txBody>
       </p:sp>
@@ -832,7 +782,7 @@
             <a:spLocks noGrp="1"/>
           </p:cNvSpPr>
           <p:nvPr>
-            <p:ph type="sldNum" sz="quarter" idx="10"/>
+            <p:ph type="sldNum" sz="quarter" idx="5"/>
           </p:nvPr>
         </p:nvSpPr>
         <p:spPr/>
@@ -842,7 +792,7 @@
           <a:p>
             <a:fld id="{B42D21C2-7EE8-499C-AB19-BD0BEFDA3A32}" type="slidenum">
               <a:rPr lang="en-US" smtClean="0"/>
-              <a:t>7</a:t>
+              <a:t>5</a:t>
             </a:fld>
             <a:endParaRPr lang="en-US"/>
           </a:p>
@@ -851,7 +801,7 @@
     </p:spTree>
     <p:extLst>
       <p:ext uri="{BB962C8B-B14F-4D97-AF65-F5344CB8AC3E}">
-        <p14:creationId xmlns:p14="http://schemas.microsoft.com/office/powerpoint/2010/main" val="3119427610"/>
+        <p14:creationId xmlns:p14="http://schemas.microsoft.com/office/powerpoint/2010/main" val="2469815044"/>
       </p:ext>
     </p:extLst>
   </p:cSld>
@@ -905,18 +855,52 @@
           <a:bodyPr/>
           <a:lstStyle/>
           <a:p>
+            <a:pPr marL="0" marR="0" lvl="0" indent="0" algn="l" defTabSz="914400" rtl="0" eaLnBrk="1" fontAlgn="auto" latinLnBrk="0" hangingPunct="1">
+              <a:lnSpc>
+                <a:spcPct val="100000"/>
+              </a:lnSpc>
+              <a:spcBef>
+                <a:spcPts val="0"/>
+              </a:spcBef>
+              <a:spcAft>
+                <a:spcPts val="0"/>
+              </a:spcAft>
+              <a:buClrTx/>
+              <a:buSzTx/>
+              <a:buFontTx/>
+              <a:buNone/>
+              <a:tabLst/>
+              <a:defRPr/>
+            </a:pPr>
             <a:r>
               <a:rPr lang="en-US" dirty="0"/>
-              <a:t>Explore : Visit the new restaurant to learn about it. You may like the new place and hopefully visit it more often or regret your decision </a:t>
+              <a:t>; gather more information to improve future decisions.</a:t>
             </a:r>
           </a:p>
           <a:p>
             <a:endParaRPr lang="en-US" dirty="0"/>
           </a:p>
           <a:p>
+            <a:pPr marL="0" marR="0" lvl="0" indent="0" algn="l" defTabSz="914400" rtl="0" eaLnBrk="1" fontAlgn="auto" latinLnBrk="0" hangingPunct="1">
+              <a:lnSpc>
+                <a:spcPct val="100000"/>
+              </a:lnSpc>
+              <a:spcBef>
+                <a:spcPts val="0"/>
+              </a:spcBef>
+              <a:spcAft>
+                <a:spcPts val="0"/>
+              </a:spcAft>
+              <a:buClrTx/>
+              <a:buSzTx/>
+              <a:buFontTx/>
+              <a:buNone/>
+              <a:tabLst/>
+              <a:defRPr/>
+            </a:pPr>
             <a:r>
               <a:rPr lang="en-US" dirty="0"/>
-              <a:t>Exploit : Go to the usual favorite restaurant and “exploit” the utility or value associated with the decision. You may lose out on finding a better restaurant</a:t>
+              <a:t>; Make the best decision given the existing information.</a:t>
             </a:r>
           </a:p>
           <a:p>
@@ -931,7 +915,7 @@
             <a:spLocks noGrp="1"/>
           </p:cNvSpPr>
           <p:nvPr>
-            <p:ph type="sldNum" sz="quarter" idx="5"/>
+            <p:ph type="sldNum" sz="quarter" idx="10"/>
           </p:nvPr>
         </p:nvSpPr>
         <p:spPr/>
@@ -941,7 +925,7 @@
           <a:p>
             <a:fld id="{B42D21C2-7EE8-499C-AB19-BD0BEFDA3A32}" type="slidenum">
               <a:rPr lang="en-US" smtClean="0"/>
-              <a:t>8</a:t>
+              <a:t>6</a:t>
             </a:fld>
             <a:endParaRPr lang="en-US"/>
           </a:p>
@@ -950,7 +934,7 @@
     </p:spTree>
     <p:extLst>
       <p:ext uri="{BB962C8B-B14F-4D97-AF65-F5344CB8AC3E}">
-        <p14:creationId xmlns:p14="http://schemas.microsoft.com/office/powerpoint/2010/main" val="4158521714"/>
+        <p14:creationId xmlns:p14="http://schemas.microsoft.com/office/powerpoint/2010/main" val="3119427610"/>
       </p:ext>
     </p:extLst>
   </p:cSld>
@@ -1004,6 +988,105 @@
           <a:bodyPr/>
           <a:lstStyle/>
           <a:p>
+            <a:r>
+              <a:rPr lang="en-US" dirty="0"/>
+              <a:t>Explore : Visit the new restaurant to learn about it. You may like the new place and hopefully visit it more often or regret your decision </a:t>
+            </a:r>
+          </a:p>
+          <a:p>
+            <a:endParaRPr lang="en-US" dirty="0"/>
+          </a:p>
+          <a:p>
+            <a:r>
+              <a:rPr lang="en-US" dirty="0"/>
+              <a:t>Exploit : Go to the usual favorite restaurant and “exploit” the utility or value associated with the decision. You may lose out on finding a better restaurant</a:t>
+            </a:r>
+          </a:p>
+          <a:p>
+            <a:endParaRPr lang="en-US" dirty="0"/>
+          </a:p>
+        </p:txBody>
+      </p:sp>
+      <p:sp>
+        <p:nvSpPr>
+          <p:cNvPr id="4" name="Slide Number Placeholder 3"/>
+          <p:cNvSpPr>
+            <a:spLocks noGrp="1"/>
+          </p:cNvSpPr>
+          <p:nvPr>
+            <p:ph type="sldNum" sz="quarter" idx="5"/>
+          </p:nvPr>
+        </p:nvSpPr>
+        <p:spPr/>
+        <p:txBody>
+          <a:bodyPr/>
+          <a:lstStyle/>
+          <a:p>
+            <a:fld id="{B42D21C2-7EE8-499C-AB19-BD0BEFDA3A32}" type="slidenum">
+              <a:rPr lang="en-US" smtClean="0"/>
+              <a:t>7</a:t>
+            </a:fld>
+            <a:endParaRPr lang="en-US"/>
+          </a:p>
+        </p:txBody>
+      </p:sp>
+    </p:spTree>
+    <p:extLst>
+      <p:ext uri="{BB962C8B-B14F-4D97-AF65-F5344CB8AC3E}">
+        <p14:creationId xmlns:p14="http://schemas.microsoft.com/office/powerpoint/2010/main" val="4158521714"/>
+      </p:ext>
+    </p:extLst>
+  </p:cSld>
+  <p:clrMapOvr>
+    <a:masterClrMapping/>
+  </p:clrMapOvr>
+</p:notes>
+</file>
+
+<file path=ppt/notesSlides/notesSlide6.xml><?xml version="1.0" encoding="utf-8"?>
+<p:notes xmlns:a="http://schemas.openxmlformats.org/drawingml/2006/main" xmlns:r="http://schemas.openxmlformats.org/officeDocument/2006/relationships" xmlns:p="http://schemas.openxmlformats.org/presentationml/2006/main">
+  <p:cSld>
+    <p:spTree>
+      <p:nvGrpSpPr>
+        <p:cNvPr id="1" name=""/>
+        <p:cNvGrpSpPr/>
+        <p:nvPr/>
+      </p:nvGrpSpPr>
+      <p:grpSpPr>
+        <a:xfrm>
+          <a:off x="0" y="0"/>
+          <a:ext cx="0" cy="0"/>
+          <a:chOff x="0" y="0"/>
+          <a:chExt cx="0" cy="0"/>
+        </a:xfrm>
+      </p:grpSpPr>
+      <p:sp>
+        <p:nvSpPr>
+          <p:cNvPr id="2" name="Slide Image Placeholder 1"/>
+          <p:cNvSpPr>
+            <a:spLocks noGrp="1" noRot="1" noChangeAspect="1"/>
+          </p:cNvSpPr>
+          <p:nvPr>
+            <p:ph type="sldImg"/>
+          </p:nvPr>
+        </p:nvSpPr>
+        <p:spPr/>
+      </p:sp>
+      <p:sp>
+        <p:nvSpPr>
+          <p:cNvPr id="3" name="Notes Placeholder 2"/>
+          <p:cNvSpPr>
+            <a:spLocks noGrp="1"/>
+          </p:cNvSpPr>
+          <p:nvPr>
+            <p:ph type="body" idx="1"/>
+          </p:nvPr>
+        </p:nvSpPr>
+        <p:spPr/>
+        <p:txBody>
+          <a:bodyPr/>
+          <a:lstStyle/>
+          <a:p>
             <a:pPr marL="0" marR="0" lvl="0" indent="0" algn="l" defTabSz="914400" rtl="0" eaLnBrk="1" fontAlgn="auto" latinLnBrk="0" hangingPunct="1">
               <a:lnSpc>
                 <a:spcPct val="100000"/>
@@ -1048,7 +1131,7 @@
           <a:p>
             <a:fld id="{B42D21C2-7EE8-499C-AB19-BD0BEFDA3A32}" type="slidenum">
               <a:rPr lang="en-US" smtClean="0"/>
-              <a:t>11</a:t>
+              <a:t>10</a:t>
             </a:fld>
             <a:endParaRPr lang="en-US"/>
           </a:p>
@@ -1236,7 +1319,7 @@
           <a:p>
             <a:fld id="{DBB57204-2EC6-4463-8E57-8B3F6CD6356C}" type="datetimeFigureOut">
               <a:rPr lang="en-US" smtClean="0"/>
-              <a:t>10/8/2018</a:t>
+              <a:t>10/9/2018</a:t>
             </a:fld>
             <a:endParaRPr lang="en-US"/>
           </a:p>
@@ -1566,7 +1649,7 @@
           <a:p>
             <a:fld id="{DBB57204-2EC6-4463-8E57-8B3F6CD6356C}" type="datetimeFigureOut">
               <a:rPr lang="en-US" smtClean="0"/>
-              <a:t>10/8/2018</a:t>
+              <a:t>10/9/2018</a:t>
             </a:fld>
             <a:endParaRPr lang="en-US"/>
           </a:p>
@@ -1746,7 +1829,7 @@
           <a:p>
             <a:fld id="{DBB57204-2EC6-4463-8E57-8B3F6CD6356C}" type="datetimeFigureOut">
               <a:rPr lang="en-US" smtClean="0"/>
-              <a:t>10/8/2018</a:t>
+              <a:t>10/9/2018</a:t>
             </a:fld>
             <a:endParaRPr lang="en-US"/>
           </a:p>
@@ -1916,7 +1999,7 @@
           <a:p>
             <a:fld id="{DBB57204-2EC6-4463-8E57-8B3F6CD6356C}" type="datetimeFigureOut">
               <a:rPr lang="en-US" smtClean="0"/>
-              <a:t>10/8/2018</a:t>
+              <a:t>10/9/2018</a:t>
             </a:fld>
             <a:endParaRPr lang="en-US"/>
           </a:p>
@@ -2193,7 +2276,7 @@
           <a:p>
             <a:fld id="{DBB57204-2EC6-4463-8E57-8B3F6CD6356C}" type="datetimeFigureOut">
               <a:rPr lang="en-US" smtClean="0"/>
-              <a:t>10/8/2018</a:t>
+              <a:t>10/9/2018</a:t>
             </a:fld>
             <a:endParaRPr lang="en-US"/>
           </a:p>
@@ -2587,7 +2670,7 @@
           <a:p>
             <a:fld id="{DBB57204-2EC6-4463-8E57-8B3F6CD6356C}" type="datetimeFigureOut">
               <a:rPr lang="en-US" smtClean="0"/>
-              <a:t>10/8/2018</a:t>
+              <a:t>10/9/2018</a:t>
             </a:fld>
             <a:endParaRPr lang="en-US"/>
           </a:p>
@@ -3064,7 +3147,7 @@
           <a:p>
             <a:fld id="{DBB57204-2EC6-4463-8E57-8B3F6CD6356C}" type="datetimeFigureOut">
               <a:rPr lang="en-US" smtClean="0"/>
-              <a:t>10/8/2018</a:t>
+              <a:t>10/9/2018</a:t>
             </a:fld>
             <a:endParaRPr lang="en-US"/>
           </a:p>
@@ -3182,7 +3265,7 @@
           <a:p>
             <a:fld id="{DBB57204-2EC6-4463-8E57-8B3F6CD6356C}" type="datetimeFigureOut">
               <a:rPr lang="en-US" smtClean="0"/>
-              <a:t>10/8/2018</a:t>
+              <a:t>10/9/2018</a:t>
             </a:fld>
             <a:endParaRPr lang="en-US"/>
           </a:p>
@@ -3277,7 +3360,7 @@
           <a:p>
             <a:fld id="{DBB57204-2EC6-4463-8E57-8B3F6CD6356C}" type="datetimeFigureOut">
               <a:rPr lang="en-US" smtClean="0"/>
-              <a:t>10/8/2018</a:t>
+              <a:t>10/9/2018</a:t>
             </a:fld>
             <a:endParaRPr lang="en-US"/>
           </a:p>
@@ -3623,7 +3706,7 @@
           <a:p>
             <a:fld id="{DBB57204-2EC6-4463-8E57-8B3F6CD6356C}" type="datetimeFigureOut">
               <a:rPr lang="en-US" smtClean="0"/>
-              <a:t>10/8/2018</a:t>
+              <a:t>10/9/2018</a:t>
             </a:fld>
             <a:endParaRPr lang="en-US"/>
           </a:p>
@@ -4011,7 +4094,7 @@
           <a:p>
             <a:fld id="{DBB57204-2EC6-4463-8E57-8B3F6CD6356C}" type="datetimeFigureOut">
               <a:rPr lang="en-US" smtClean="0"/>
-              <a:t>10/8/2018</a:t>
+              <a:t>10/9/2018</a:t>
             </a:fld>
             <a:endParaRPr lang="en-US"/>
           </a:p>
@@ -4289,7 +4372,7 @@
           <a:p>
             <a:fld id="{DBB57204-2EC6-4463-8E57-8B3F6CD6356C}" type="datetimeFigureOut">
               <a:rPr lang="en-US" smtClean="0"/>
-              <a:t>10/8/2018</a:t>
+              <a:t>10/9/2018</a:t>
             </a:fld>
             <a:endParaRPr lang="en-US"/>
           </a:p>
@@ -4886,7 +4969,7 @@
           <p:nvPr/>
         </p:nvPicPr>
         <p:blipFill>
-          <a:blip r:embed="rId2">
+          <a:blip r:embed="rId3">
             <a:extLst>
               <a:ext uri="{28A0092B-C50C-407E-A947-70E740481C1C}">
                 <a14:useLocalDpi xmlns:a14="http://schemas.microsoft.com/office/drawing/2010/main" val="0"/>
@@ -4942,674 +5025,6 @@
           <p:cNvPr id="2" name="Title 1">
             <a:extLst>
               <a:ext uri="{FF2B5EF4-FFF2-40B4-BE49-F238E27FC236}">
-                <a16:creationId xmlns:a16="http://schemas.microsoft.com/office/drawing/2014/main" id="{4A6BEBCB-0F79-496D-9B27-46D59C18F6A6}"/>
-              </a:ext>
-            </a:extLst>
-          </p:cNvPr>
-          <p:cNvSpPr>
-            <a:spLocks noGrp="1"/>
-          </p:cNvSpPr>
-          <p:nvPr>
-            <p:ph type="title"/>
-          </p:nvPr>
-        </p:nvSpPr>
-        <p:spPr/>
-        <p:txBody>
-          <a:bodyPr/>
-          <a:lstStyle/>
-          <a:p>
-            <a:r>
-              <a:rPr lang="en-US" dirty="0"/>
-              <a:t>Demo MAB Case</a:t>
-            </a:r>
-          </a:p>
-        </p:txBody>
-      </p:sp>
-      <p:pic>
-        <p:nvPicPr>
-          <p:cNvPr id="5" name="Picture 3" descr="dmsinterface_slot">
-            <a:hlinkClick r:id="rId2"/>
-            <a:extLst>
-              <a:ext uri="{FF2B5EF4-FFF2-40B4-BE49-F238E27FC236}">
-                <a16:creationId xmlns:a16="http://schemas.microsoft.com/office/drawing/2014/main" id="{7E4028DA-4327-483A-8DAF-BA98E84213D2}"/>
-              </a:ext>
-            </a:extLst>
-          </p:cNvPr>
-          <p:cNvPicPr>
-            <a:picLocks noChangeAspect="1" noChangeArrowheads="1"/>
-          </p:cNvPicPr>
-          <p:nvPr/>
-        </p:nvPicPr>
-        <p:blipFill>
-          <a:blip r:embed="rId3">
-            <a:extLst>
-              <a:ext uri="{28A0092B-C50C-407E-A947-70E740481C1C}">
-                <a14:useLocalDpi xmlns:a14="http://schemas.microsoft.com/office/drawing/2010/main" val="0"/>
-              </a:ext>
-            </a:extLst>
-          </a:blip>
-          <a:srcRect/>
-          <a:stretch>
-            <a:fillRect/>
-          </a:stretch>
-        </p:blipFill>
-        <p:spPr bwMode="auto">
-          <a:xfrm>
-            <a:off x="4480972" y="1557337"/>
-            <a:ext cx="1209675" cy="1343025"/>
-          </a:xfrm>
-          <a:prstGeom prst="rect">
-            <a:avLst/>
-          </a:prstGeom>
-          <a:noFill/>
-          <a:extLst>
-            <a:ext uri="{909E8E84-426E-40DD-AFC4-6F175D3DCCD1}">
-              <a14:hiddenFill xmlns:a14="http://schemas.microsoft.com/office/drawing/2010/main">
-                <a:solidFill>
-                  <a:srgbClr val="FFFFFF"/>
-                </a:solidFill>
-              </a14:hiddenFill>
-            </a:ext>
-          </a:extLst>
-        </p:spPr>
-      </p:pic>
-      <p:pic>
-        <p:nvPicPr>
-          <p:cNvPr id="6" name="Picture 3" descr="dmsinterface_slot">
-            <a:hlinkClick r:id="rId2"/>
-            <a:extLst>
-              <a:ext uri="{FF2B5EF4-FFF2-40B4-BE49-F238E27FC236}">
-                <a16:creationId xmlns:a16="http://schemas.microsoft.com/office/drawing/2014/main" id="{CC83C576-A43D-4054-B624-7DBDED6089B3}"/>
-              </a:ext>
-            </a:extLst>
-          </p:cNvPr>
-          <p:cNvPicPr>
-            <a:picLocks noChangeAspect="1" noChangeArrowheads="1"/>
-          </p:cNvPicPr>
-          <p:nvPr/>
-        </p:nvPicPr>
-        <p:blipFill>
-          <a:blip r:embed="rId3">
-            <a:extLst>
-              <a:ext uri="{28A0092B-C50C-407E-A947-70E740481C1C}">
-                <a14:useLocalDpi xmlns:a14="http://schemas.microsoft.com/office/drawing/2010/main" val="0"/>
-              </a:ext>
-            </a:extLst>
-          </a:blip>
-          <a:srcRect/>
-          <a:stretch>
-            <a:fillRect/>
-          </a:stretch>
-        </p:blipFill>
-        <p:spPr bwMode="auto">
-          <a:xfrm>
-            <a:off x="6636518" y="1557337"/>
-            <a:ext cx="1209675" cy="1343025"/>
-          </a:xfrm>
-          <a:prstGeom prst="rect">
-            <a:avLst/>
-          </a:prstGeom>
-          <a:noFill/>
-          <a:extLst>
-            <a:ext uri="{909E8E84-426E-40DD-AFC4-6F175D3DCCD1}">
-              <a14:hiddenFill xmlns:a14="http://schemas.microsoft.com/office/drawing/2010/main">
-                <a:solidFill>
-                  <a:srgbClr val="FFFFFF"/>
-                </a:solidFill>
-              </a14:hiddenFill>
-            </a:ext>
-          </a:extLst>
-        </p:spPr>
-      </p:pic>
-      <p:pic>
-        <p:nvPicPr>
-          <p:cNvPr id="7" name="Picture 3" descr="dmsinterface_slot">
-            <a:hlinkClick r:id="rId2"/>
-            <a:extLst>
-              <a:ext uri="{FF2B5EF4-FFF2-40B4-BE49-F238E27FC236}">
-                <a16:creationId xmlns:a16="http://schemas.microsoft.com/office/drawing/2014/main" id="{F1336A49-FA3B-401B-994A-C1486B625CDF}"/>
-              </a:ext>
-            </a:extLst>
-          </p:cNvPr>
-          <p:cNvPicPr>
-            <a:picLocks noChangeAspect="1" noChangeArrowheads="1"/>
-          </p:cNvPicPr>
-          <p:nvPr/>
-        </p:nvPicPr>
-        <p:blipFill>
-          <a:blip r:embed="rId3">
-            <a:extLst>
-              <a:ext uri="{28A0092B-C50C-407E-A947-70E740481C1C}">
-                <a14:useLocalDpi xmlns:a14="http://schemas.microsoft.com/office/drawing/2010/main" val="0"/>
-              </a:ext>
-            </a:extLst>
-          </a:blip>
-          <a:srcRect/>
-          <a:stretch>
-            <a:fillRect/>
-          </a:stretch>
-        </p:blipFill>
-        <p:spPr bwMode="auto">
-          <a:xfrm>
-            <a:off x="2317471" y="1557338"/>
-            <a:ext cx="1209675" cy="1343025"/>
-          </a:xfrm>
-          <a:prstGeom prst="rect">
-            <a:avLst/>
-          </a:prstGeom>
-          <a:noFill/>
-          <a:extLst>
-            <a:ext uri="{909E8E84-426E-40DD-AFC4-6F175D3DCCD1}">
-              <a14:hiddenFill xmlns:a14="http://schemas.microsoft.com/office/drawing/2010/main">
-                <a:solidFill>
-                  <a:srgbClr val="FFFFFF"/>
-                </a:solidFill>
-              </a14:hiddenFill>
-            </a:ext>
-          </a:extLst>
-        </p:spPr>
-      </p:pic>
-      <p:sp>
-        <p:nvSpPr>
-          <p:cNvPr id="9" name="Content Placeholder 8">
-            <a:extLst>
-              <a:ext uri="{FF2B5EF4-FFF2-40B4-BE49-F238E27FC236}">
-                <a16:creationId xmlns:a16="http://schemas.microsoft.com/office/drawing/2014/main" id="{7ED6C89E-D369-4390-95A9-C9A1D02398F0}"/>
-              </a:ext>
-            </a:extLst>
-          </p:cNvPr>
-          <p:cNvSpPr>
-            <a:spLocks noGrp="1"/>
-          </p:cNvSpPr>
-          <p:nvPr>
-            <p:ph idx="1"/>
-          </p:nvPr>
-        </p:nvSpPr>
-        <p:spPr/>
-        <p:txBody>
-          <a:bodyPr/>
-          <a:lstStyle/>
-          <a:p>
-            <a:pPr marL="0" indent="0">
-              <a:buNone/>
-            </a:pPr>
-            <a:endParaRPr lang="en-US" dirty="0"/>
-          </a:p>
-          <a:p>
-            <a:pPr marL="0" indent="0">
-              <a:buNone/>
-            </a:pPr>
-            <a:endParaRPr lang="en-US" dirty="0"/>
-          </a:p>
-          <a:p>
-            <a:pPr marL="0" indent="0">
-              <a:buNone/>
-            </a:pPr>
-            <a:endParaRPr lang="en-US" dirty="0"/>
-          </a:p>
-          <a:p>
-            <a:pPr marL="0" indent="0">
-              <a:buNone/>
-            </a:pPr>
-            <a:endParaRPr lang="en-US" dirty="0"/>
-          </a:p>
-        </p:txBody>
-      </p:sp>
-      <p:sp>
-        <p:nvSpPr>
-          <p:cNvPr id="10" name="TextBox 9">
-            <a:extLst>
-              <a:ext uri="{FF2B5EF4-FFF2-40B4-BE49-F238E27FC236}">
-                <a16:creationId xmlns:a16="http://schemas.microsoft.com/office/drawing/2014/main" id="{31F6B00C-66CB-424E-9C2A-5D2BF9953882}"/>
-              </a:ext>
-            </a:extLst>
-          </p:cNvPr>
-          <p:cNvSpPr txBox="1"/>
-          <p:nvPr/>
-        </p:nvSpPr>
-        <p:spPr>
-          <a:xfrm>
-            <a:off x="2587656" y="2936005"/>
-            <a:ext cx="669303" cy="461665"/>
-          </a:xfrm>
-          <a:prstGeom prst="rect">
-            <a:avLst/>
-          </a:prstGeom>
-          <a:noFill/>
-        </p:spPr>
-        <p:txBody>
-          <a:bodyPr wrap="square" rtlCol="0">
-            <a:spAutoFit/>
-          </a:bodyPr>
-          <a:lstStyle/>
-          <a:p>
-            <a:r>
-              <a:rPr lang="en-US" sz="2400" dirty="0"/>
-              <a:t>P</a:t>
-            </a:r>
-            <a:r>
-              <a:rPr lang="en-US" sz="1600" dirty="0"/>
-              <a:t>1</a:t>
-            </a:r>
-            <a:endParaRPr lang="en-US" dirty="0"/>
-          </a:p>
-        </p:txBody>
-      </p:sp>
-      <p:sp>
-        <p:nvSpPr>
-          <p:cNvPr id="13" name="TextBox 12">
-            <a:extLst>
-              <a:ext uri="{FF2B5EF4-FFF2-40B4-BE49-F238E27FC236}">
-                <a16:creationId xmlns:a16="http://schemas.microsoft.com/office/drawing/2014/main" id="{99FCC10A-E5E6-4638-91CF-1E2374939B58}"/>
-              </a:ext>
-            </a:extLst>
-          </p:cNvPr>
-          <p:cNvSpPr txBox="1"/>
-          <p:nvPr/>
-        </p:nvSpPr>
-        <p:spPr>
-          <a:xfrm>
-            <a:off x="6906703" y="2936006"/>
-            <a:ext cx="669303" cy="461665"/>
-          </a:xfrm>
-          <a:prstGeom prst="rect">
-            <a:avLst/>
-          </a:prstGeom>
-          <a:noFill/>
-        </p:spPr>
-        <p:txBody>
-          <a:bodyPr wrap="square" rtlCol="0">
-            <a:spAutoFit/>
-          </a:bodyPr>
-          <a:lstStyle/>
-          <a:p>
-            <a:r>
-              <a:rPr lang="en-US" sz="2400" dirty="0"/>
-              <a:t>P</a:t>
-            </a:r>
-            <a:r>
-              <a:rPr lang="en-US" sz="1600" dirty="0"/>
-              <a:t>3</a:t>
-            </a:r>
-            <a:endParaRPr lang="en-US" dirty="0"/>
-          </a:p>
-        </p:txBody>
-      </p:sp>
-      <p:sp>
-        <p:nvSpPr>
-          <p:cNvPr id="14" name="TextBox 13">
-            <a:extLst>
-              <a:ext uri="{FF2B5EF4-FFF2-40B4-BE49-F238E27FC236}">
-                <a16:creationId xmlns:a16="http://schemas.microsoft.com/office/drawing/2014/main" id="{2358C70F-31C8-4370-ACBA-6D050A551BF6}"/>
-              </a:ext>
-            </a:extLst>
-          </p:cNvPr>
-          <p:cNvSpPr txBox="1"/>
-          <p:nvPr/>
-        </p:nvSpPr>
-        <p:spPr>
-          <a:xfrm>
-            <a:off x="4805336" y="2956480"/>
-            <a:ext cx="669303" cy="461665"/>
-          </a:xfrm>
-          <a:prstGeom prst="rect">
-            <a:avLst/>
-          </a:prstGeom>
-          <a:noFill/>
-        </p:spPr>
-        <p:txBody>
-          <a:bodyPr wrap="square" rtlCol="0">
-            <a:spAutoFit/>
-          </a:bodyPr>
-          <a:lstStyle/>
-          <a:p>
-            <a:r>
-              <a:rPr lang="en-US" sz="2400" dirty="0"/>
-              <a:t>P</a:t>
-            </a:r>
-            <a:r>
-              <a:rPr lang="en-US" sz="1600" dirty="0"/>
-              <a:t>2</a:t>
-            </a:r>
-            <a:endParaRPr lang="en-US" dirty="0"/>
-          </a:p>
-        </p:txBody>
-      </p:sp>
-      <mc:AlternateContent xmlns:mc="http://schemas.openxmlformats.org/markup-compatibility/2006" xmlns:a14="http://schemas.microsoft.com/office/drawing/2010/main">
-        <mc:Choice Requires="a14">
-          <p:sp>
-            <p:nvSpPr>
-              <p:cNvPr id="15" name="TextBox 14">
-                <a:extLst>
-                  <a:ext uri="{FF2B5EF4-FFF2-40B4-BE49-F238E27FC236}">
-                    <a16:creationId xmlns:a16="http://schemas.microsoft.com/office/drawing/2014/main" id="{E3FD57A2-3407-4DFB-9CBB-47B49CAF3DDC}"/>
-                  </a:ext>
-                </a:extLst>
-              </p:cNvPr>
-              <p:cNvSpPr txBox="1"/>
-              <p:nvPr/>
-            </p:nvSpPr>
-            <p:spPr>
-              <a:xfrm>
-                <a:off x="1727865" y="3511970"/>
-                <a:ext cx="8491172" cy="2246769"/>
-              </a:xfrm>
-              <a:prstGeom prst="rect">
-                <a:avLst/>
-              </a:prstGeom>
-              <a:noFill/>
-            </p:spPr>
-            <p:txBody>
-              <a:bodyPr wrap="square" rtlCol="0">
-                <a:spAutoFit/>
-              </a:bodyPr>
-              <a:lstStyle/>
-              <a:p>
-                <a:pPr marL="285750" indent="-285750">
-                  <a:buFont typeface="Wingdings" panose="05000000000000000000" pitchFamily="2" charset="2"/>
-                  <a:buChar char="§"/>
-                </a:pPr>
-                <a:r>
-                  <a:rPr lang="en-US" sz="2000" dirty="0"/>
-                  <a:t>The reward takes two discrete values : 0 and 1</a:t>
-                </a:r>
-              </a:p>
-              <a:p>
-                <a:pPr marL="285750" indent="-285750">
-                  <a:buFont typeface="Wingdings" panose="05000000000000000000" pitchFamily="2" charset="2"/>
-                  <a:buChar char="§"/>
-                </a:pPr>
-                <a:endParaRPr lang="en-US" sz="2000" dirty="0"/>
-              </a:p>
-              <a:p>
-                <a:pPr marL="285750" indent="-285750">
-                  <a:buFont typeface="Wingdings" panose="05000000000000000000" pitchFamily="2" charset="2"/>
-                  <a:buChar char="§"/>
-                </a:pPr>
-                <a:r>
-                  <a:rPr lang="en-US" sz="2000" dirty="0"/>
-                  <a:t>Assume that the reward follows a Bernoulli distribution</a:t>
-                </a:r>
-              </a:p>
-              <a:p>
-                <a:pPr marL="285750" indent="-285750">
-                  <a:buFont typeface="Wingdings" panose="05000000000000000000" pitchFamily="2" charset="2"/>
-                  <a:buChar char="§"/>
-                </a:pPr>
-                <a:endParaRPr lang="en-US" sz="2000" dirty="0"/>
-              </a:p>
-              <a:p>
-                <a:pPr/>
-                <a14:m>
-                  <m:oMathPara xmlns:m="http://schemas.openxmlformats.org/officeDocument/2006/math">
-                    <m:oMathParaPr>
-                      <m:jc m:val="centerGroup"/>
-                    </m:oMathParaPr>
-                    <m:oMath xmlns:m="http://schemas.openxmlformats.org/officeDocument/2006/math">
-                      <m:func>
-                        <m:funcPr>
-                          <m:ctrlPr>
-                            <a:rPr lang="en-US" sz="2000" b="0" i="1" smtClean="0">
-                              <a:latin typeface="Cambria Math" panose="02040503050406030204" pitchFamily="18" charset="0"/>
-                            </a:rPr>
-                          </m:ctrlPr>
-                        </m:funcPr>
-                        <m:fName>
-                          <m:r>
-                            <m:rPr>
-                              <m:sty m:val="p"/>
-                            </m:rPr>
-                            <a:rPr lang="en-US" sz="2000" b="0" i="0" smtClean="0">
-                              <a:latin typeface="Cambria Math" panose="02040503050406030204" pitchFamily="18" charset="0"/>
-                            </a:rPr>
-                            <m:t>Pr</m:t>
-                          </m:r>
-                        </m:fName>
-                        <m:e>
-                          <m:d>
-                            <m:dPr>
-                              <m:ctrlPr>
-                                <a:rPr lang="en-US" sz="2000" b="0" i="1" smtClean="0">
-                                  <a:latin typeface="Cambria Math" panose="02040503050406030204" pitchFamily="18" charset="0"/>
-                                </a:rPr>
-                              </m:ctrlPr>
-                            </m:dPr>
-                            <m:e>
-                              <m:r>
-                                <a:rPr lang="en-US" sz="2000" b="0" i="1" smtClean="0">
-                                  <a:latin typeface="Cambria Math" panose="02040503050406030204" pitchFamily="18" charset="0"/>
-                                </a:rPr>
-                                <m:t>𝑟</m:t>
-                              </m:r>
-                              <m:r>
-                                <a:rPr lang="en-US" sz="2000" b="0" i="1" smtClean="0">
-                                  <a:latin typeface="Cambria Math" panose="02040503050406030204" pitchFamily="18" charset="0"/>
-                                </a:rPr>
-                                <m:t>|</m:t>
-                              </m:r>
-                              <m:r>
-                                <a:rPr lang="en-US" sz="2000" b="0" i="1" smtClean="0">
-                                  <a:latin typeface="Cambria Math" panose="02040503050406030204" pitchFamily="18" charset="0"/>
-                                </a:rPr>
-                                <m:t>𝜃</m:t>
-                              </m:r>
-                            </m:e>
-                          </m:d>
-                        </m:e>
-                      </m:func>
-                      <m:r>
-                        <a:rPr lang="en-US" sz="2000" b="0" i="1" smtClean="0">
-                          <a:latin typeface="Cambria Math" panose="02040503050406030204" pitchFamily="18" charset="0"/>
-                        </a:rPr>
-                        <m:t>=</m:t>
-                      </m:r>
-                      <m:sSup>
-                        <m:sSupPr>
-                          <m:ctrlPr>
-                            <a:rPr lang="en-US" sz="2000" b="0" i="1" smtClean="0">
-                              <a:latin typeface="Cambria Math" panose="02040503050406030204" pitchFamily="18" charset="0"/>
-                            </a:rPr>
-                          </m:ctrlPr>
-                        </m:sSupPr>
-                        <m:e>
-                          <m:r>
-                            <a:rPr lang="en-US" sz="2000" b="0" i="1" smtClean="0">
-                              <a:latin typeface="Cambria Math" panose="02040503050406030204" pitchFamily="18" charset="0"/>
-                            </a:rPr>
-                            <m:t>𝜃</m:t>
-                          </m:r>
-                        </m:e>
-                        <m:sup>
-                          <m:r>
-                            <a:rPr lang="en-US" sz="2000" b="0" i="1" smtClean="0">
-                              <a:latin typeface="Cambria Math" panose="02040503050406030204" pitchFamily="18" charset="0"/>
-                            </a:rPr>
-                            <m:t>𝑟</m:t>
-                          </m:r>
-                        </m:sup>
-                      </m:sSup>
-                      <m:sSup>
-                        <m:sSupPr>
-                          <m:ctrlPr>
-                            <a:rPr lang="en-US" sz="2000" b="0" i="1" smtClean="0">
-                              <a:latin typeface="Cambria Math" panose="02040503050406030204" pitchFamily="18" charset="0"/>
-                            </a:rPr>
-                          </m:ctrlPr>
-                        </m:sSupPr>
-                        <m:e>
-                          <m:d>
-                            <m:dPr>
-                              <m:ctrlPr>
-                                <a:rPr lang="en-US" sz="2000" b="0" i="1" smtClean="0">
-                                  <a:latin typeface="Cambria Math" panose="02040503050406030204" pitchFamily="18" charset="0"/>
-                                </a:rPr>
-                              </m:ctrlPr>
-                            </m:dPr>
-                            <m:e>
-                              <m:r>
-                                <a:rPr lang="en-US" sz="2000" b="0" i="1" smtClean="0">
-                                  <a:latin typeface="Cambria Math" panose="02040503050406030204" pitchFamily="18" charset="0"/>
-                                </a:rPr>
-                                <m:t>1−</m:t>
-                              </m:r>
-                              <m:r>
-                                <a:rPr lang="en-US" sz="2000" b="0" i="1" smtClean="0">
-                                  <a:latin typeface="Cambria Math" panose="02040503050406030204" pitchFamily="18" charset="0"/>
-                                </a:rPr>
-                                <m:t>𝜃</m:t>
-                              </m:r>
-                            </m:e>
-                          </m:d>
-                        </m:e>
-                        <m:sup>
-                          <m:r>
-                            <a:rPr lang="en-US" sz="2000" b="0" i="1" smtClean="0">
-                              <a:latin typeface="Cambria Math" panose="02040503050406030204" pitchFamily="18" charset="0"/>
-                            </a:rPr>
-                            <m:t>1−</m:t>
-                          </m:r>
-                          <m:r>
-                            <a:rPr lang="en-US" sz="2000" b="0" i="1" smtClean="0">
-                              <a:latin typeface="Cambria Math" panose="02040503050406030204" pitchFamily="18" charset="0"/>
-                            </a:rPr>
-                            <m:t>𝑟</m:t>
-                          </m:r>
-                        </m:sup>
-                      </m:sSup>
-                      <m:r>
-                        <a:rPr lang="en-US" sz="2000" b="0" i="1" smtClean="0">
-                          <a:latin typeface="Cambria Math" panose="02040503050406030204" pitchFamily="18" charset="0"/>
-                        </a:rPr>
-                        <m:t>,  </m:t>
-                      </m:r>
-                      <m:r>
-                        <a:rPr lang="en-US" sz="2000" b="0" i="1" smtClean="0">
-                          <a:latin typeface="Cambria Math" panose="02040503050406030204" pitchFamily="18" charset="0"/>
-                        </a:rPr>
-                        <m:t>𝑟</m:t>
-                      </m:r>
-                      <m:r>
-                        <a:rPr lang="en-US" sz="2000" b="0" i="1" smtClean="0">
-                          <a:latin typeface="Cambria Math" panose="02040503050406030204" pitchFamily="18" charset="0"/>
-                        </a:rPr>
-                        <m:t>∈</m:t>
-                      </m:r>
-                      <m:d>
-                        <m:dPr>
-                          <m:begChr m:val="{"/>
-                          <m:endChr m:val="}"/>
-                          <m:ctrlPr>
-                            <a:rPr lang="en-US" sz="2000" b="0" i="1" smtClean="0">
-                              <a:latin typeface="Cambria Math" panose="02040503050406030204" pitchFamily="18" charset="0"/>
-                            </a:rPr>
-                          </m:ctrlPr>
-                        </m:dPr>
-                        <m:e>
-                          <m:r>
-                            <a:rPr lang="en-US" sz="2000" b="0" i="1" smtClean="0">
-                              <a:latin typeface="Cambria Math" panose="02040503050406030204" pitchFamily="18" charset="0"/>
-                            </a:rPr>
-                            <m:t>0,1</m:t>
-                          </m:r>
-                        </m:e>
-                      </m:d>
-                    </m:oMath>
-                  </m:oMathPara>
-                </a14:m>
-                <a:endParaRPr lang="en-US" sz="2000" dirty="0"/>
-              </a:p>
-              <a:p>
-                <a:endParaRPr lang="en-US" sz="2000" dirty="0"/>
-              </a:p>
-              <a:p>
-                <a:r>
-                  <a:rPr lang="en-US" sz="2000" dirty="0"/>
-                  <a:t>  </a:t>
-                </a:r>
-              </a:p>
-            </p:txBody>
-          </p:sp>
-        </mc:Choice>
-        <mc:Fallback xmlns="">
-          <p:sp>
-            <p:nvSpPr>
-              <p:cNvPr id="15" name="TextBox 14">
-                <a:extLst>
-                  <a:ext uri="{FF2B5EF4-FFF2-40B4-BE49-F238E27FC236}">
-                    <a16:creationId xmlns:a16="http://schemas.microsoft.com/office/drawing/2014/main" id="{E3FD57A2-3407-4DFB-9CBB-47B49CAF3DDC}"/>
-                  </a:ext>
-                </a:extLst>
-              </p:cNvPr>
-              <p:cNvSpPr txBox="1">
-                <a:spLocks noRot="1" noChangeAspect="1" noMove="1" noResize="1" noEditPoints="1" noAdjustHandles="1" noChangeArrowheads="1" noChangeShapeType="1" noTextEdit="1"/>
-              </p:cNvSpPr>
-              <p:nvPr/>
-            </p:nvSpPr>
-            <p:spPr>
-              <a:xfrm>
-                <a:off x="1727865" y="3511970"/>
-                <a:ext cx="8491172" cy="2246769"/>
-              </a:xfrm>
-              <a:prstGeom prst="rect">
-                <a:avLst/>
-              </a:prstGeom>
-              <a:blipFill>
-                <a:blip r:embed="rId4"/>
-                <a:stretch>
-                  <a:fillRect l="-646" t="-1355"/>
-                </a:stretch>
-              </a:blipFill>
-            </p:spPr>
-            <p:txBody>
-              <a:bodyPr/>
-              <a:lstStyle/>
-              <a:p>
-                <a:r>
-                  <a:rPr lang="en-US">
-                    <a:noFill/>
-                  </a:rPr>
-                  <a:t> </a:t>
-                </a:r>
-              </a:p>
-            </p:txBody>
-          </p:sp>
-        </mc:Fallback>
-      </mc:AlternateContent>
-    </p:spTree>
-    <p:extLst>
-      <p:ext uri="{BB962C8B-B14F-4D97-AF65-F5344CB8AC3E}">
-        <p14:creationId xmlns:p14="http://schemas.microsoft.com/office/powerpoint/2010/main" val="1287553037"/>
-      </p:ext>
-    </p:extLst>
-  </p:cSld>
-  <p:clrMapOvr>
-    <a:masterClrMapping/>
-  </p:clrMapOvr>
-</p:sld>
-</file>
-
-<file path=ppt/slides/slide11.xml><?xml version="1.0" encoding="utf-8"?>
-<p:sld xmlns:a="http://schemas.openxmlformats.org/drawingml/2006/main" xmlns:r="http://schemas.openxmlformats.org/officeDocument/2006/relationships" xmlns:p="http://schemas.openxmlformats.org/presentationml/2006/main">
-  <p:cSld>
-    <p:spTree>
-      <p:nvGrpSpPr>
-        <p:cNvPr id="1" name=""/>
-        <p:cNvGrpSpPr/>
-        <p:nvPr/>
-      </p:nvGrpSpPr>
-      <p:grpSpPr>
-        <a:xfrm>
-          <a:off x="0" y="0"/>
-          <a:ext cx="0" cy="0"/>
-          <a:chOff x="0" y="0"/>
-          <a:chExt cx="0" cy="0"/>
-        </a:xfrm>
-      </p:grpSpPr>
-      <p:sp>
-        <p:nvSpPr>
-          <p:cNvPr id="2" name="Title 1">
-            <a:extLst>
-              <a:ext uri="{FF2B5EF4-FFF2-40B4-BE49-F238E27FC236}">
                 <a16:creationId xmlns:a16="http://schemas.microsoft.com/office/drawing/2014/main" id="{EB21097E-7DE0-4E98-A66A-7204F4700202}"/>
               </a:ext>
             </a:extLst>
@@ -5633,8 +5048,8 @@
           </a:p>
         </p:txBody>
       </p:sp>
-      <mc:AlternateContent xmlns:mc="http://schemas.openxmlformats.org/markup-compatibility/2006">
-        <mc:Choice xmlns:a14="http://schemas.microsoft.com/office/drawing/2010/main" Requires="a14">
+      <mc:AlternateContent xmlns:mc="http://schemas.openxmlformats.org/markup-compatibility/2006" xmlns:a14="http://schemas.microsoft.com/office/drawing/2010/main">
+        <mc:Choice Requires="a14">
           <p:sp>
             <p:nvSpPr>
               <p:cNvPr id="3" name="Content Placeholder 2">
@@ -6051,7 +5466,7 @@
             </p:txBody>
           </p:sp>
         </mc:Choice>
-        <mc:Fallback>
+        <mc:Fallback xmlns="">
           <p:sp>
             <p:nvSpPr>
               <p:cNvPr id="3" name="Content Placeholder 2">
@@ -6144,7 +5559,7 @@
 </p:sld>
 </file>
 
-<file path=ppt/slides/slide12.xml><?xml version="1.0" encoding="utf-8"?>
+<file path=ppt/slides/slide11.xml><?xml version="1.0" encoding="utf-8"?>
 <p:sld xmlns:a="http://schemas.openxmlformats.org/drawingml/2006/main" xmlns:r="http://schemas.openxmlformats.org/officeDocument/2006/relationships" xmlns:p="http://schemas.openxmlformats.org/presentationml/2006/main">
   <p:cSld>
     <p:spTree>
@@ -7089,7 +6504,7 @@
 </p:sld>
 </file>
 
-<file path=ppt/slides/slide13.xml><?xml version="1.0" encoding="utf-8"?>
+<file path=ppt/slides/slide12.xml><?xml version="1.0" encoding="utf-8"?>
 <p:sld xmlns:a="http://schemas.openxmlformats.org/drawingml/2006/main" xmlns:r="http://schemas.openxmlformats.org/officeDocument/2006/relationships" xmlns:p="http://schemas.openxmlformats.org/presentationml/2006/main">
   <p:cSld>
     <p:spTree>
@@ -7224,7 +6639,7 @@
 </p:sld>
 </file>
 
-<file path=ppt/slides/slide14.xml><?xml version="1.0" encoding="utf-8"?>
+<file path=ppt/slides/slide13.xml><?xml version="1.0" encoding="utf-8"?>
 <p:sld xmlns:a="http://schemas.openxmlformats.org/drawingml/2006/main" xmlns:r="http://schemas.openxmlformats.org/officeDocument/2006/relationships" xmlns:p="http://schemas.openxmlformats.org/presentationml/2006/main">
   <p:cSld>
     <p:spTree>
@@ -7530,7 +6945,7 @@
 </p:sld>
 </file>
 
-<file path=ppt/slides/slide15.xml><?xml version="1.0" encoding="utf-8"?>
+<file path=ppt/slides/slide14.xml><?xml version="1.0" encoding="utf-8"?>
 <p:sld xmlns:a="http://schemas.openxmlformats.org/drawingml/2006/main" xmlns:r="http://schemas.openxmlformats.org/officeDocument/2006/relationships" xmlns:p="http://schemas.openxmlformats.org/presentationml/2006/main">
   <p:cSld>
     <p:spTree>
@@ -7828,7 +7243,7 @@
 </p:sld>
 </file>
 
-<file path=ppt/slides/slide16.xml><?xml version="1.0" encoding="utf-8"?>
+<file path=ppt/slides/slide15.xml><?xml version="1.0" encoding="utf-8"?>
 <p:sld xmlns:a="http://schemas.openxmlformats.org/drawingml/2006/main" xmlns:r="http://schemas.openxmlformats.org/officeDocument/2006/relationships" xmlns:p="http://schemas.openxmlformats.org/presentationml/2006/main">
   <p:cSld>
     <p:spTree>
@@ -7958,7 +7373,7 @@
 </p:sld>
 </file>
 
-<file path=ppt/slides/slide17.xml><?xml version="1.0" encoding="utf-8"?>
+<file path=ppt/slides/slide16.xml><?xml version="1.0" encoding="utf-8"?>
 <p:sld xmlns:a="http://schemas.openxmlformats.org/drawingml/2006/main" xmlns:r="http://schemas.openxmlformats.org/officeDocument/2006/relationships" xmlns:p="http://schemas.openxmlformats.org/presentationml/2006/main">
   <p:cSld>
     <p:spTree>
@@ -8401,8 +7816,8 @@
           </a:fontRef>
         </p:style>
       </p:sp>
-      <mc:AlternateContent xmlns:mc="http://schemas.openxmlformats.org/markup-compatibility/2006">
-        <mc:Choice xmlns:a14="http://schemas.microsoft.com/office/drawing/2010/main" Requires="a14">
+      <mc:AlternateContent xmlns:mc="http://schemas.openxmlformats.org/markup-compatibility/2006" xmlns:a14="http://schemas.microsoft.com/office/drawing/2010/main">
+        <mc:Choice Requires="a14">
           <p:sp>
             <p:nvSpPr>
               <p:cNvPr id="3" name="Content Placeholder 2">
@@ -8612,7 +8027,7 @@
             </p:txBody>
           </p:sp>
         </mc:Choice>
-        <mc:Fallback>
+        <mc:Fallback xmlns="">
           <p:sp>
             <p:nvSpPr>
               <p:cNvPr id="3" name="Content Placeholder 2">
@@ -9374,7 +8789,7 @@
           <p:cNvPr id="2" name="Title 1">
             <a:extLst>
               <a:ext uri="{FF2B5EF4-FFF2-40B4-BE49-F238E27FC236}">
-                <a16:creationId xmlns:a16="http://schemas.microsoft.com/office/drawing/2014/main" id="{35AF5709-28E0-41E9-AA19-BEBFC0D15AB4}"/>
+                <a16:creationId xmlns:a16="http://schemas.microsoft.com/office/drawing/2014/main" id="{CF8A8BB0-D910-451F-BEC3-F87BCDFB50C4}"/>
               </a:ext>
             </a:extLst>
           </p:cNvPr>
@@ -9392,7 +8807,7 @@
           <a:p>
             <a:r>
               <a:rPr lang="en-US" dirty="0"/>
-              <a:t>General MAB Summary</a:t>
+              <a:t>MAB Examples</a:t>
             </a:r>
           </a:p>
         </p:txBody>
@@ -9402,7 +8817,7 @@
           <p:cNvPr id="3" name="Content Placeholder 2">
             <a:extLst>
               <a:ext uri="{FF2B5EF4-FFF2-40B4-BE49-F238E27FC236}">
-                <a16:creationId xmlns:a16="http://schemas.microsoft.com/office/drawing/2014/main" id="{87DDF89C-ED34-44A5-90B2-02D6518B6D81}"/>
+                <a16:creationId xmlns:a16="http://schemas.microsoft.com/office/drawing/2014/main" id="{D1AB754C-6ED9-4E72-B77B-ED60142D5301}"/>
               </a:ext>
             </a:extLst>
           </p:cNvPr>
@@ -9413,26 +8828,30 @@
             <p:ph idx="1"/>
           </p:nvPr>
         </p:nvSpPr>
-        <p:spPr/>
-        <p:txBody>
-          <a:bodyPr/>
+        <p:spPr>
+          <a:xfrm>
+            <a:off x="1182254" y="2014825"/>
+            <a:ext cx="9979891" cy="3458094"/>
+          </a:xfrm>
+        </p:spPr>
+        <p:txBody>
+          <a:bodyPr>
+            <a:normAutofit/>
+          </a:bodyPr>
           <a:lstStyle/>
           <a:p>
             <a:r>
               <a:rPr lang="en-US" dirty="0"/>
-              <a:t>To summarize, the MAB problem is a finite resource allocation problem where the objective is to maximize total returns. </a:t>
-            </a:r>
-          </a:p>
-          <a:p>
-            <a:pPr marL="0" indent="0">
-              <a:buNone/>
-            </a:pPr>
+              <a:t>Financial investment</a:t>
+            </a:r>
+          </a:p>
+          <a:p>
             <a:endParaRPr lang="en-US" dirty="0"/>
           </a:p>
           <a:p>
             <a:r>
               <a:rPr lang="en-US" dirty="0"/>
-              <a:t>The return of each choice is unknown or only partially known beforehand</a:t>
+              <a:t>Clinical trials</a:t>
             </a:r>
           </a:p>
           <a:p>
@@ -9441,14 +8860,8 @@
           <a:p>
             <a:r>
               <a:rPr lang="en-US" dirty="0"/>
-              <a:t>The agent accumulates knowledge about the bandit as it takes actions</a:t>
-            </a:r>
-          </a:p>
-          <a:p>
-            <a:endParaRPr lang="en-US" dirty="0"/>
-          </a:p>
-          <a:p>
-            <a:endParaRPr lang="en-US" dirty="0"/>
+              <a:t>Digital advertisements</a:t>
+            </a:r>
           </a:p>
           <a:p>
             <a:endParaRPr lang="en-US" dirty="0"/>
@@ -9461,7 +8874,7 @@
     </p:spTree>
     <p:extLst>
       <p:ext uri="{BB962C8B-B14F-4D97-AF65-F5344CB8AC3E}">
-        <p14:creationId xmlns:p14="http://schemas.microsoft.com/office/powerpoint/2010/main" val="2485927780"/>
+        <p14:creationId xmlns:p14="http://schemas.microsoft.com/office/powerpoint/2010/main" val="1872673048"/>
       </p:ext>
     </p:extLst>
   </p:cSld>
@@ -9493,123 +8906,6 @@
           <p:cNvPr id="2" name="Title 1">
             <a:extLst>
               <a:ext uri="{FF2B5EF4-FFF2-40B4-BE49-F238E27FC236}">
-                <a16:creationId xmlns:a16="http://schemas.microsoft.com/office/drawing/2014/main" id="{CF8A8BB0-D910-451F-BEC3-F87BCDFB50C4}"/>
-              </a:ext>
-            </a:extLst>
-          </p:cNvPr>
-          <p:cNvSpPr>
-            <a:spLocks noGrp="1"/>
-          </p:cNvSpPr>
-          <p:nvPr>
-            <p:ph type="title"/>
-          </p:nvPr>
-        </p:nvSpPr>
-        <p:spPr/>
-        <p:txBody>
-          <a:bodyPr/>
-          <a:lstStyle/>
-          <a:p>
-            <a:r>
-              <a:rPr lang="en-US" dirty="0"/>
-              <a:t>MAB Examples</a:t>
-            </a:r>
-          </a:p>
-        </p:txBody>
-      </p:sp>
-      <p:sp>
-        <p:nvSpPr>
-          <p:cNvPr id="3" name="Content Placeholder 2">
-            <a:extLst>
-              <a:ext uri="{FF2B5EF4-FFF2-40B4-BE49-F238E27FC236}">
-                <a16:creationId xmlns:a16="http://schemas.microsoft.com/office/drawing/2014/main" id="{D1AB754C-6ED9-4E72-B77B-ED60142D5301}"/>
-              </a:ext>
-            </a:extLst>
-          </p:cNvPr>
-          <p:cNvSpPr>
-            <a:spLocks noGrp="1"/>
-          </p:cNvSpPr>
-          <p:nvPr>
-            <p:ph idx="1"/>
-          </p:nvPr>
-        </p:nvSpPr>
-        <p:spPr>
-          <a:xfrm>
-            <a:off x="1182254" y="2014825"/>
-            <a:ext cx="9979891" cy="3458094"/>
-          </a:xfrm>
-        </p:spPr>
-        <p:txBody>
-          <a:bodyPr>
-            <a:normAutofit/>
-          </a:bodyPr>
-          <a:lstStyle/>
-          <a:p>
-            <a:r>
-              <a:rPr lang="en-US" dirty="0"/>
-              <a:t>Financial investment</a:t>
-            </a:r>
-          </a:p>
-          <a:p>
-            <a:endParaRPr lang="en-US" dirty="0"/>
-          </a:p>
-          <a:p>
-            <a:r>
-              <a:rPr lang="en-US" dirty="0"/>
-              <a:t>Clinical trials</a:t>
-            </a:r>
-          </a:p>
-          <a:p>
-            <a:endParaRPr lang="en-US" dirty="0"/>
-          </a:p>
-          <a:p>
-            <a:r>
-              <a:rPr lang="en-US" dirty="0"/>
-              <a:t>Digital advertisements</a:t>
-            </a:r>
-          </a:p>
-          <a:p>
-            <a:endParaRPr lang="en-US" dirty="0"/>
-          </a:p>
-          <a:p>
-            <a:endParaRPr lang="en-US" dirty="0"/>
-          </a:p>
-        </p:txBody>
-      </p:sp>
-    </p:spTree>
-    <p:extLst>
-      <p:ext uri="{BB962C8B-B14F-4D97-AF65-F5344CB8AC3E}">
-        <p14:creationId xmlns:p14="http://schemas.microsoft.com/office/powerpoint/2010/main" val="1872673048"/>
-      </p:ext>
-    </p:extLst>
-  </p:cSld>
-  <p:clrMapOvr>
-    <a:masterClrMapping/>
-  </p:clrMapOvr>
-</p:sld>
-</file>
-
-<file path=ppt/slides/slide7.xml><?xml version="1.0" encoding="utf-8"?>
-<p:sld xmlns:a="http://schemas.openxmlformats.org/drawingml/2006/main" xmlns:r="http://schemas.openxmlformats.org/officeDocument/2006/relationships" xmlns:p="http://schemas.openxmlformats.org/presentationml/2006/main">
-  <p:cSld>
-    <p:spTree>
-      <p:nvGrpSpPr>
-        <p:cNvPr id="1" name=""/>
-        <p:cNvGrpSpPr/>
-        <p:nvPr/>
-      </p:nvGrpSpPr>
-      <p:grpSpPr>
-        <a:xfrm>
-          <a:off x="0" y="0"/>
-          <a:ext cx="0" cy="0"/>
-          <a:chOff x="0" y="0"/>
-          <a:chExt cx="0" cy="0"/>
-        </a:xfrm>
-      </p:grpSpPr>
-      <p:sp>
-        <p:nvSpPr>
-          <p:cNvPr id="2" name="Title 1">
-            <a:extLst>
-              <a:ext uri="{FF2B5EF4-FFF2-40B4-BE49-F238E27FC236}">
                 <a16:creationId xmlns:a16="http://schemas.microsoft.com/office/drawing/2014/main" id="{44F1E078-34F0-4314-AF47-CF93E11A4E07}"/>
               </a:ext>
             </a:extLst>
@@ -9747,7 +9043,7 @@
 </p:sld>
 </file>
 
-<file path=ppt/slides/slide8.xml><?xml version="1.0" encoding="utf-8"?>
+<file path=ppt/slides/slide7.xml><?xml version="1.0" encoding="utf-8"?>
 <p:sld xmlns:a="http://schemas.openxmlformats.org/drawingml/2006/main" xmlns:r="http://schemas.openxmlformats.org/officeDocument/2006/relationships" xmlns:p="http://schemas.openxmlformats.org/presentationml/2006/main">
   <p:cSld>
     <p:spTree>
@@ -9849,6 +9145,162 @@
 </p:sld>
 </file>
 
+<file path=ppt/slides/slide8.xml><?xml version="1.0" encoding="utf-8"?>
+<p:sld xmlns:a="http://schemas.openxmlformats.org/drawingml/2006/main" xmlns:r="http://schemas.openxmlformats.org/officeDocument/2006/relationships" xmlns:p="http://schemas.openxmlformats.org/presentationml/2006/main">
+  <p:cSld>
+    <p:spTree>
+      <p:nvGrpSpPr>
+        <p:cNvPr id="1" name=""/>
+        <p:cNvGrpSpPr/>
+        <p:nvPr/>
+      </p:nvGrpSpPr>
+      <p:grpSpPr>
+        <a:xfrm>
+          <a:off x="0" y="0"/>
+          <a:ext cx="0" cy="0"/>
+          <a:chOff x="0" y="0"/>
+          <a:chExt cx="0" cy="0"/>
+        </a:xfrm>
+      </p:grpSpPr>
+      <p:sp>
+        <p:nvSpPr>
+          <p:cNvPr id="2" name="Title 1">
+            <a:extLst>
+              <a:ext uri="{FF2B5EF4-FFF2-40B4-BE49-F238E27FC236}">
+                <a16:creationId xmlns:a16="http://schemas.microsoft.com/office/drawing/2014/main" id="{D2BDE79B-8E85-492D-876B-6E06B0283CB9}"/>
+              </a:ext>
+            </a:extLst>
+          </p:cNvPr>
+          <p:cNvSpPr>
+            <a:spLocks noGrp="1"/>
+          </p:cNvSpPr>
+          <p:nvPr>
+            <p:ph type="title"/>
+          </p:nvPr>
+        </p:nvSpPr>
+        <p:spPr/>
+        <p:txBody>
+          <a:bodyPr/>
+          <a:lstStyle/>
+          <a:p>
+            <a:r>
+              <a:rPr lang="en-US" dirty="0"/>
+              <a:t>MAB problem strategies</a:t>
+            </a:r>
+          </a:p>
+        </p:txBody>
+      </p:sp>
+      <p:sp>
+        <p:nvSpPr>
+          <p:cNvPr id="3" name="Content Placeholder 2">
+            <a:extLst>
+              <a:ext uri="{FF2B5EF4-FFF2-40B4-BE49-F238E27FC236}">
+                <a16:creationId xmlns:a16="http://schemas.microsoft.com/office/drawing/2014/main" id="{4AE623EB-D452-4AA5-B675-DB85E6D301F9}"/>
+              </a:ext>
+            </a:extLst>
+          </p:cNvPr>
+          <p:cNvSpPr>
+            <a:spLocks noGrp="1"/>
+          </p:cNvSpPr>
+          <p:nvPr>
+            <p:ph idx="1"/>
+          </p:nvPr>
+        </p:nvSpPr>
+        <p:spPr>
+          <a:xfrm>
+            <a:off x="1295400" y="1992590"/>
+            <a:ext cx="9601200" cy="3581400"/>
+          </a:xfrm>
+        </p:spPr>
+        <p:txBody>
+          <a:bodyPr/>
+          <a:lstStyle/>
+          <a:p>
+            <a:r>
+              <a:rPr lang="en-US" dirty="0"/>
+              <a:t>No exploration : A naïve approach, often yields sub-optimal results</a:t>
+            </a:r>
+          </a:p>
+          <a:p>
+            <a:r>
+              <a:rPr lang="en-US" dirty="0"/>
+              <a:t>Exploration at random</a:t>
+            </a:r>
+          </a:p>
+          <a:p>
+            <a:r>
+              <a:rPr lang="en-US" dirty="0"/>
+              <a:t>Algorithmic exploration </a:t>
+            </a:r>
+          </a:p>
+          <a:p>
+            <a:pPr lvl="1"/>
+            <a:r>
+              <a:rPr lang="el-GR" dirty="0"/>
+              <a:t>ϵ</a:t>
+            </a:r>
+            <a:r>
+              <a:rPr lang="en-US" dirty="0"/>
+              <a:t> -Greedy Selection </a:t>
+            </a:r>
+          </a:p>
+          <a:p>
+            <a:pPr lvl="1"/>
+            <a:r>
+              <a:rPr lang="en-US" dirty="0"/>
+              <a:t>UCB arm selection </a:t>
+            </a:r>
+          </a:p>
+          <a:p>
+            <a:pPr lvl="1"/>
+            <a:r>
+              <a:rPr lang="en-US" dirty="0"/>
+              <a:t>Thompson sampling</a:t>
+            </a:r>
+          </a:p>
+          <a:p>
+            <a:pPr lvl="1"/>
+            <a:r>
+              <a:rPr lang="en-US" dirty="0"/>
+              <a:t>Etc. </a:t>
+            </a:r>
+          </a:p>
+          <a:p>
+            <a:endParaRPr lang="en-US" dirty="0"/>
+          </a:p>
+          <a:p>
+            <a:endParaRPr lang="en-US" dirty="0"/>
+          </a:p>
+          <a:p>
+            <a:endParaRPr lang="en-US" dirty="0"/>
+          </a:p>
+          <a:p>
+            <a:pPr marL="0" indent="0">
+              <a:buNone/>
+            </a:pPr>
+            <a:endParaRPr lang="en-US" dirty="0"/>
+          </a:p>
+          <a:p>
+            <a:endParaRPr lang="en-US" dirty="0"/>
+          </a:p>
+          <a:p>
+            <a:endParaRPr lang="en-US" dirty="0"/>
+          </a:p>
+        </p:txBody>
+      </p:sp>
+    </p:spTree>
+    <p:extLst>
+      <p:ext uri="{BB962C8B-B14F-4D97-AF65-F5344CB8AC3E}">
+        <p14:creationId xmlns:p14="http://schemas.microsoft.com/office/powerpoint/2010/main" val="3016005494"/>
+      </p:ext>
+    </p:extLst>
+  </p:cSld>
+  <p:clrMapOvr>
+    <a:masterClrMapping/>
+  </p:clrMapOvr>
+</p:sld>
+</file>
+
 <file path=ppt/slides/slide9.xml><?xml version="1.0" encoding="utf-8"?>
 <p:sld xmlns:a="http://schemas.openxmlformats.org/drawingml/2006/main" xmlns:r="http://schemas.openxmlformats.org/officeDocument/2006/relationships" xmlns:p="http://schemas.openxmlformats.org/presentationml/2006/main">
   <p:cSld>
@@ -9871,7 +9323,7 @@
           <p:cNvPr id="2" name="Title 1">
             <a:extLst>
               <a:ext uri="{FF2B5EF4-FFF2-40B4-BE49-F238E27FC236}">
-                <a16:creationId xmlns:a16="http://schemas.microsoft.com/office/drawing/2014/main" id="{D2BDE79B-8E85-492D-876B-6E06B0283CB9}"/>
+                <a16:creationId xmlns:a16="http://schemas.microsoft.com/office/drawing/2014/main" id="{4A6BEBCB-0F79-496D-9B27-46D59C18F6A6}"/>
               </a:ext>
             </a:extLst>
           </p:cNvPr>
@@ -9889,20 +9341,164 @@
           <a:p>
             <a:r>
               <a:rPr lang="en-US" dirty="0"/>
-              <a:t>MAB problem strategies</a:t>
-            </a:r>
-          </a:p>
-        </p:txBody>
-      </p:sp>
-      <p:sp>
-        <p:nvSpPr>
-          <p:cNvPr id="3" name="Content Placeholder 2">
+              <a:t>Demo MAB Case</a:t>
+            </a:r>
+          </a:p>
+        </p:txBody>
+      </p:sp>
+      <p:pic>
+        <p:nvPicPr>
+          <p:cNvPr id="5" name="Picture 3" descr="dmsinterface_slot">
+            <a:hlinkClick r:id="rId2"/>
             <a:extLst>
               <a:ext uri="{FF2B5EF4-FFF2-40B4-BE49-F238E27FC236}">
-                <a16:creationId xmlns:a16="http://schemas.microsoft.com/office/drawing/2014/main" id="{4AE623EB-D452-4AA5-B675-DB85E6D301F9}"/>
+                <a16:creationId xmlns:a16="http://schemas.microsoft.com/office/drawing/2014/main" id="{7E4028DA-4327-483A-8DAF-BA98E84213D2}"/>
               </a:ext>
             </a:extLst>
           </p:cNvPr>
+          <p:cNvPicPr>
+            <a:picLocks noChangeAspect="1" noChangeArrowheads="1"/>
+          </p:cNvPicPr>
+          <p:nvPr/>
+        </p:nvPicPr>
+        <p:blipFill>
+          <a:blip r:embed="rId3">
+            <a:extLst>
+              <a:ext uri="{28A0092B-C50C-407E-A947-70E740481C1C}">
+                <a14:useLocalDpi xmlns:a14="http://schemas.microsoft.com/office/drawing/2010/main" val="0"/>
+              </a:ext>
+            </a:extLst>
+          </a:blip>
+          <a:srcRect/>
+          <a:stretch>
+            <a:fillRect/>
+          </a:stretch>
+        </p:blipFill>
+        <p:spPr bwMode="auto">
+          <a:xfrm>
+            <a:off x="4480972" y="1557337"/>
+            <a:ext cx="1209675" cy="1343025"/>
+          </a:xfrm>
+          <a:prstGeom prst="rect">
+            <a:avLst/>
+          </a:prstGeom>
+          <a:noFill/>
+          <a:extLst>
+            <a:ext uri="{909E8E84-426E-40DD-AFC4-6F175D3DCCD1}">
+              <a14:hiddenFill xmlns:a14="http://schemas.microsoft.com/office/drawing/2010/main">
+                <a:solidFill>
+                  <a:srgbClr val="FFFFFF"/>
+                </a:solidFill>
+              </a14:hiddenFill>
+            </a:ext>
+          </a:extLst>
+        </p:spPr>
+      </p:pic>
+      <p:pic>
+        <p:nvPicPr>
+          <p:cNvPr id="6" name="Picture 3" descr="dmsinterface_slot">
+            <a:hlinkClick r:id="rId2"/>
+            <a:extLst>
+              <a:ext uri="{FF2B5EF4-FFF2-40B4-BE49-F238E27FC236}">
+                <a16:creationId xmlns:a16="http://schemas.microsoft.com/office/drawing/2014/main" id="{CC83C576-A43D-4054-B624-7DBDED6089B3}"/>
+              </a:ext>
+            </a:extLst>
+          </p:cNvPr>
+          <p:cNvPicPr>
+            <a:picLocks noChangeAspect="1" noChangeArrowheads="1"/>
+          </p:cNvPicPr>
+          <p:nvPr/>
+        </p:nvPicPr>
+        <p:blipFill>
+          <a:blip r:embed="rId3">
+            <a:extLst>
+              <a:ext uri="{28A0092B-C50C-407E-A947-70E740481C1C}">
+                <a14:useLocalDpi xmlns:a14="http://schemas.microsoft.com/office/drawing/2010/main" val="0"/>
+              </a:ext>
+            </a:extLst>
+          </a:blip>
+          <a:srcRect/>
+          <a:stretch>
+            <a:fillRect/>
+          </a:stretch>
+        </p:blipFill>
+        <p:spPr bwMode="auto">
+          <a:xfrm>
+            <a:off x="6636518" y="1557337"/>
+            <a:ext cx="1209675" cy="1343025"/>
+          </a:xfrm>
+          <a:prstGeom prst="rect">
+            <a:avLst/>
+          </a:prstGeom>
+          <a:noFill/>
+          <a:extLst>
+            <a:ext uri="{909E8E84-426E-40DD-AFC4-6F175D3DCCD1}">
+              <a14:hiddenFill xmlns:a14="http://schemas.microsoft.com/office/drawing/2010/main">
+                <a:solidFill>
+                  <a:srgbClr val="FFFFFF"/>
+                </a:solidFill>
+              </a14:hiddenFill>
+            </a:ext>
+          </a:extLst>
+        </p:spPr>
+      </p:pic>
+      <p:pic>
+        <p:nvPicPr>
+          <p:cNvPr id="7" name="Picture 3" descr="dmsinterface_slot">
+            <a:hlinkClick r:id="rId2"/>
+            <a:extLst>
+              <a:ext uri="{FF2B5EF4-FFF2-40B4-BE49-F238E27FC236}">
+                <a16:creationId xmlns:a16="http://schemas.microsoft.com/office/drawing/2014/main" id="{F1336A49-FA3B-401B-994A-C1486B625CDF}"/>
+              </a:ext>
+            </a:extLst>
+          </p:cNvPr>
+          <p:cNvPicPr>
+            <a:picLocks noChangeAspect="1" noChangeArrowheads="1"/>
+          </p:cNvPicPr>
+          <p:nvPr/>
+        </p:nvPicPr>
+        <p:blipFill>
+          <a:blip r:embed="rId3">
+            <a:extLst>
+              <a:ext uri="{28A0092B-C50C-407E-A947-70E740481C1C}">
+                <a14:useLocalDpi xmlns:a14="http://schemas.microsoft.com/office/drawing/2010/main" val="0"/>
+              </a:ext>
+            </a:extLst>
+          </a:blip>
+          <a:srcRect/>
+          <a:stretch>
+            <a:fillRect/>
+          </a:stretch>
+        </p:blipFill>
+        <p:spPr bwMode="auto">
+          <a:xfrm>
+            <a:off x="2317471" y="1557338"/>
+            <a:ext cx="1209675" cy="1343025"/>
+          </a:xfrm>
+          <a:prstGeom prst="rect">
+            <a:avLst/>
+          </a:prstGeom>
+          <a:noFill/>
+          <a:extLst>
+            <a:ext uri="{909E8E84-426E-40DD-AFC4-6F175D3DCCD1}">
+              <a14:hiddenFill xmlns:a14="http://schemas.microsoft.com/office/drawing/2010/main">
+                <a:solidFill>
+                  <a:srgbClr val="FFFFFF"/>
+                </a:solidFill>
+              </a14:hiddenFill>
+            </a:ext>
+          </a:extLst>
+        </p:spPr>
+      </p:pic>
+      <p:sp>
+        <p:nvSpPr>
+          <p:cNvPr id="9" name="Content Placeholder 8">
+            <a:extLst>
+              <a:ext uri="{FF2B5EF4-FFF2-40B4-BE49-F238E27FC236}">
+                <a16:creationId xmlns:a16="http://schemas.microsoft.com/office/drawing/2014/main" id="{7ED6C89E-D369-4390-95A9-C9A1D02398F0}"/>
+              </a:ext>
+            </a:extLst>
+          </p:cNvPr>
           <p:cNvSpPr>
             <a:spLocks noGrp="1"/>
           </p:cNvSpPr>
@@ -9910,74 +9506,10 @@
             <p:ph idx="1"/>
           </p:nvPr>
         </p:nvSpPr>
-        <p:spPr>
-          <a:xfrm>
-            <a:off x="1295400" y="1992590"/>
-            <a:ext cx="9601200" cy="3581400"/>
-          </a:xfrm>
-        </p:spPr>
+        <p:spPr/>
         <p:txBody>
           <a:bodyPr/>
           <a:lstStyle/>
-          <a:p>
-            <a:r>
-              <a:rPr lang="en-US" dirty="0"/>
-              <a:t>No exploration : A naïve approach, often yields sub-optimal results</a:t>
-            </a:r>
-          </a:p>
-          <a:p>
-            <a:r>
-              <a:rPr lang="en-US" dirty="0"/>
-              <a:t>Exploration at random</a:t>
-            </a:r>
-          </a:p>
-          <a:p>
-            <a:r>
-              <a:rPr lang="en-US" dirty="0"/>
-              <a:t>Algorithmic exploration </a:t>
-            </a:r>
-          </a:p>
-          <a:p>
-            <a:pPr lvl="1"/>
-            <a:r>
-              <a:rPr lang="el-GR" dirty="0"/>
-              <a:t>ϵ</a:t>
-            </a:r>
-            <a:r>
-              <a:rPr lang="en-US" dirty="0"/>
-              <a:t> -Greedy Selection </a:t>
-            </a:r>
-          </a:p>
-          <a:p>
-            <a:pPr lvl="1"/>
-            <a:r>
-              <a:rPr lang="en-US" dirty="0"/>
-              <a:t>UCB arm selection </a:t>
-            </a:r>
-          </a:p>
-          <a:p>
-            <a:pPr lvl="1"/>
-            <a:r>
-              <a:rPr lang="en-US" dirty="0"/>
-              <a:t>Thompson sampling</a:t>
-            </a:r>
-          </a:p>
-          <a:p>
-            <a:pPr lvl="1"/>
-            <a:r>
-              <a:rPr lang="en-US" dirty="0"/>
-              <a:t>Etc. </a:t>
-            </a:r>
-          </a:p>
-          <a:p>
-            <a:endParaRPr lang="en-US" dirty="0"/>
-          </a:p>
-          <a:p>
-            <a:endParaRPr lang="en-US" dirty="0"/>
-          </a:p>
-          <a:p>
-            <a:endParaRPr lang="en-US" dirty="0"/>
-          </a:p>
           <a:p>
             <a:pPr marL="0" indent="0">
               <a:buNone/>
@@ -9985,17 +9517,449 @@
             <a:endParaRPr lang="en-US" dirty="0"/>
           </a:p>
           <a:p>
+            <a:pPr marL="0" indent="0">
+              <a:buNone/>
+            </a:pPr>
             <a:endParaRPr lang="en-US" dirty="0"/>
           </a:p>
           <a:p>
+            <a:pPr marL="0" indent="0">
+              <a:buNone/>
+            </a:pPr>
             <a:endParaRPr lang="en-US" dirty="0"/>
           </a:p>
-        </p:txBody>
-      </p:sp>
+          <a:p>
+            <a:pPr marL="0" indent="0">
+              <a:buNone/>
+            </a:pPr>
+            <a:endParaRPr lang="en-US" dirty="0"/>
+          </a:p>
+        </p:txBody>
+      </p:sp>
+      <p:sp>
+        <p:nvSpPr>
+          <p:cNvPr id="10" name="TextBox 9">
+            <a:extLst>
+              <a:ext uri="{FF2B5EF4-FFF2-40B4-BE49-F238E27FC236}">
+                <a16:creationId xmlns:a16="http://schemas.microsoft.com/office/drawing/2014/main" id="{31F6B00C-66CB-424E-9C2A-5D2BF9953882}"/>
+              </a:ext>
+            </a:extLst>
+          </p:cNvPr>
+          <p:cNvSpPr txBox="1"/>
+          <p:nvPr/>
+        </p:nvSpPr>
+        <p:spPr>
+          <a:xfrm>
+            <a:off x="2587656" y="2936005"/>
+            <a:ext cx="669303" cy="461665"/>
+          </a:xfrm>
+          <a:prstGeom prst="rect">
+            <a:avLst/>
+          </a:prstGeom>
+          <a:noFill/>
+        </p:spPr>
+        <p:txBody>
+          <a:bodyPr wrap="square" rtlCol="0">
+            <a:spAutoFit/>
+          </a:bodyPr>
+          <a:lstStyle/>
+          <a:p>
+            <a:r>
+              <a:rPr lang="en-US" sz="2400" dirty="0"/>
+              <a:t>P</a:t>
+            </a:r>
+            <a:r>
+              <a:rPr lang="en-US" sz="1600" dirty="0"/>
+              <a:t>1</a:t>
+            </a:r>
+            <a:endParaRPr lang="en-US" dirty="0"/>
+          </a:p>
+        </p:txBody>
+      </p:sp>
+      <p:sp>
+        <p:nvSpPr>
+          <p:cNvPr id="13" name="TextBox 12">
+            <a:extLst>
+              <a:ext uri="{FF2B5EF4-FFF2-40B4-BE49-F238E27FC236}">
+                <a16:creationId xmlns:a16="http://schemas.microsoft.com/office/drawing/2014/main" id="{99FCC10A-E5E6-4638-91CF-1E2374939B58}"/>
+              </a:ext>
+            </a:extLst>
+          </p:cNvPr>
+          <p:cNvSpPr txBox="1"/>
+          <p:nvPr/>
+        </p:nvSpPr>
+        <p:spPr>
+          <a:xfrm>
+            <a:off x="6906703" y="2936006"/>
+            <a:ext cx="669303" cy="461665"/>
+          </a:xfrm>
+          <a:prstGeom prst="rect">
+            <a:avLst/>
+          </a:prstGeom>
+          <a:noFill/>
+        </p:spPr>
+        <p:txBody>
+          <a:bodyPr wrap="square" rtlCol="0">
+            <a:spAutoFit/>
+          </a:bodyPr>
+          <a:lstStyle/>
+          <a:p>
+            <a:r>
+              <a:rPr lang="en-US" sz="2400" dirty="0"/>
+              <a:t>P</a:t>
+            </a:r>
+            <a:r>
+              <a:rPr lang="en-US" sz="1600" dirty="0"/>
+              <a:t>3</a:t>
+            </a:r>
+            <a:endParaRPr lang="en-US" dirty="0"/>
+          </a:p>
+        </p:txBody>
+      </p:sp>
+      <p:sp>
+        <p:nvSpPr>
+          <p:cNvPr id="14" name="TextBox 13">
+            <a:extLst>
+              <a:ext uri="{FF2B5EF4-FFF2-40B4-BE49-F238E27FC236}">
+                <a16:creationId xmlns:a16="http://schemas.microsoft.com/office/drawing/2014/main" id="{2358C70F-31C8-4370-ACBA-6D050A551BF6}"/>
+              </a:ext>
+            </a:extLst>
+          </p:cNvPr>
+          <p:cNvSpPr txBox="1"/>
+          <p:nvPr/>
+        </p:nvSpPr>
+        <p:spPr>
+          <a:xfrm>
+            <a:off x="4805336" y="2956480"/>
+            <a:ext cx="669303" cy="461665"/>
+          </a:xfrm>
+          <a:prstGeom prst="rect">
+            <a:avLst/>
+          </a:prstGeom>
+          <a:noFill/>
+        </p:spPr>
+        <p:txBody>
+          <a:bodyPr wrap="square" rtlCol="0">
+            <a:spAutoFit/>
+          </a:bodyPr>
+          <a:lstStyle/>
+          <a:p>
+            <a:r>
+              <a:rPr lang="en-US" sz="2400" dirty="0"/>
+              <a:t>P</a:t>
+            </a:r>
+            <a:r>
+              <a:rPr lang="en-US" sz="1600" dirty="0"/>
+              <a:t>2</a:t>
+            </a:r>
+            <a:endParaRPr lang="en-US" dirty="0"/>
+          </a:p>
+        </p:txBody>
+      </p:sp>
+      <mc:AlternateContent xmlns:mc="http://schemas.openxmlformats.org/markup-compatibility/2006" xmlns:a14="http://schemas.microsoft.com/office/drawing/2010/main">
+        <mc:Choice Requires="a14">
+          <p:sp>
+            <p:nvSpPr>
+              <p:cNvPr id="15" name="TextBox 14">
+                <a:extLst>
+                  <a:ext uri="{FF2B5EF4-FFF2-40B4-BE49-F238E27FC236}">
+                    <a16:creationId xmlns:a16="http://schemas.microsoft.com/office/drawing/2014/main" id="{E3FD57A2-3407-4DFB-9CBB-47B49CAF3DDC}"/>
+                  </a:ext>
+                </a:extLst>
+              </p:cNvPr>
+              <p:cNvSpPr txBox="1"/>
+              <p:nvPr/>
+            </p:nvSpPr>
+            <p:spPr>
+              <a:xfrm>
+                <a:off x="1727865" y="3511970"/>
+                <a:ext cx="8491172" cy="2246769"/>
+              </a:xfrm>
+              <a:prstGeom prst="rect">
+                <a:avLst/>
+              </a:prstGeom>
+              <a:noFill/>
+            </p:spPr>
+            <p:txBody>
+              <a:bodyPr wrap="square" rtlCol="0">
+                <a:spAutoFit/>
+              </a:bodyPr>
+              <a:lstStyle/>
+              <a:p>
+                <a:pPr marL="285750" indent="-285750">
+                  <a:buFont typeface="Wingdings" panose="05000000000000000000" pitchFamily="2" charset="2"/>
+                  <a:buChar char="§"/>
+                </a:pPr>
+                <a:r>
+                  <a:rPr lang="en-US" sz="2000" dirty="0"/>
+                  <a:t>The reward takes two discrete values : 0 and 1</a:t>
+                </a:r>
+              </a:p>
+              <a:p>
+                <a:pPr marL="285750" indent="-285750">
+                  <a:buFont typeface="Wingdings" panose="05000000000000000000" pitchFamily="2" charset="2"/>
+                  <a:buChar char="§"/>
+                </a:pPr>
+                <a:endParaRPr lang="en-US" sz="2000" dirty="0"/>
+              </a:p>
+              <a:p>
+                <a:pPr marL="285750" indent="-285750">
+                  <a:buFont typeface="Wingdings" panose="05000000000000000000" pitchFamily="2" charset="2"/>
+                  <a:buChar char="§"/>
+                </a:pPr>
+                <a:r>
+                  <a:rPr lang="en-US" sz="2000" dirty="0"/>
+                  <a:t>Assume that the reward follows a Bernoulli distribution</a:t>
+                </a:r>
+              </a:p>
+              <a:p>
+                <a:pPr marL="285750" indent="-285750">
+                  <a:buFont typeface="Wingdings" panose="05000000000000000000" pitchFamily="2" charset="2"/>
+                  <a:buChar char="§"/>
+                </a:pPr>
+                <a:endParaRPr lang="en-US" sz="2000" dirty="0"/>
+              </a:p>
+              <a:p>
+                <a:pPr/>
+                <a14:m>
+                  <m:oMathPara xmlns:m="http://schemas.openxmlformats.org/officeDocument/2006/math">
+                    <m:oMathParaPr>
+                      <m:jc m:val="centerGroup"/>
+                    </m:oMathParaPr>
+                    <m:oMath xmlns:m="http://schemas.openxmlformats.org/officeDocument/2006/math">
+                      <m:func>
+                        <m:funcPr>
+                          <m:ctrlPr>
+                            <a:rPr lang="en-US" sz="2000" b="0" i="1" smtClean="0">
+                              <a:latin typeface="Cambria Math" panose="02040503050406030204" pitchFamily="18" charset="0"/>
+                            </a:rPr>
+                          </m:ctrlPr>
+                        </m:funcPr>
+                        <m:fName>
+                          <m:r>
+                            <m:rPr>
+                              <m:sty m:val="p"/>
+                            </m:rPr>
+                            <a:rPr lang="en-US" sz="2000" b="0" i="0" smtClean="0">
+                              <a:latin typeface="Cambria Math" panose="02040503050406030204" pitchFamily="18" charset="0"/>
+                            </a:rPr>
+                            <m:t>Pr</m:t>
+                          </m:r>
+                        </m:fName>
+                        <m:e>
+                          <m:d>
+                            <m:dPr>
+                              <m:ctrlPr>
+                                <a:rPr lang="en-US" sz="2000" b="0" i="1" smtClean="0">
+                                  <a:latin typeface="Cambria Math" panose="02040503050406030204" pitchFamily="18" charset="0"/>
+                                </a:rPr>
+                              </m:ctrlPr>
+                            </m:dPr>
+                            <m:e>
+                              <m:r>
+                                <a:rPr lang="en-US" sz="2000" b="0" i="1" smtClean="0">
+                                  <a:latin typeface="Cambria Math" panose="02040503050406030204" pitchFamily="18" charset="0"/>
+                                </a:rPr>
+                                <m:t>𝑟</m:t>
+                              </m:r>
+                              <m:r>
+                                <a:rPr lang="en-US" sz="2000" b="0" i="1" smtClean="0">
+                                  <a:latin typeface="Cambria Math" panose="02040503050406030204" pitchFamily="18" charset="0"/>
+                                </a:rPr>
+                                <m:t>|</m:t>
+                              </m:r>
+                              <m:r>
+                                <a:rPr lang="en-US" sz="2000" b="0" i="1" smtClean="0">
+                                  <a:latin typeface="Cambria Math" panose="02040503050406030204" pitchFamily="18" charset="0"/>
+                                </a:rPr>
+                                <m:t>𝜃</m:t>
+                              </m:r>
+                            </m:e>
+                          </m:d>
+                        </m:e>
+                      </m:func>
+                      <m:r>
+                        <a:rPr lang="en-US" sz="2000" b="0" i="1" smtClean="0">
+                          <a:latin typeface="Cambria Math" panose="02040503050406030204" pitchFamily="18" charset="0"/>
+                        </a:rPr>
+                        <m:t>=</m:t>
+                      </m:r>
+                      <m:sSup>
+                        <m:sSupPr>
+                          <m:ctrlPr>
+                            <a:rPr lang="en-US" sz="2000" b="0" i="1" smtClean="0">
+                              <a:latin typeface="Cambria Math" panose="02040503050406030204" pitchFamily="18" charset="0"/>
+                            </a:rPr>
+                          </m:ctrlPr>
+                        </m:sSupPr>
+                        <m:e>
+                          <m:r>
+                            <a:rPr lang="en-US" sz="2000" b="0" i="1" smtClean="0">
+                              <a:latin typeface="Cambria Math" panose="02040503050406030204" pitchFamily="18" charset="0"/>
+                            </a:rPr>
+                            <m:t>𝜃</m:t>
+                          </m:r>
+                        </m:e>
+                        <m:sup>
+                          <m:r>
+                            <a:rPr lang="en-US" sz="2000" b="0" i="1" smtClean="0">
+                              <a:latin typeface="Cambria Math" panose="02040503050406030204" pitchFamily="18" charset="0"/>
+                            </a:rPr>
+                            <m:t>𝑟</m:t>
+                          </m:r>
+                        </m:sup>
+                      </m:sSup>
+                      <m:sSup>
+                        <m:sSupPr>
+                          <m:ctrlPr>
+                            <a:rPr lang="en-US" sz="2000" b="0" i="1" smtClean="0">
+                              <a:latin typeface="Cambria Math" panose="02040503050406030204" pitchFamily="18" charset="0"/>
+                            </a:rPr>
+                          </m:ctrlPr>
+                        </m:sSupPr>
+                        <m:e>
+                          <m:d>
+                            <m:dPr>
+                              <m:ctrlPr>
+                                <a:rPr lang="en-US" sz="2000" b="0" i="1" smtClean="0">
+                                  <a:latin typeface="Cambria Math" panose="02040503050406030204" pitchFamily="18" charset="0"/>
+                                </a:rPr>
+                              </m:ctrlPr>
+                            </m:dPr>
+                            <m:e>
+                              <m:r>
+                                <a:rPr lang="en-US" sz="2000" b="0" i="1" smtClean="0">
+                                  <a:latin typeface="Cambria Math" panose="02040503050406030204" pitchFamily="18" charset="0"/>
+                                </a:rPr>
+                                <m:t>1−</m:t>
+                              </m:r>
+                              <m:r>
+                                <a:rPr lang="en-US" sz="2000" b="0" i="1" smtClean="0">
+                                  <a:latin typeface="Cambria Math" panose="02040503050406030204" pitchFamily="18" charset="0"/>
+                                </a:rPr>
+                                <m:t>𝜃</m:t>
+                              </m:r>
+                            </m:e>
+                          </m:d>
+                        </m:e>
+                        <m:sup>
+                          <m:r>
+                            <a:rPr lang="en-US" sz="2000" b="0" i="1" smtClean="0">
+                              <a:latin typeface="Cambria Math" panose="02040503050406030204" pitchFamily="18" charset="0"/>
+                            </a:rPr>
+                            <m:t>1−</m:t>
+                          </m:r>
+                          <m:r>
+                            <a:rPr lang="en-US" sz="2000" b="0" i="1" smtClean="0">
+                              <a:latin typeface="Cambria Math" panose="02040503050406030204" pitchFamily="18" charset="0"/>
+                            </a:rPr>
+                            <m:t>𝑟</m:t>
+                          </m:r>
+                        </m:sup>
+                      </m:sSup>
+                      <m:r>
+                        <a:rPr lang="en-US" sz="2000" b="0" i="1" smtClean="0">
+                          <a:latin typeface="Cambria Math" panose="02040503050406030204" pitchFamily="18" charset="0"/>
+                        </a:rPr>
+                        <m:t>,  </m:t>
+                      </m:r>
+                      <m:r>
+                        <a:rPr lang="en-US" sz="2000" b="0" i="1" smtClean="0">
+                          <a:latin typeface="Cambria Math" panose="02040503050406030204" pitchFamily="18" charset="0"/>
+                        </a:rPr>
+                        <m:t>𝑟</m:t>
+                      </m:r>
+                      <m:r>
+                        <a:rPr lang="en-US" sz="2000" b="0" i="1" smtClean="0">
+                          <a:latin typeface="Cambria Math" panose="02040503050406030204" pitchFamily="18" charset="0"/>
+                        </a:rPr>
+                        <m:t>∈</m:t>
+                      </m:r>
+                      <m:d>
+                        <m:dPr>
+                          <m:begChr m:val="{"/>
+                          <m:endChr m:val="}"/>
+                          <m:ctrlPr>
+                            <a:rPr lang="en-US" sz="2000" b="0" i="1" smtClean="0">
+                              <a:latin typeface="Cambria Math" panose="02040503050406030204" pitchFamily="18" charset="0"/>
+                            </a:rPr>
+                          </m:ctrlPr>
+                        </m:dPr>
+                        <m:e>
+                          <m:r>
+                            <a:rPr lang="en-US" sz="2000" b="0" i="1" smtClean="0">
+                              <a:latin typeface="Cambria Math" panose="02040503050406030204" pitchFamily="18" charset="0"/>
+                            </a:rPr>
+                            <m:t>0,1</m:t>
+                          </m:r>
+                        </m:e>
+                      </m:d>
+                    </m:oMath>
+                  </m:oMathPara>
+                </a14:m>
+                <a:endParaRPr lang="en-US" sz="2000" dirty="0"/>
+              </a:p>
+              <a:p>
+                <a:endParaRPr lang="en-US" sz="2000" dirty="0"/>
+              </a:p>
+              <a:p>
+                <a:r>
+                  <a:rPr lang="en-US" sz="2000" dirty="0"/>
+                  <a:t>  </a:t>
+                </a:r>
+              </a:p>
+            </p:txBody>
+          </p:sp>
+        </mc:Choice>
+        <mc:Fallback xmlns="">
+          <p:sp>
+            <p:nvSpPr>
+              <p:cNvPr id="15" name="TextBox 14">
+                <a:extLst>
+                  <a:ext uri="{FF2B5EF4-FFF2-40B4-BE49-F238E27FC236}">
+                    <a16:creationId xmlns:a16="http://schemas.microsoft.com/office/drawing/2014/main" id="{E3FD57A2-3407-4DFB-9CBB-47B49CAF3DDC}"/>
+                  </a:ext>
+                </a:extLst>
+              </p:cNvPr>
+              <p:cNvSpPr txBox="1">
+                <a:spLocks noRot="1" noChangeAspect="1" noMove="1" noResize="1" noEditPoints="1" noAdjustHandles="1" noChangeArrowheads="1" noChangeShapeType="1" noTextEdit="1"/>
+              </p:cNvSpPr>
+              <p:nvPr/>
+            </p:nvSpPr>
+            <p:spPr>
+              <a:xfrm>
+                <a:off x="1727865" y="3511970"/>
+                <a:ext cx="8491172" cy="2246769"/>
+              </a:xfrm>
+              <a:prstGeom prst="rect">
+                <a:avLst/>
+              </a:prstGeom>
+              <a:blipFill>
+                <a:blip r:embed="rId4"/>
+                <a:stretch>
+                  <a:fillRect l="-646" t="-1355"/>
+                </a:stretch>
+              </a:blipFill>
+            </p:spPr>
+            <p:txBody>
+              <a:bodyPr/>
+              <a:lstStyle/>
+              <a:p>
+                <a:r>
+                  <a:rPr lang="en-US">
+                    <a:noFill/>
+                  </a:rPr>
+                  <a:t> </a:t>
+                </a:r>
+              </a:p>
+            </p:txBody>
+          </p:sp>
+        </mc:Fallback>
+      </mc:AlternateContent>
     </p:spTree>
     <p:extLst>
       <p:ext uri="{BB962C8B-B14F-4D97-AF65-F5344CB8AC3E}">
-        <p14:creationId xmlns:p14="http://schemas.microsoft.com/office/powerpoint/2010/main" val="3016005494"/>
+        <p14:creationId xmlns:p14="http://schemas.microsoft.com/office/powerpoint/2010/main" val="1287553037"/>
       </p:ext>
     </p:extLst>
   </p:cSld>
